--- a/manuscript/Figures/ProbFC_Knowledge_Effectiveness_Observed.pptx
+++ b/manuscript/Figures/ProbFC_Knowledge_Effectiveness_Observed.pptx
@@ -2,12 +2,12 @@
 <file path=ppt/presentation.xml><?xml version="1.0" encoding="utf-8"?>
 <p:presentation xmlns:a="http://schemas.openxmlformats.org/drawingml/2006/main" xmlns:r="http://schemas.openxmlformats.org/officeDocument/2006/relationships" xmlns:p="http://schemas.openxmlformats.org/presentationml/2006/main" saveSubsetFonts="1">
   <p:sldMasterIdLst>
-    <p:sldMasterId id="2147483684" r:id="rId1"/>
+    <p:sldMasterId id="2147483708" r:id="rId1"/>
   </p:sldMasterIdLst>
   <p:sldIdLst>
-    <p:sldId id="258" r:id="rId2"/>
+    <p:sldId id="259" r:id="rId2"/>
   </p:sldIdLst>
-  <p:sldSz cx="3132138" cy="2519363"/>
+  <p:sldSz cx="3276600" cy="2430463"/>
   <p:notesSz cx="6858000" cy="9144000"/>
   <p:defaultTextStyle>
     <a:defPPr>
@@ -107,12 +107,12 @@
   <p:extLst>
     <p:ext uri="{EFAFB233-063F-42B5-8137-9DF3F51BA10A}">
       <p15:sldGuideLst xmlns:p15="http://schemas.microsoft.com/office/powerpoint/2012/main">
-        <p15:guide id="1" orient="horz" pos="794" userDrawn="1">
+        <p15:guide id="1" orient="horz" pos="766" userDrawn="1">
           <p15:clr>
             <a:srgbClr val="A4A3A4"/>
           </p15:clr>
         </p15:guide>
-        <p15:guide id="2" pos="987" userDrawn="1">
+        <p15:guide id="2" pos="1033" userDrawn="1">
           <p15:clr>
             <a:srgbClr val="A4A3A4"/>
           </p15:clr>
@@ -123,12 +123,25 @@
 </p:presentation>
 </file>
 
-<file path=ppt/revisionInfo.xml><?xml version="1.0" encoding="utf-8"?>
-<p1510:revInfo xmlns:a="http://schemas.openxmlformats.org/drawingml/2006/main" xmlns:r="http://schemas.openxmlformats.org/officeDocument/2006/relationships" xmlns:p1510="http://schemas.microsoft.com/office/powerpoint/2015/10/main">
-  <p1510:revLst>
-    <p1510:client id="{ACD6C1BC-816C-47F7-95B8-C972C523F3EB}" v="153" dt="2020-11-28T14:57:16.681"/>
-  </p1510:revLst>
-</p1510:revInfo>
+<file path=ppt/changesInfos/changesInfo1.xml><?xml version="1.0" encoding="utf-8"?>
+<pc:chgInfo xmlns:a="http://schemas.openxmlformats.org/drawingml/2006/main" xmlns:r="http://schemas.openxmlformats.org/officeDocument/2006/relationships" xmlns:ac="http://schemas.microsoft.com/office/drawing/2013/main/command" xmlns:pc="http://schemas.microsoft.com/office/powerpoint/2013/main/command">
+  <pc:docChgLst>
+    <pc:chgData name="Fatima Pillosu" userId="a6295d4dc9e22643" providerId="LiveId" clId="{3117CC99-A8D8-4417-AA48-A79BC152B569}"/>
+    <pc:docChg chg="delSld">
+      <pc:chgData name="Fatima Pillosu" userId="a6295d4dc9e22643" providerId="LiveId" clId="{3117CC99-A8D8-4417-AA48-A79BC152B569}" dt="2020-11-30T04:55:56.631" v="0" actId="2696"/>
+      <pc:docMkLst>
+        <pc:docMk/>
+      </pc:docMkLst>
+      <pc:sldChg chg="del">
+        <pc:chgData name="Fatima Pillosu" userId="a6295d4dc9e22643" providerId="LiveId" clId="{3117CC99-A8D8-4417-AA48-A79BC152B569}" dt="2020-11-30T04:55:56.631" v="0" actId="2696"/>
+        <pc:sldMkLst>
+          <pc:docMk/>
+          <pc:sldMk cId="142998642" sldId="260"/>
+        </pc:sldMkLst>
+      </pc:sldChg>
+    </pc:docChg>
+  </pc:docChgLst>
+</pc:chgInfo>
 </file>
 
 <file path=ppt/slideLayouts/slideLayout1.xml><?xml version="1.0" encoding="utf-8"?>
@@ -160,15 +173,15 @@
         </p:nvSpPr>
         <p:spPr>
           <a:xfrm>
-            <a:off x="234911" y="412312"/>
-            <a:ext cx="2662317" cy="877112"/>
+            <a:off x="245745" y="397764"/>
+            <a:ext cx="2785110" cy="846161"/>
           </a:xfrm>
         </p:spPr>
         <p:txBody>
           <a:bodyPr anchor="b"/>
           <a:lstStyle>
             <a:lvl1pPr algn="ctr">
-              <a:defRPr sz="2055"/>
+              <a:defRPr sz="2126"/>
             </a:lvl1pPr>
           </a:lstStyle>
           <a:p>
@@ -192,8 +205,8 @@
         </p:nvSpPr>
         <p:spPr>
           <a:xfrm>
-            <a:off x="391517" y="1323249"/>
-            <a:ext cx="2349104" cy="608263"/>
+            <a:off x="409575" y="1276556"/>
+            <a:ext cx="2457450" cy="586799"/>
           </a:xfrm>
         </p:spPr>
         <p:txBody>
@@ -201,39 +214,39 @@
           <a:lstStyle>
             <a:lvl1pPr marL="0" indent="0" algn="ctr">
               <a:buNone/>
-              <a:defRPr sz="822"/>
+              <a:defRPr sz="851"/>
             </a:lvl1pPr>
-            <a:lvl2pPr marL="156591" indent="0" algn="ctr">
-              <a:buNone/>
-              <a:defRPr sz="685"/>
+            <a:lvl2pPr marL="162032" indent="0" algn="ctr">
+              <a:buNone/>
+              <a:defRPr sz="709"/>
             </a:lvl2pPr>
-            <a:lvl3pPr marL="313182" indent="0" algn="ctr">
-              <a:buNone/>
-              <a:defRPr sz="617"/>
+            <a:lvl3pPr marL="324063" indent="0" algn="ctr">
+              <a:buNone/>
+              <a:defRPr sz="638"/>
             </a:lvl3pPr>
-            <a:lvl4pPr marL="469773" indent="0" algn="ctr">
-              <a:buNone/>
-              <a:defRPr sz="548"/>
+            <a:lvl4pPr marL="486095" indent="0" algn="ctr">
+              <a:buNone/>
+              <a:defRPr sz="567"/>
             </a:lvl4pPr>
-            <a:lvl5pPr marL="626364" indent="0" algn="ctr">
-              <a:buNone/>
-              <a:defRPr sz="548"/>
+            <a:lvl5pPr marL="648127" indent="0" algn="ctr">
+              <a:buNone/>
+              <a:defRPr sz="567"/>
             </a:lvl5pPr>
-            <a:lvl6pPr marL="782955" indent="0" algn="ctr">
-              <a:buNone/>
-              <a:defRPr sz="548"/>
+            <a:lvl6pPr marL="810158" indent="0" algn="ctr">
+              <a:buNone/>
+              <a:defRPr sz="567"/>
             </a:lvl6pPr>
-            <a:lvl7pPr marL="939546" indent="0" algn="ctr">
-              <a:buNone/>
-              <a:defRPr sz="548"/>
+            <a:lvl7pPr marL="972190" indent="0" algn="ctr">
+              <a:buNone/>
+              <a:defRPr sz="567"/>
             </a:lvl7pPr>
-            <a:lvl8pPr marL="1096137" indent="0" algn="ctr">
-              <a:buNone/>
-              <a:defRPr sz="548"/>
+            <a:lvl8pPr marL="1134222" indent="0" algn="ctr">
+              <a:buNone/>
+              <a:defRPr sz="567"/>
             </a:lvl8pPr>
-            <a:lvl9pPr marL="1252728" indent="0" algn="ctr">
-              <a:buNone/>
-              <a:defRPr sz="548"/>
+            <a:lvl9pPr marL="1296253" indent="0" algn="ctr">
+              <a:buNone/>
+              <a:defRPr sz="567"/>
             </a:lvl9pPr>
           </a:lstStyle>
           <a:p>
@@ -262,7 +275,7 @@
           <a:p>
             <a:fld id="{167D0764-9DAD-4C7F-9AA0-390EE444472D}" type="datetimeFigureOut">
               <a:rPr lang="en-GB" smtClean="0"/>
-              <a:t>28/11/2020</a:t>
+              <a:t>29/11/2020</a:t>
             </a:fld>
             <a:endParaRPr lang="en-GB"/>
           </a:p>
@@ -304,7 +317,7 @@
           <a:p>
             <a:fld id="{28530C72-7499-4C53-B4CA-7B6378FC2FF7}" type="slidenum">
               <a:rPr lang="en-GB" smtClean="0"/>
-              <a:t>‹N›</a:t>
+              <a:t>‹#›</a:t>
             </a:fld>
             <a:endParaRPr lang="en-GB"/>
           </a:p>
@@ -313,7 +326,7 @@
     </p:spTree>
     <p:extLst>
       <p:ext uri="{BB962C8B-B14F-4D97-AF65-F5344CB8AC3E}">
-        <p14:creationId xmlns:p14="http://schemas.microsoft.com/office/powerpoint/2010/main" val="1949071519"/>
+        <p14:creationId xmlns:p14="http://schemas.microsoft.com/office/powerpoint/2010/main" val="444970431"/>
       </p:ext>
     </p:extLst>
   </p:cSld>
@@ -432,7 +445,7 @@
           <a:p>
             <a:fld id="{167D0764-9DAD-4C7F-9AA0-390EE444472D}" type="datetimeFigureOut">
               <a:rPr lang="en-GB" smtClean="0"/>
-              <a:t>28/11/2020</a:t>
+              <a:t>29/11/2020</a:t>
             </a:fld>
             <a:endParaRPr lang="en-GB"/>
           </a:p>
@@ -474,7 +487,7 @@
           <a:p>
             <a:fld id="{28530C72-7499-4C53-B4CA-7B6378FC2FF7}" type="slidenum">
               <a:rPr lang="en-GB" smtClean="0"/>
-              <a:t>‹N›</a:t>
+              <a:t>‹#›</a:t>
             </a:fld>
             <a:endParaRPr lang="en-GB"/>
           </a:p>
@@ -483,7 +496,7 @@
     </p:spTree>
     <p:extLst>
       <p:ext uri="{BB962C8B-B14F-4D97-AF65-F5344CB8AC3E}">
-        <p14:creationId xmlns:p14="http://schemas.microsoft.com/office/powerpoint/2010/main" val="498474611"/>
+        <p14:creationId xmlns:p14="http://schemas.microsoft.com/office/powerpoint/2010/main" val="1052232198"/>
       </p:ext>
     </p:extLst>
   </p:cSld>
@@ -522,8 +535,8 @@
         </p:nvSpPr>
         <p:spPr>
           <a:xfrm>
-            <a:off x="2241437" y="134133"/>
-            <a:ext cx="675367" cy="2135044"/>
+            <a:off x="2344817" y="129400"/>
+            <a:ext cx="706517" cy="2059705"/>
           </a:xfrm>
         </p:spPr>
         <p:txBody>
@@ -550,8 +563,8 @@
         </p:nvSpPr>
         <p:spPr>
           <a:xfrm>
-            <a:off x="215335" y="134133"/>
-            <a:ext cx="1986950" cy="2135044"/>
+            <a:off x="225266" y="129400"/>
+            <a:ext cx="2078593" cy="2059705"/>
           </a:xfrm>
         </p:spPr>
         <p:txBody>
@@ -612,7 +625,7 @@
           <a:p>
             <a:fld id="{167D0764-9DAD-4C7F-9AA0-390EE444472D}" type="datetimeFigureOut">
               <a:rPr lang="en-GB" smtClean="0"/>
-              <a:t>28/11/2020</a:t>
+              <a:t>29/11/2020</a:t>
             </a:fld>
             <a:endParaRPr lang="en-GB"/>
           </a:p>
@@ -654,7 +667,7 @@
           <a:p>
             <a:fld id="{28530C72-7499-4C53-B4CA-7B6378FC2FF7}" type="slidenum">
               <a:rPr lang="en-GB" smtClean="0"/>
-              <a:t>‹N›</a:t>
+              <a:t>‹#›</a:t>
             </a:fld>
             <a:endParaRPr lang="en-GB"/>
           </a:p>
@@ -663,7 +676,7 @@
     </p:spTree>
     <p:extLst>
       <p:ext uri="{BB962C8B-B14F-4D97-AF65-F5344CB8AC3E}">
-        <p14:creationId xmlns:p14="http://schemas.microsoft.com/office/powerpoint/2010/main" val="4064792036"/>
+        <p14:creationId xmlns:p14="http://schemas.microsoft.com/office/powerpoint/2010/main" val="1450200208"/>
       </p:ext>
     </p:extLst>
   </p:cSld>
@@ -782,7 +795,7 @@
           <a:p>
             <a:fld id="{167D0764-9DAD-4C7F-9AA0-390EE444472D}" type="datetimeFigureOut">
               <a:rPr lang="en-GB" smtClean="0"/>
-              <a:t>28/11/2020</a:t>
+              <a:t>29/11/2020</a:t>
             </a:fld>
             <a:endParaRPr lang="en-GB"/>
           </a:p>
@@ -824,7 +837,7 @@
           <a:p>
             <a:fld id="{28530C72-7499-4C53-B4CA-7B6378FC2FF7}" type="slidenum">
               <a:rPr lang="en-GB" smtClean="0"/>
-              <a:t>‹N›</a:t>
+              <a:t>‹#›</a:t>
             </a:fld>
             <a:endParaRPr lang="en-GB"/>
           </a:p>
@@ -833,7 +846,7 @@
     </p:spTree>
     <p:extLst>
       <p:ext uri="{BB962C8B-B14F-4D97-AF65-F5344CB8AC3E}">
-        <p14:creationId xmlns:p14="http://schemas.microsoft.com/office/powerpoint/2010/main" val="521159117"/>
+        <p14:creationId xmlns:p14="http://schemas.microsoft.com/office/powerpoint/2010/main" val="495508448"/>
       </p:ext>
     </p:extLst>
   </p:cSld>
@@ -872,15 +885,15 @@
         </p:nvSpPr>
         <p:spPr>
           <a:xfrm>
-            <a:off x="213703" y="628092"/>
-            <a:ext cx="2701469" cy="1047985"/>
+            <a:off x="223560" y="605929"/>
+            <a:ext cx="2826068" cy="1011005"/>
           </a:xfrm>
         </p:spPr>
         <p:txBody>
           <a:bodyPr anchor="b"/>
           <a:lstStyle>
             <a:lvl1pPr>
-              <a:defRPr sz="2055"/>
+              <a:defRPr sz="2126"/>
             </a:lvl1pPr>
           </a:lstStyle>
           <a:p>
@@ -904,8 +917,8 @@
         </p:nvSpPr>
         <p:spPr>
           <a:xfrm>
-            <a:off x="213703" y="1685991"/>
-            <a:ext cx="2701469" cy="551110"/>
+            <a:off x="223560" y="1626498"/>
+            <a:ext cx="2826068" cy="531664"/>
           </a:xfrm>
         </p:spPr>
         <p:txBody>
@@ -913,15 +926,15 @@
           <a:lstStyle>
             <a:lvl1pPr marL="0" indent="0">
               <a:buNone/>
-              <a:defRPr sz="822">
+              <a:defRPr sz="851">
                 <a:solidFill>
                   <a:schemeClr val="tx1"/>
                 </a:solidFill>
               </a:defRPr>
             </a:lvl1pPr>
-            <a:lvl2pPr marL="156591" indent="0">
-              <a:buNone/>
-              <a:defRPr sz="685">
+            <a:lvl2pPr marL="162032" indent="0">
+              <a:buNone/>
+              <a:defRPr sz="709">
                 <a:solidFill>
                   <a:schemeClr val="tx1">
                     <a:tint val="75000"/>
@@ -929,9 +942,9 @@
                 </a:solidFill>
               </a:defRPr>
             </a:lvl2pPr>
-            <a:lvl3pPr marL="313182" indent="0">
-              <a:buNone/>
-              <a:defRPr sz="617">
+            <a:lvl3pPr marL="324063" indent="0">
+              <a:buNone/>
+              <a:defRPr sz="638">
                 <a:solidFill>
                   <a:schemeClr val="tx1">
                     <a:tint val="75000"/>
@@ -939,9 +952,9 @@
                 </a:solidFill>
               </a:defRPr>
             </a:lvl3pPr>
-            <a:lvl4pPr marL="469773" indent="0">
-              <a:buNone/>
-              <a:defRPr sz="548">
+            <a:lvl4pPr marL="486095" indent="0">
+              <a:buNone/>
+              <a:defRPr sz="567">
                 <a:solidFill>
                   <a:schemeClr val="tx1">
                     <a:tint val="75000"/>
@@ -949,9 +962,9 @@
                 </a:solidFill>
               </a:defRPr>
             </a:lvl4pPr>
-            <a:lvl5pPr marL="626364" indent="0">
-              <a:buNone/>
-              <a:defRPr sz="548">
+            <a:lvl5pPr marL="648127" indent="0">
+              <a:buNone/>
+              <a:defRPr sz="567">
                 <a:solidFill>
                   <a:schemeClr val="tx1">
                     <a:tint val="75000"/>
@@ -959,9 +972,9 @@
                 </a:solidFill>
               </a:defRPr>
             </a:lvl5pPr>
-            <a:lvl6pPr marL="782955" indent="0">
-              <a:buNone/>
-              <a:defRPr sz="548">
+            <a:lvl6pPr marL="810158" indent="0">
+              <a:buNone/>
+              <a:defRPr sz="567">
                 <a:solidFill>
                   <a:schemeClr val="tx1">
                     <a:tint val="75000"/>
@@ -969,9 +982,9 @@
                 </a:solidFill>
               </a:defRPr>
             </a:lvl6pPr>
-            <a:lvl7pPr marL="939546" indent="0">
-              <a:buNone/>
-              <a:defRPr sz="548">
+            <a:lvl7pPr marL="972190" indent="0">
+              <a:buNone/>
+              <a:defRPr sz="567">
                 <a:solidFill>
                   <a:schemeClr val="tx1">
                     <a:tint val="75000"/>
@@ -979,9 +992,9 @@
                 </a:solidFill>
               </a:defRPr>
             </a:lvl7pPr>
-            <a:lvl8pPr marL="1096137" indent="0">
-              <a:buNone/>
-              <a:defRPr sz="548">
+            <a:lvl8pPr marL="1134222" indent="0">
+              <a:buNone/>
+              <a:defRPr sz="567">
                 <a:solidFill>
                   <a:schemeClr val="tx1">
                     <a:tint val="75000"/>
@@ -989,9 +1002,9 @@
                 </a:solidFill>
               </a:defRPr>
             </a:lvl8pPr>
-            <a:lvl9pPr marL="1252728" indent="0">
-              <a:buNone/>
-              <a:defRPr sz="548">
+            <a:lvl9pPr marL="1296253" indent="0">
+              <a:buNone/>
+              <a:defRPr sz="567">
                 <a:solidFill>
                   <a:schemeClr val="tx1">
                     <a:tint val="75000"/>
@@ -1026,7 +1039,7 @@
           <a:p>
             <a:fld id="{167D0764-9DAD-4C7F-9AA0-390EE444472D}" type="datetimeFigureOut">
               <a:rPr lang="en-GB" smtClean="0"/>
-              <a:t>28/11/2020</a:t>
+              <a:t>29/11/2020</a:t>
             </a:fld>
             <a:endParaRPr lang="en-GB"/>
           </a:p>
@@ -1068,7 +1081,7 @@
           <a:p>
             <a:fld id="{28530C72-7499-4C53-B4CA-7B6378FC2FF7}" type="slidenum">
               <a:rPr lang="en-GB" smtClean="0"/>
-              <a:t>‹N›</a:t>
+              <a:t>‹#›</a:t>
             </a:fld>
             <a:endParaRPr lang="en-GB"/>
           </a:p>
@@ -1077,7 +1090,7 @@
     </p:spTree>
     <p:extLst>
       <p:ext uri="{BB962C8B-B14F-4D97-AF65-F5344CB8AC3E}">
-        <p14:creationId xmlns:p14="http://schemas.microsoft.com/office/powerpoint/2010/main" val="2076703057"/>
+        <p14:creationId xmlns:p14="http://schemas.microsoft.com/office/powerpoint/2010/main" val="432138779"/>
       </p:ext>
     </p:extLst>
   </p:cSld>
@@ -1139,8 +1152,8 @@
         </p:nvSpPr>
         <p:spPr>
           <a:xfrm>
-            <a:off x="215334" y="670664"/>
-            <a:ext cx="1331159" cy="1598513"/>
+            <a:off x="225266" y="646998"/>
+            <a:ext cx="1392555" cy="1542106"/>
           </a:xfrm>
         </p:spPr>
         <p:txBody>
@@ -1196,8 +1209,8 @@
         </p:nvSpPr>
         <p:spPr>
           <a:xfrm>
-            <a:off x="1585645" y="670664"/>
-            <a:ext cx="1331159" cy="1598513"/>
+            <a:off x="1658779" y="646998"/>
+            <a:ext cx="1392555" cy="1542106"/>
           </a:xfrm>
         </p:spPr>
         <p:txBody>
@@ -1258,7 +1271,7 @@
           <a:p>
             <a:fld id="{167D0764-9DAD-4C7F-9AA0-390EE444472D}" type="datetimeFigureOut">
               <a:rPr lang="en-GB" smtClean="0"/>
-              <a:t>28/11/2020</a:t>
+              <a:t>29/11/2020</a:t>
             </a:fld>
             <a:endParaRPr lang="en-GB"/>
           </a:p>
@@ -1300,7 +1313,7 @@
           <a:p>
             <a:fld id="{28530C72-7499-4C53-B4CA-7B6378FC2FF7}" type="slidenum">
               <a:rPr lang="en-GB" smtClean="0"/>
-              <a:t>‹N›</a:t>
+              <a:t>‹#›</a:t>
             </a:fld>
             <a:endParaRPr lang="en-GB"/>
           </a:p>
@@ -1309,7 +1322,7 @@
     </p:spTree>
     <p:extLst>
       <p:ext uri="{BB962C8B-B14F-4D97-AF65-F5344CB8AC3E}">
-        <p14:creationId xmlns:p14="http://schemas.microsoft.com/office/powerpoint/2010/main" val="1284870049"/>
+        <p14:creationId xmlns:p14="http://schemas.microsoft.com/office/powerpoint/2010/main" val="2340731804"/>
       </p:ext>
     </p:extLst>
   </p:cSld>
@@ -1348,8 +1361,8 @@
         </p:nvSpPr>
         <p:spPr>
           <a:xfrm>
-            <a:off x="215742" y="134133"/>
-            <a:ext cx="2701469" cy="486960"/>
+            <a:off x="225693" y="129400"/>
+            <a:ext cx="2826068" cy="469777"/>
           </a:xfrm>
         </p:spPr>
         <p:txBody>
@@ -1376,8 +1389,8 @@
         </p:nvSpPr>
         <p:spPr>
           <a:xfrm>
-            <a:off x="215743" y="617594"/>
-            <a:ext cx="1325041" cy="302673"/>
+            <a:off x="225693" y="595801"/>
+            <a:ext cx="1386155" cy="291993"/>
           </a:xfrm>
         </p:spPr>
         <p:txBody>
@@ -1385,39 +1398,39 @@
           <a:lstStyle>
             <a:lvl1pPr marL="0" indent="0">
               <a:buNone/>
-              <a:defRPr sz="822" b="1"/>
+              <a:defRPr sz="851" b="1"/>
             </a:lvl1pPr>
-            <a:lvl2pPr marL="156591" indent="0">
-              <a:buNone/>
-              <a:defRPr sz="685" b="1"/>
+            <a:lvl2pPr marL="162032" indent="0">
+              <a:buNone/>
+              <a:defRPr sz="709" b="1"/>
             </a:lvl2pPr>
-            <a:lvl3pPr marL="313182" indent="0">
-              <a:buNone/>
-              <a:defRPr sz="617" b="1"/>
+            <a:lvl3pPr marL="324063" indent="0">
+              <a:buNone/>
+              <a:defRPr sz="638" b="1"/>
             </a:lvl3pPr>
-            <a:lvl4pPr marL="469773" indent="0">
-              <a:buNone/>
-              <a:defRPr sz="548" b="1"/>
+            <a:lvl4pPr marL="486095" indent="0">
+              <a:buNone/>
+              <a:defRPr sz="567" b="1"/>
             </a:lvl4pPr>
-            <a:lvl5pPr marL="626364" indent="0">
-              <a:buNone/>
-              <a:defRPr sz="548" b="1"/>
+            <a:lvl5pPr marL="648127" indent="0">
+              <a:buNone/>
+              <a:defRPr sz="567" b="1"/>
             </a:lvl5pPr>
-            <a:lvl6pPr marL="782955" indent="0">
-              <a:buNone/>
-              <a:defRPr sz="548" b="1"/>
+            <a:lvl6pPr marL="810158" indent="0">
+              <a:buNone/>
+              <a:defRPr sz="567" b="1"/>
             </a:lvl6pPr>
-            <a:lvl7pPr marL="939546" indent="0">
-              <a:buNone/>
-              <a:defRPr sz="548" b="1"/>
+            <a:lvl7pPr marL="972190" indent="0">
+              <a:buNone/>
+              <a:defRPr sz="567" b="1"/>
             </a:lvl7pPr>
-            <a:lvl8pPr marL="1096137" indent="0">
-              <a:buNone/>
-              <a:defRPr sz="548" b="1"/>
+            <a:lvl8pPr marL="1134222" indent="0">
+              <a:buNone/>
+              <a:defRPr sz="567" b="1"/>
             </a:lvl8pPr>
-            <a:lvl9pPr marL="1252728" indent="0">
-              <a:buNone/>
-              <a:defRPr sz="548" b="1"/>
+            <a:lvl9pPr marL="1296253" indent="0">
+              <a:buNone/>
+              <a:defRPr sz="567" b="1"/>
             </a:lvl9pPr>
           </a:lstStyle>
           <a:p>
@@ -1441,8 +1454,8 @@
         </p:nvSpPr>
         <p:spPr>
           <a:xfrm>
-            <a:off x="215743" y="920267"/>
-            <a:ext cx="1325041" cy="1353575"/>
+            <a:off x="225693" y="887794"/>
+            <a:ext cx="1386155" cy="1305811"/>
           </a:xfrm>
         </p:spPr>
         <p:txBody>
@@ -1498,8 +1511,8 @@
         </p:nvSpPr>
         <p:spPr>
           <a:xfrm>
-            <a:off x="1585645" y="617594"/>
-            <a:ext cx="1331567" cy="302673"/>
+            <a:off x="1658779" y="595801"/>
+            <a:ext cx="1392982" cy="291993"/>
           </a:xfrm>
         </p:spPr>
         <p:txBody>
@@ -1507,39 +1520,39 @@
           <a:lstStyle>
             <a:lvl1pPr marL="0" indent="0">
               <a:buNone/>
-              <a:defRPr sz="822" b="1"/>
+              <a:defRPr sz="851" b="1"/>
             </a:lvl1pPr>
-            <a:lvl2pPr marL="156591" indent="0">
-              <a:buNone/>
-              <a:defRPr sz="685" b="1"/>
+            <a:lvl2pPr marL="162032" indent="0">
+              <a:buNone/>
+              <a:defRPr sz="709" b="1"/>
             </a:lvl2pPr>
-            <a:lvl3pPr marL="313182" indent="0">
-              <a:buNone/>
-              <a:defRPr sz="617" b="1"/>
+            <a:lvl3pPr marL="324063" indent="0">
+              <a:buNone/>
+              <a:defRPr sz="638" b="1"/>
             </a:lvl3pPr>
-            <a:lvl4pPr marL="469773" indent="0">
-              <a:buNone/>
-              <a:defRPr sz="548" b="1"/>
+            <a:lvl4pPr marL="486095" indent="0">
+              <a:buNone/>
+              <a:defRPr sz="567" b="1"/>
             </a:lvl4pPr>
-            <a:lvl5pPr marL="626364" indent="0">
-              <a:buNone/>
-              <a:defRPr sz="548" b="1"/>
+            <a:lvl5pPr marL="648127" indent="0">
+              <a:buNone/>
+              <a:defRPr sz="567" b="1"/>
             </a:lvl5pPr>
-            <a:lvl6pPr marL="782955" indent="0">
-              <a:buNone/>
-              <a:defRPr sz="548" b="1"/>
+            <a:lvl6pPr marL="810158" indent="0">
+              <a:buNone/>
+              <a:defRPr sz="567" b="1"/>
             </a:lvl6pPr>
-            <a:lvl7pPr marL="939546" indent="0">
-              <a:buNone/>
-              <a:defRPr sz="548" b="1"/>
+            <a:lvl7pPr marL="972190" indent="0">
+              <a:buNone/>
+              <a:defRPr sz="567" b="1"/>
             </a:lvl7pPr>
-            <a:lvl8pPr marL="1096137" indent="0">
-              <a:buNone/>
-              <a:defRPr sz="548" b="1"/>
+            <a:lvl8pPr marL="1134222" indent="0">
+              <a:buNone/>
+              <a:defRPr sz="567" b="1"/>
             </a:lvl8pPr>
-            <a:lvl9pPr marL="1252728" indent="0">
-              <a:buNone/>
-              <a:defRPr sz="548" b="1"/>
+            <a:lvl9pPr marL="1296253" indent="0">
+              <a:buNone/>
+              <a:defRPr sz="567" b="1"/>
             </a:lvl9pPr>
           </a:lstStyle>
           <a:p>
@@ -1563,8 +1576,8 @@
         </p:nvSpPr>
         <p:spPr>
           <a:xfrm>
-            <a:off x="1585645" y="920267"/>
-            <a:ext cx="1331567" cy="1353575"/>
+            <a:off x="1658779" y="887794"/>
+            <a:ext cx="1392982" cy="1305811"/>
           </a:xfrm>
         </p:spPr>
         <p:txBody>
@@ -1625,7 +1638,7 @@
           <a:p>
             <a:fld id="{167D0764-9DAD-4C7F-9AA0-390EE444472D}" type="datetimeFigureOut">
               <a:rPr lang="en-GB" smtClean="0"/>
-              <a:t>28/11/2020</a:t>
+              <a:t>29/11/2020</a:t>
             </a:fld>
             <a:endParaRPr lang="en-GB"/>
           </a:p>
@@ -1667,7 +1680,7 @@
           <a:p>
             <a:fld id="{28530C72-7499-4C53-B4CA-7B6378FC2FF7}" type="slidenum">
               <a:rPr lang="en-GB" smtClean="0"/>
-              <a:t>‹N›</a:t>
+              <a:t>‹#›</a:t>
             </a:fld>
             <a:endParaRPr lang="en-GB"/>
           </a:p>
@@ -1676,7 +1689,7 @@
     </p:spTree>
     <p:extLst>
       <p:ext uri="{BB962C8B-B14F-4D97-AF65-F5344CB8AC3E}">
-        <p14:creationId xmlns:p14="http://schemas.microsoft.com/office/powerpoint/2010/main" val="2069591222"/>
+        <p14:creationId xmlns:p14="http://schemas.microsoft.com/office/powerpoint/2010/main" val="3714474719"/>
       </p:ext>
     </p:extLst>
   </p:cSld>
@@ -1743,7 +1756,7 @@
           <a:p>
             <a:fld id="{167D0764-9DAD-4C7F-9AA0-390EE444472D}" type="datetimeFigureOut">
               <a:rPr lang="en-GB" smtClean="0"/>
-              <a:t>28/11/2020</a:t>
+              <a:t>29/11/2020</a:t>
             </a:fld>
             <a:endParaRPr lang="en-GB"/>
           </a:p>
@@ -1785,7 +1798,7 @@
           <a:p>
             <a:fld id="{28530C72-7499-4C53-B4CA-7B6378FC2FF7}" type="slidenum">
               <a:rPr lang="en-GB" smtClean="0"/>
-              <a:t>‹N›</a:t>
+              <a:t>‹#›</a:t>
             </a:fld>
             <a:endParaRPr lang="en-GB"/>
           </a:p>
@@ -1794,7 +1807,7 @@
     </p:spTree>
     <p:extLst>
       <p:ext uri="{BB962C8B-B14F-4D97-AF65-F5344CB8AC3E}">
-        <p14:creationId xmlns:p14="http://schemas.microsoft.com/office/powerpoint/2010/main" val="2469373200"/>
+        <p14:creationId xmlns:p14="http://schemas.microsoft.com/office/powerpoint/2010/main" val="3035498205"/>
       </p:ext>
     </p:extLst>
   </p:cSld>
@@ -1838,7 +1851,7 @@
           <a:p>
             <a:fld id="{167D0764-9DAD-4C7F-9AA0-390EE444472D}" type="datetimeFigureOut">
               <a:rPr lang="en-GB" smtClean="0"/>
-              <a:t>28/11/2020</a:t>
+              <a:t>29/11/2020</a:t>
             </a:fld>
             <a:endParaRPr lang="en-GB"/>
           </a:p>
@@ -1880,7 +1893,7 @@
           <a:p>
             <a:fld id="{28530C72-7499-4C53-B4CA-7B6378FC2FF7}" type="slidenum">
               <a:rPr lang="en-GB" smtClean="0"/>
-              <a:t>‹N›</a:t>
+              <a:t>‹#›</a:t>
             </a:fld>
             <a:endParaRPr lang="en-GB"/>
           </a:p>
@@ -1889,7 +1902,7 @@
     </p:spTree>
     <p:extLst>
       <p:ext uri="{BB962C8B-B14F-4D97-AF65-F5344CB8AC3E}">
-        <p14:creationId xmlns:p14="http://schemas.microsoft.com/office/powerpoint/2010/main" val="1262708832"/>
+        <p14:creationId xmlns:p14="http://schemas.microsoft.com/office/powerpoint/2010/main" val="1502137959"/>
       </p:ext>
     </p:extLst>
   </p:cSld>
@@ -1928,15 +1941,15 @@
         </p:nvSpPr>
         <p:spPr>
           <a:xfrm>
-            <a:off x="215742" y="167958"/>
-            <a:ext cx="1010196" cy="587851"/>
+            <a:off x="225693" y="162031"/>
+            <a:ext cx="1056789" cy="567108"/>
           </a:xfrm>
         </p:spPr>
         <p:txBody>
           <a:bodyPr anchor="b"/>
           <a:lstStyle>
             <a:lvl1pPr>
-              <a:defRPr sz="1096"/>
+              <a:defRPr sz="1134"/>
             </a:lvl1pPr>
           </a:lstStyle>
           <a:p>
@@ -1960,39 +1973,39 @@
         </p:nvSpPr>
         <p:spPr>
           <a:xfrm>
-            <a:off x="1331567" y="362742"/>
-            <a:ext cx="1585645" cy="1790381"/>
+            <a:off x="1392982" y="349942"/>
+            <a:ext cx="1658779" cy="1727204"/>
           </a:xfrm>
         </p:spPr>
         <p:txBody>
           <a:bodyPr/>
           <a:lstStyle>
             <a:lvl1pPr>
-              <a:defRPr sz="1096"/>
+              <a:defRPr sz="1134"/>
             </a:lvl1pPr>
             <a:lvl2pPr>
-              <a:defRPr sz="959"/>
+              <a:defRPr sz="992"/>
             </a:lvl2pPr>
             <a:lvl3pPr>
-              <a:defRPr sz="822"/>
+              <a:defRPr sz="851"/>
             </a:lvl3pPr>
             <a:lvl4pPr>
-              <a:defRPr sz="685"/>
+              <a:defRPr sz="709"/>
             </a:lvl4pPr>
             <a:lvl5pPr>
-              <a:defRPr sz="685"/>
+              <a:defRPr sz="709"/>
             </a:lvl5pPr>
             <a:lvl6pPr>
-              <a:defRPr sz="685"/>
+              <a:defRPr sz="709"/>
             </a:lvl6pPr>
             <a:lvl7pPr>
-              <a:defRPr sz="685"/>
+              <a:defRPr sz="709"/>
             </a:lvl7pPr>
             <a:lvl8pPr>
-              <a:defRPr sz="685"/>
+              <a:defRPr sz="709"/>
             </a:lvl8pPr>
             <a:lvl9pPr>
-              <a:defRPr sz="685"/>
+              <a:defRPr sz="709"/>
             </a:lvl9pPr>
           </a:lstStyle>
           <a:p>
@@ -2045,8 +2058,8 @@
         </p:nvSpPr>
         <p:spPr>
           <a:xfrm>
-            <a:off x="215742" y="755809"/>
-            <a:ext cx="1010196" cy="1400229"/>
+            <a:off x="225693" y="729139"/>
+            <a:ext cx="1056789" cy="1350820"/>
           </a:xfrm>
         </p:spPr>
         <p:txBody>
@@ -2054,39 +2067,39 @@
           <a:lstStyle>
             <a:lvl1pPr marL="0" indent="0">
               <a:buNone/>
-              <a:defRPr sz="548"/>
+              <a:defRPr sz="567"/>
             </a:lvl1pPr>
-            <a:lvl2pPr marL="156591" indent="0">
-              <a:buNone/>
-              <a:defRPr sz="480"/>
+            <a:lvl2pPr marL="162032" indent="0">
+              <a:buNone/>
+              <a:defRPr sz="496"/>
             </a:lvl2pPr>
-            <a:lvl3pPr marL="313182" indent="0">
-              <a:buNone/>
-              <a:defRPr sz="411"/>
+            <a:lvl3pPr marL="324063" indent="0">
+              <a:buNone/>
+              <a:defRPr sz="425"/>
             </a:lvl3pPr>
-            <a:lvl4pPr marL="469773" indent="0">
-              <a:buNone/>
-              <a:defRPr sz="343"/>
+            <a:lvl4pPr marL="486095" indent="0">
+              <a:buNone/>
+              <a:defRPr sz="354"/>
             </a:lvl4pPr>
-            <a:lvl5pPr marL="626364" indent="0">
-              <a:buNone/>
-              <a:defRPr sz="343"/>
+            <a:lvl5pPr marL="648127" indent="0">
+              <a:buNone/>
+              <a:defRPr sz="354"/>
             </a:lvl5pPr>
-            <a:lvl6pPr marL="782955" indent="0">
-              <a:buNone/>
-              <a:defRPr sz="343"/>
+            <a:lvl6pPr marL="810158" indent="0">
+              <a:buNone/>
+              <a:defRPr sz="354"/>
             </a:lvl6pPr>
-            <a:lvl7pPr marL="939546" indent="0">
-              <a:buNone/>
-              <a:defRPr sz="343"/>
+            <a:lvl7pPr marL="972190" indent="0">
+              <a:buNone/>
+              <a:defRPr sz="354"/>
             </a:lvl7pPr>
-            <a:lvl8pPr marL="1096137" indent="0">
-              <a:buNone/>
-              <a:defRPr sz="343"/>
+            <a:lvl8pPr marL="1134222" indent="0">
+              <a:buNone/>
+              <a:defRPr sz="354"/>
             </a:lvl8pPr>
-            <a:lvl9pPr marL="1252728" indent="0">
-              <a:buNone/>
-              <a:defRPr sz="343"/>
+            <a:lvl9pPr marL="1296253" indent="0">
+              <a:buNone/>
+              <a:defRPr sz="354"/>
             </a:lvl9pPr>
           </a:lstStyle>
           <a:p>
@@ -2115,7 +2128,7 @@
           <a:p>
             <a:fld id="{167D0764-9DAD-4C7F-9AA0-390EE444472D}" type="datetimeFigureOut">
               <a:rPr lang="en-GB" smtClean="0"/>
-              <a:t>28/11/2020</a:t>
+              <a:t>29/11/2020</a:t>
             </a:fld>
             <a:endParaRPr lang="en-GB"/>
           </a:p>
@@ -2157,7 +2170,7 @@
           <a:p>
             <a:fld id="{28530C72-7499-4C53-B4CA-7B6378FC2FF7}" type="slidenum">
               <a:rPr lang="en-GB" smtClean="0"/>
-              <a:t>‹N›</a:t>
+              <a:t>‹#›</a:t>
             </a:fld>
             <a:endParaRPr lang="en-GB"/>
           </a:p>
@@ -2166,7 +2179,7 @@
     </p:spTree>
     <p:extLst>
       <p:ext uri="{BB962C8B-B14F-4D97-AF65-F5344CB8AC3E}">
-        <p14:creationId xmlns:p14="http://schemas.microsoft.com/office/powerpoint/2010/main" val="2917158873"/>
+        <p14:creationId xmlns:p14="http://schemas.microsoft.com/office/powerpoint/2010/main" val="1131301422"/>
       </p:ext>
     </p:extLst>
   </p:cSld>
@@ -2205,15 +2218,15 @@
         </p:nvSpPr>
         <p:spPr>
           <a:xfrm>
-            <a:off x="215742" y="167958"/>
-            <a:ext cx="1010196" cy="587851"/>
+            <a:off x="225693" y="162031"/>
+            <a:ext cx="1056789" cy="567108"/>
           </a:xfrm>
         </p:spPr>
         <p:txBody>
           <a:bodyPr anchor="b"/>
           <a:lstStyle>
             <a:lvl1pPr>
-              <a:defRPr sz="1096"/>
+              <a:defRPr sz="1134"/>
             </a:lvl1pPr>
           </a:lstStyle>
           <a:p>
@@ -2237,8 +2250,8 @@
         </p:nvSpPr>
         <p:spPr>
           <a:xfrm>
-            <a:off x="1331567" y="362742"/>
-            <a:ext cx="1585645" cy="1790381"/>
+            <a:off x="1392982" y="349942"/>
+            <a:ext cx="1658779" cy="1727204"/>
           </a:xfrm>
         </p:spPr>
         <p:txBody>
@@ -2246,39 +2259,39 @@
           <a:lstStyle>
             <a:lvl1pPr marL="0" indent="0">
               <a:buNone/>
-              <a:defRPr sz="1096"/>
+              <a:defRPr sz="1134"/>
             </a:lvl1pPr>
-            <a:lvl2pPr marL="156591" indent="0">
-              <a:buNone/>
-              <a:defRPr sz="959"/>
+            <a:lvl2pPr marL="162032" indent="0">
+              <a:buNone/>
+              <a:defRPr sz="992"/>
             </a:lvl2pPr>
-            <a:lvl3pPr marL="313182" indent="0">
-              <a:buNone/>
-              <a:defRPr sz="822"/>
+            <a:lvl3pPr marL="324063" indent="0">
+              <a:buNone/>
+              <a:defRPr sz="851"/>
             </a:lvl3pPr>
-            <a:lvl4pPr marL="469773" indent="0">
-              <a:buNone/>
-              <a:defRPr sz="685"/>
+            <a:lvl4pPr marL="486095" indent="0">
+              <a:buNone/>
+              <a:defRPr sz="709"/>
             </a:lvl4pPr>
-            <a:lvl5pPr marL="626364" indent="0">
-              <a:buNone/>
-              <a:defRPr sz="685"/>
+            <a:lvl5pPr marL="648127" indent="0">
+              <a:buNone/>
+              <a:defRPr sz="709"/>
             </a:lvl5pPr>
-            <a:lvl6pPr marL="782955" indent="0">
-              <a:buNone/>
-              <a:defRPr sz="685"/>
+            <a:lvl6pPr marL="810158" indent="0">
+              <a:buNone/>
+              <a:defRPr sz="709"/>
             </a:lvl6pPr>
-            <a:lvl7pPr marL="939546" indent="0">
-              <a:buNone/>
-              <a:defRPr sz="685"/>
+            <a:lvl7pPr marL="972190" indent="0">
+              <a:buNone/>
+              <a:defRPr sz="709"/>
             </a:lvl7pPr>
-            <a:lvl8pPr marL="1096137" indent="0">
-              <a:buNone/>
-              <a:defRPr sz="685"/>
+            <a:lvl8pPr marL="1134222" indent="0">
+              <a:buNone/>
+              <a:defRPr sz="709"/>
             </a:lvl8pPr>
-            <a:lvl9pPr marL="1252728" indent="0">
-              <a:buNone/>
-              <a:defRPr sz="685"/>
+            <a:lvl9pPr marL="1296253" indent="0">
+              <a:buNone/>
+              <a:defRPr sz="709"/>
             </a:lvl9pPr>
           </a:lstStyle>
           <a:p>
@@ -2302,8 +2315,8 @@
         </p:nvSpPr>
         <p:spPr>
           <a:xfrm>
-            <a:off x="215742" y="755809"/>
-            <a:ext cx="1010196" cy="1400229"/>
+            <a:off x="225693" y="729139"/>
+            <a:ext cx="1056789" cy="1350820"/>
           </a:xfrm>
         </p:spPr>
         <p:txBody>
@@ -2311,39 +2324,39 @@
           <a:lstStyle>
             <a:lvl1pPr marL="0" indent="0">
               <a:buNone/>
-              <a:defRPr sz="548"/>
+              <a:defRPr sz="567"/>
             </a:lvl1pPr>
-            <a:lvl2pPr marL="156591" indent="0">
-              <a:buNone/>
-              <a:defRPr sz="480"/>
+            <a:lvl2pPr marL="162032" indent="0">
+              <a:buNone/>
+              <a:defRPr sz="496"/>
             </a:lvl2pPr>
-            <a:lvl3pPr marL="313182" indent="0">
-              <a:buNone/>
-              <a:defRPr sz="411"/>
+            <a:lvl3pPr marL="324063" indent="0">
+              <a:buNone/>
+              <a:defRPr sz="425"/>
             </a:lvl3pPr>
-            <a:lvl4pPr marL="469773" indent="0">
-              <a:buNone/>
-              <a:defRPr sz="343"/>
+            <a:lvl4pPr marL="486095" indent="0">
+              <a:buNone/>
+              <a:defRPr sz="354"/>
             </a:lvl4pPr>
-            <a:lvl5pPr marL="626364" indent="0">
-              <a:buNone/>
-              <a:defRPr sz="343"/>
+            <a:lvl5pPr marL="648127" indent="0">
+              <a:buNone/>
+              <a:defRPr sz="354"/>
             </a:lvl5pPr>
-            <a:lvl6pPr marL="782955" indent="0">
-              <a:buNone/>
-              <a:defRPr sz="343"/>
+            <a:lvl6pPr marL="810158" indent="0">
+              <a:buNone/>
+              <a:defRPr sz="354"/>
             </a:lvl6pPr>
-            <a:lvl7pPr marL="939546" indent="0">
-              <a:buNone/>
-              <a:defRPr sz="343"/>
+            <a:lvl7pPr marL="972190" indent="0">
+              <a:buNone/>
+              <a:defRPr sz="354"/>
             </a:lvl7pPr>
-            <a:lvl8pPr marL="1096137" indent="0">
-              <a:buNone/>
-              <a:defRPr sz="343"/>
+            <a:lvl8pPr marL="1134222" indent="0">
+              <a:buNone/>
+              <a:defRPr sz="354"/>
             </a:lvl8pPr>
-            <a:lvl9pPr marL="1252728" indent="0">
-              <a:buNone/>
-              <a:defRPr sz="343"/>
+            <a:lvl9pPr marL="1296253" indent="0">
+              <a:buNone/>
+              <a:defRPr sz="354"/>
             </a:lvl9pPr>
           </a:lstStyle>
           <a:p>
@@ -2372,7 +2385,7 @@
           <a:p>
             <a:fld id="{167D0764-9DAD-4C7F-9AA0-390EE444472D}" type="datetimeFigureOut">
               <a:rPr lang="en-GB" smtClean="0"/>
-              <a:t>28/11/2020</a:t>
+              <a:t>29/11/2020</a:t>
             </a:fld>
             <a:endParaRPr lang="en-GB"/>
           </a:p>
@@ -2414,7 +2427,7 @@
           <a:p>
             <a:fld id="{28530C72-7499-4C53-B4CA-7B6378FC2FF7}" type="slidenum">
               <a:rPr lang="en-GB" smtClean="0"/>
-              <a:t>‹N›</a:t>
+              <a:t>‹#›</a:t>
             </a:fld>
             <a:endParaRPr lang="en-GB"/>
           </a:p>
@@ -2423,7 +2436,7 @@
     </p:spTree>
     <p:extLst>
       <p:ext uri="{BB962C8B-B14F-4D97-AF65-F5344CB8AC3E}">
-        <p14:creationId xmlns:p14="http://schemas.microsoft.com/office/powerpoint/2010/main" val="155234848"/>
+        <p14:creationId xmlns:p14="http://schemas.microsoft.com/office/powerpoint/2010/main" val="4174305693"/>
       </p:ext>
     </p:extLst>
   </p:cSld>
@@ -2467,8 +2480,8 @@
         </p:nvSpPr>
         <p:spPr>
           <a:xfrm>
-            <a:off x="215335" y="134133"/>
-            <a:ext cx="2701469" cy="486960"/>
+            <a:off x="225266" y="129400"/>
+            <a:ext cx="2826068" cy="469777"/>
           </a:xfrm>
           <a:prstGeom prst="rect">
             <a:avLst/>
@@ -2500,8 +2513,8 @@
         </p:nvSpPr>
         <p:spPr>
           <a:xfrm>
-            <a:off x="215335" y="670664"/>
-            <a:ext cx="2701469" cy="1598513"/>
+            <a:off x="225266" y="646998"/>
+            <a:ext cx="2826068" cy="1542106"/>
           </a:xfrm>
           <a:prstGeom prst="rect">
             <a:avLst/>
@@ -2562,8 +2575,8 @@
         </p:nvSpPr>
         <p:spPr>
           <a:xfrm>
-            <a:off x="215335" y="2335077"/>
-            <a:ext cx="704731" cy="134133"/>
+            <a:off x="225266" y="2252679"/>
+            <a:ext cx="737235" cy="129400"/>
           </a:xfrm>
           <a:prstGeom prst="rect">
             <a:avLst/>
@@ -2573,7 +2586,7 @@
           <a:bodyPr vert="horz" lIns="91440" tIns="45720" rIns="91440" bIns="45720" rtlCol="0" anchor="ctr"/>
           <a:lstStyle>
             <a:lvl1pPr algn="l">
-              <a:defRPr sz="411">
+              <a:defRPr sz="425">
                 <a:solidFill>
                   <a:schemeClr val="tx1">
                     <a:tint val="75000"/>
@@ -2585,7 +2598,7 @@
           <a:p>
             <a:fld id="{167D0764-9DAD-4C7F-9AA0-390EE444472D}" type="datetimeFigureOut">
               <a:rPr lang="en-GB" smtClean="0"/>
-              <a:t>28/11/2020</a:t>
+              <a:t>29/11/2020</a:t>
             </a:fld>
             <a:endParaRPr lang="en-GB"/>
           </a:p>
@@ -2603,8 +2616,8 @@
         </p:nvSpPr>
         <p:spPr>
           <a:xfrm>
-            <a:off x="1037521" y="2335077"/>
-            <a:ext cx="1057097" cy="134133"/>
+            <a:off x="1085374" y="2252679"/>
+            <a:ext cx="1105853" cy="129400"/>
           </a:xfrm>
           <a:prstGeom prst="rect">
             <a:avLst/>
@@ -2614,7 +2627,7 @@
           <a:bodyPr vert="horz" lIns="91440" tIns="45720" rIns="91440" bIns="45720" rtlCol="0" anchor="ctr"/>
           <a:lstStyle>
             <a:lvl1pPr algn="ctr">
-              <a:defRPr sz="411">
+              <a:defRPr sz="425">
                 <a:solidFill>
                   <a:schemeClr val="tx1">
                     <a:tint val="75000"/>
@@ -2640,8 +2653,8 @@
         </p:nvSpPr>
         <p:spPr>
           <a:xfrm>
-            <a:off x="2212072" y="2335077"/>
-            <a:ext cx="704731" cy="134133"/>
+            <a:off x="2314099" y="2252679"/>
+            <a:ext cx="737235" cy="129400"/>
           </a:xfrm>
           <a:prstGeom prst="rect">
             <a:avLst/>
@@ -2651,7 +2664,7 @@
           <a:bodyPr vert="horz" lIns="91440" tIns="45720" rIns="91440" bIns="45720" rtlCol="0" anchor="ctr"/>
           <a:lstStyle>
             <a:lvl1pPr algn="r">
-              <a:defRPr sz="411">
+              <a:defRPr sz="425">
                 <a:solidFill>
                   <a:schemeClr val="tx1">
                     <a:tint val="75000"/>
@@ -2663,7 +2676,7 @@
           <a:p>
             <a:fld id="{28530C72-7499-4C53-B4CA-7B6378FC2FF7}" type="slidenum">
               <a:rPr lang="en-GB" smtClean="0"/>
-              <a:t>‹N›</a:t>
+              <a:t>‹#›</a:t>
             </a:fld>
             <a:endParaRPr lang="en-GB"/>
           </a:p>
@@ -2672,27 +2685,27 @@
     </p:spTree>
     <p:extLst>
       <p:ext uri="{BB962C8B-B14F-4D97-AF65-F5344CB8AC3E}">
-        <p14:creationId xmlns:p14="http://schemas.microsoft.com/office/powerpoint/2010/main" val="2224098852"/>
+        <p14:creationId xmlns:p14="http://schemas.microsoft.com/office/powerpoint/2010/main" val="2365061257"/>
       </p:ext>
     </p:extLst>
   </p:cSld>
   <p:clrMap bg1="lt1" tx1="dk1" bg2="lt2" tx2="dk2" accent1="accent1" accent2="accent2" accent3="accent3" accent4="accent4" accent5="accent5" accent6="accent6" hlink="hlink" folHlink="folHlink"/>
   <p:sldLayoutIdLst>
-    <p:sldLayoutId id="2147483685" r:id="rId1"/>
-    <p:sldLayoutId id="2147483686" r:id="rId2"/>
-    <p:sldLayoutId id="2147483687" r:id="rId3"/>
-    <p:sldLayoutId id="2147483688" r:id="rId4"/>
-    <p:sldLayoutId id="2147483689" r:id="rId5"/>
-    <p:sldLayoutId id="2147483690" r:id="rId6"/>
-    <p:sldLayoutId id="2147483691" r:id="rId7"/>
-    <p:sldLayoutId id="2147483692" r:id="rId8"/>
-    <p:sldLayoutId id="2147483693" r:id="rId9"/>
-    <p:sldLayoutId id="2147483694" r:id="rId10"/>
-    <p:sldLayoutId id="2147483695" r:id="rId11"/>
+    <p:sldLayoutId id="2147483709" r:id="rId1"/>
+    <p:sldLayoutId id="2147483710" r:id="rId2"/>
+    <p:sldLayoutId id="2147483711" r:id="rId3"/>
+    <p:sldLayoutId id="2147483712" r:id="rId4"/>
+    <p:sldLayoutId id="2147483713" r:id="rId5"/>
+    <p:sldLayoutId id="2147483714" r:id="rId6"/>
+    <p:sldLayoutId id="2147483715" r:id="rId7"/>
+    <p:sldLayoutId id="2147483716" r:id="rId8"/>
+    <p:sldLayoutId id="2147483717" r:id="rId9"/>
+    <p:sldLayoutId id="2147483718" r:id="rId10"/>
+    <p:sldLayoutId id="2147483719" r:id="rId11"/>
   </p:sldLayoutIdLst>
   <p:txStyles>
     <p:titleStyle>
-      <a:lvl1pPr algn="l" defTabSz="313182" rtl="0" eaLnBrk="1" latinLnBrk="0" hangingPunct="1">
+      <a:lvl1pPr algn="l" defTabSz="324063" rtl="0" eaLnBrk="1" latinLnBrk="0" hangingPunct="1">
         <a:lnSpc>
           <a:spcPct val="90000"/>
         </a:lnSpc>
@@ -2700,7 +2713,7 @@
           <a:spcPct val="0"/>
         </a:spcBef>
         <a:buNone/>
-        <a:defRPr sz="1507" kern="1200">
+        <a:defRPr sz="1559" kern="1200">
           <a:solidFill>
             <a:schemeClr val="tx1"/>
           </a:solidFill>
@@ -2711,16 +2724,16 @@
       </a:lvl1pPr>
     </p:titleStyle>
     <p:bodyStyle>
-      <a:lvl1pPr marL="78296" indent="-78296" algn="l" defTabSz="313182" rtl="0" eaLnBrk="1" latinLnBrk="0" hangingPunct="1">
+      <a:lvl1pPr marL="81016" indent="-81016" algn="l" defTabSz="324063" rtl="0" eaLnBrk="1" latinLnBrk="0" hangingPunct="1">
         <a:lnSpc>
           <a:spcPct val="90000"/>
         </a:lnSpc>
         <a:spcBef>
-          <a:spcPts val="343"/>
+          <a:spcPts val="354"/>
         </a:spcBef>
         <a:buFont typeface="Arial" panose="020B0604020202020204" pitchFamily="34" charset="0"/>
         <a:buChar char="•"/>
-        <a:defRPr sz="959" kern="1200">
+        <a:defRPr sz="992" kern="1200">
           <a:solidFill>
             <a:schemeClr val="tx1"/>
           </a:solidFill>
@@ -2729,16 +2742,16 @@
           <a:cs typeface="+mn-cs"/>
         </a:defRPr>
       </a:lvl1pPr>
-      <a:lvl2pPr marL="234887" indent="-78296" algn="l" defTabSz="313182" rtl="0" eaLnBrk="1" latinLnBrk="0" hangingPunct="1">
+      <a:lvl2pPr marL="243048" indent="-81016" algn="l" defTabSz="324063" rtl="0" eaLnBrk="1" latinLnBrk="0" hangingPunct="1">
         <a:lnSpc>
           <a:spcPct val="90000"/>
         </a:lnSpc>
         <a:spcBef>
-          <a:spcPts val="171"/>
+          <a:spcPts val="177"/>
         </a:spcBef>
         <a:buFont typeface="Arial" panose="020B0604020202020204" pitchFamily="34" charset="0"/>
         <a:buChar char="•"/>
-        <a:defRPr sz="822" kern="1200">
+        <a:defRPr sz="851" kern="1200">
           <a:solidFill>
             <a:schemeClr val="tx1"/>
           </a:solidFill>
@@ -2747,16 +2760,16 @@
           <a:cs typeface="+mn-cs"/>
         </a:defRPr>
       </a:lvl2pPr>
-      <a:lvl3pPr marL="391478" indent="-78296" algn="l" defTabSz="313182" rtl="0" eaLnBrk="1" latinLnBrk="0" hangingPunct="1">
+      <a:lvl3pPr marL="405079" indent="-81016" algn="l" defTabSz="324063" rtl="0" eaLnBrk="1" latinLnBrk="0" hangingPunct="1">
         <a:lnSpc>
           <a:spcPct val="90000"/>
         </a:lnSpc>
         <a:spcBef>
-          <a:spcPts val="171"/>
+          <a:spcPts val="177"/>
         </a:spcBef>
         <a:buFont typeface="Arial" panose="020B0604020202020204" pitchFamily="34" charset="0"/>
         <a:buChar char="•"/>
-        <a:defRPr sz="685" kern="1200">
+        <a:defRPr sz="709" kern="1200">
           <a:solidFill>
             <a:schemeClr val="tx1"/>
           </a:solidFill>
@@ -2765,16 +2778,16 @@
           <a:cs typeface="+mn-cs"/>
         </a:defRPr>
       </a:lvl3pPr>
-      <a:lvl4pPr marL="548069" indent="-78296" algn="l" defTabSz="313182" rtl="0" eaLnBrk="1" latinLnBrk="0" hangingPunct="1">
+      <a:lvl4pPr marL="567111" indent="-81016" algn="l" defTabSz="324063" rtl="0" eaLnBrk="1" latinLnBrk="0" hangingPunct="1">
         <a:lnSpc>
           <a:spcPct val="90000"/>
         </a:lnSpc>
         <a:spcBef>
-          <a:spcPts val="171"/>
+          <a:spcPts val="177"/>
         </a:spcBef>
         <a:buFont typeface="Arial" panose="020B0604020202020204" pitchFamily="34" charset="0"/>
         <a:buChar char="•"/>
-        <a:defRPr sz="617" kern="1200">
+        <a:defRPr sz="638" kern="1200">
           <a:solidFill>
             <a:schemeClr val="tx1"/>
           </a:solidFill>
@@ -2783,16 +2796,16 @@
           <a:cs typeface="+mn-cs"/>
         </a:defRPr>
       </a:lvl4pPr>
-      <a:lvl5pPr marL="704660" indent="-78296" algn="l" defTabSz="313182" rtl="0" eaLnBrk="1" latinLnBrk="0" hangingPunct="1">
+      <a:lvl5pPr marL="729143" indent="-81016" algn="l" defTabSz="324063" rtl="0" eaLnBrk="1" latinLnBrk="0" hangingPunct="1">
         <a:lnSpc>
           <a:spcPct val="90000"/>
         </a:lnSpc>
         <a:spcBef>
-          <a:spcPts val="171"/>
+          <a:spcPts val="177"/>
         </a:spcBef>
         <a:buFont typeface="Arial" panose="020B0604020202020204" pitchFamily="34" charset="0"/>
         <a:buChar char="•"/>
-        <a:defRPr sz="617" kern="1200">
+        <a:defRPr sz="638" kern="1200">
           <a:solidFill>
             <a:schemeClr val="tx1"/>
           </a:solidFill>
@@ -2801,16 +2814,16 @@
           <a:cs typeface="+mn-cs"/>
         </a:defRPr>
       </a:lvl5pPr>
-      <a:lvl6pPr marL="861251" indent="-78296" algn="l" defTabSz="313182" rtl="0" eaLnBrk="1" latinLnBrk="0" hangingPunct="1">
+      <a:lvl6pPr marL="891174" indent="-81016" algn="l" defTabSz="324063" rtl="0" eaLnBrk="1" latinLnBrk="0" hangingPunct="1">
         <a:lnSpc>
           <a:spcPct val="90000"/>
         </a:lnSpc>
         <a:spcBef>
-          <a:spcPts val="171"/>
+          <a:spcPts val="177"/>
         </a:spcBef>
         <a:buFont typeface="Arial" panose="020B0604020202020204" pitchFamily="34" charset="0"/>
         <a:buChar char="•"/>
-        <a:defRPr sz="617" kern="1200">
+        <a:defRPr sz="638" kern="1200">
           <a:solidFill>
             <a:schemeClr val="tx1"/>
           </a:solidFill>
@@ -2819,16 +2832,16 @@
           <a:cs typeface="+mn-cs"/>
         </a:defRPr>
       </a:lvl6pPr>
-      <a:lvl7pPr marL="1017842" indent="-78296" algn="l" defTabSz="313182" rtl="0" eaLnBrk="1" latinLnBrk="0" hangingPunct="1">
+      <a:lvl7pPr marL="1053206" indent="-81016" algn="l" defTabSz="324063" rtl="0" eaLnBrk="1" latinLnBrk="0" hangingPunct="1">
         <a:lnSpc>
           <a:spcPct val="90000"/>
         </a:lnSpc>
         <a:spcBef>
-          <a:spcPts val="171"/>
+          <a:spcPts val="177"/>
         </a:spcBef>
         <a:buFont typeface="Arial" panose="020B0604020202020204" pitchFamily="34" charset="0"/>
         <a:buChar char="•"/>
-        <a:defRPr sz="617" kern="1200">
+        <a:defRPr sz="638" kern="1200">
           <a:solidFill>
             <a:schemeClr val="tx1"/>
           </a:solidFill>
@@ -2837,16 +2850,16 @@
           <a:cs typeface="+mn-cs"/>
         </a:defRPr>
       </a:lvl7pPr>
-      <a:lvl8pPr marL="1174433" indent="-78296" algn="l" defTabSz="313182" rtl="0" eaLnBrk="1" latinLnBrk="0" hangingPunct="1">
+      <a:lvl8pPr marL="1215238" indent="-81016" algn="l" defTabSz="324063" rtl="0" eaLnBrk="1" latinLnBrk="0" hangingPunct="1">
         <a:lnSpc>
           <a:spcPct val="90000"/>
         </a:lnSpc>
         <a:spcBef>
-          <a:spcPts val="171"/>
+          <a:spcPts val="177"/>
         </a:spcBef>
         <a:buFont typeface="Arial" panose="020B0604020202020204" pitchFamily="34" charset="0"/>
         <a:buChar char="•"/>
-        <a:defRPr sz="617" kern="1200">
+        <a:defRPr sz="638" kern="1200">
           <a:solidFill>
             <a:schemeClr val="tx1"/>
           </a:solidFill>
@@ -2855,16 +2868,16 @@
           <a:cs typeface="+mn-cs"/>
         </a:defRPr>
       </a:lvl8pPr>
-      <a:lvl9pPr marL="1331024" indent="-78296" algn="l" defTabSz="313182" rtl="0" eaLnBrk="1" latinLnBrk="0" hangingPunct="1">
+      <a:lvl9pPr marL="1377269" indent="-81016" algn="l" defTabSz="324063" rtl="0" eaLnBrk="1" latinLnBrk="0" hangingPunct="1">
         <a:lnSpc>
           <a:spcPct val="90000"/>
         </a:lnSpc>
         <a:spcBef>
-          <a:spcPts val="171"/>
+          <a:spcPts val="177"/>
         </a:spcBef>
         <a:buFont typeface="Arial" panose="020B0604020202020204" pitchFamily="34" charset="0"/>
         <a:buChar char="•"/>
-        <a:defRPr sz="617" kern="1200">
+        <a:defRPr sz="638" kern="1200">
           <a:solidFill>
             <a:schemeClr val="tx1"/>
           </a:solidFill>
@@ -2878,8 +2891,8 @@
       <a:defPPr>
         <a:defRPr lang="en-US"/>
       </a:defPPr>
-      <a:lvl1pPr marL="0" algn="l" defTabSz="313182" rtl="0" eaLnBrk="1" latinLnBrk="0" hangingPunct="1">
-        <a:defRPr sz="617" kern="1200">
+      <a:lvl1pPr marL="0" algn="l" defTabSz="324063" rtl="0" eaLnBrk="1" latinLnBrk="0" hangingPunct="1">
+        <a:defRPr sz="638" kern="1200">
           <a:solidFill>
             <a:schemeClr val="tx1"/>
           </a:solidFill>
@@ -2888,8 +2901,8 @@
           <a:cs typeface="+mn-cs"/>
         </a:defRPr>
       </a:lvl1pPr>
-      <a:lvl2pPr marL="156591" algn="l" defTabSz="313182" rtl="0" eaLnBrk="1" latinLnBrk="0" hangingPunct="1">
-        <a:defRPr sz="617" kern="1200">
+      <a:lvl2pPr marL="162032" algn="l" defTabSz="324063" rtl="0" eaLnBrk="1" latinLnBrk="0" hangingPunct="1">
+        <a:defRPr sz="638" kern="1200">
           <a:solidFill>
             <a:schemeClr val="tx1"/>
           </a:solidFill>
@@ -2898,8 +2911,8 @@
           <a:cs typeface="+mn-cs"/>
         </a:defRPr>
       </a:lvl2pPr>
-      <a:lvl3pPr marL="313182" algn="l" defTabSz="313182" rtl="0" eaLnBrk="1" latinLnBrk="0" hangingPunct="1">
-        <a:defRPr sz="617" kern="1200">
+      <a:lvl3pPr marL="324063" algn="l" defTabSz="324063" rtl="0" eaLnBrk="1" latinLnBrk="0" hangingPunct="1">
+        <a:defRPr sz="638" kern="1200">
           <a:solidFill>
             <a:schemeClr val="tx1"/>
           </a:solidFill>
@@ -2908,8 +2921,8 @@
           <a:cs typeface="+mn-cs"/>
         </a:defRPr>
       </a:lvl3pPr>
-      <a:lvl4pPr marL="469773" algn="l" defTabSz="313182" rtl="0" eaLnBrk="1" latinLnBrk="0" hangingPunct="1">
-        <a:defRPr sz="617" kern="1200">
+      <a:lvl4pPr marL="486095" algn="l" defTabSz="324063" rtl="0" eaLnBrk="1" latinLnBrk="0" hangingPunct="1">
+        <a:defRPr sz="638" kern="1200">
           <a:solidFill>
             <a:schemeClr val="tx1"/>
           </a:solidFill>
@@ -2918,8 +2931,8 @@
           <a:cs typeface="+mn-cs"/>
         </a:defRPr>
       </a:lvl4pPr>
-      <a:lvl5pPr marL="626364" algn="l" defTabSz="313182" rtl="0" eaLnBrk="1" latinLnBrk="0" hangingPunct="1">
-        <a:defRPr sz="617" kern="1200">
+      <a:lvl5pPr marL="648127" algn="l" defTabSz="324063" rtl="0" eaLnBrk="1" latinLnBrk="0" hangingPunct="1">
+        <a:defRPr sz="638" kern="1200">
           <a:solidFill>
             <a:schemeClr val="tx1"/>
           </a:solidFill>
@@ -2928,8 +2941,8 @@
           <a:cs typeface="+mn-cs"/>
         </a:defRPr>
       </a:lvl5pPr>
-      <a:lvl6pPr marL="782955" algn="l" defTabSz="313182" rtl="0" eaLnBrk="1" latinLnBrk="0" hangingPunct="1">
-        <a:defRPr sz="617" kern="1200">
+      <a:lvl6pPr marL="810158" algn="l" defTabSz="324063" rtl="0" eaLnBrk="1" latinLnBrk="0" hangingPunct="1">
+        <a:defRPr sz="638" kern="1200">
           <a:solidFill>
             <a:schemeClr val="tx1"/>
           </a:solidFill>
@@ -2938,8 +2951,8 @@
           <a:cs typeface="+mn-cs"/>
         </a:defRPr>
       </a:lvl6pPr>
-      <a:lvl7pPr marL="939546" algn="l" defTabSz="313182" rtl="0" eaLnBrk="1" latinLnBrk="0" hangingPunct="1">
-        <a:defRPr sz="617" kern="1200">
+      <a:lvl7pPr marL="972190" algn="l" defTabSz="324063" rtl="0" eaLnBrk="1" latinLnBrk="0" hangingPunct="1">
+        <a:defRPr sz="638" kern="1200">
           <a:solidFill>
             <a:schemeClr val="tx1"/>
           </a:solidFill>
@@ -2948,8 +2961,8 @@
           <a:cs typeface="+mn-cs"/>
         </a:defRPr>
       </a:lvl7pPr>
-      <a:lvl8pPr marL="1096137" algn="l" defTabSz="313182" rtl="0" eaLnBrk="1" latinLnBrk="0" hangingPunct="1">
-        <a:defRPr sz="617" kern="1200">
+      <a:lvl8pPr marL="1134222" algn="l" defTabSz="324063" rtl="0" eaLnBrk="1" latinLnBrk="0" hangingPunct="1">
+        <a:defRPr sz="638" kern="1200">
           <a:solidFill>
             <a:schemeClr val="tx1"/>
           </a:solidFill>
@@ -2958,8 +2971,8 @@
           <a:cs typeface="+mn-cs"/>
         </a:defRPr>
       </a:lvl8pPr>
-      <a:lvl9pPr marL="1252728" algn="l" defTabSz="313182" rtl="0" eaLnBrk="1" latinLnBrk="0" hangingPunct="1">
-        <a:defRPr sz="617" kern="1200">
+      <a:lvl9pPr marL="1296253" algn="l" defTabSz="324063" rtl="0" eaLnBrk="1" latinLnBrk="0" hangingPunct="1">
+        <a:defRPr sz="638" kern="1200">
           <a:solidFill>
             <a:schemeClr val="tx1"/>
           </a:solidFill>
@@ -2976,16 +2989,6 @@
 <file path=ppt/slides/slide1.xml><?xml version="1.0" encoding="utf-8"?>
 <p:sld xmlns:a="http://schemas.openxmlformats.org/drawingml/2006/main" xmlns:r="http://schemas.openxmlformats.org/officeDocument/2006/relationships" xmlns:p="http://schemas.openxmlformats.org/presentationml/2006/main">
   <p:cSld>
-    <p:bg>
-      <p:bgPr>
-        <a:solidFill>
-          <a:schemeClr val="bg1">
-            <a:alpha val="30000"/>
-          </a:schemeClr>
-        </a:solidFill>
-        <a:effectLst/>
-      </p:bgPr>
-    </p:bg>
     <p:spTree>
       <p:nvGrpSpPr>
         <p:cNvPr id="1" name=""/>
@@ -3002,10 +3005,10 @@
       </p:grpSpPr>
       <p:sp>
         <p:nvSpPr>
-          <p:cNvPr id="86" name="Figura a mano libera: forma 85">
+          <p:cNvPr id="117" name="Figura a mano libera: forma 85">
             <a:extLst>
               <a:ext uri="{FF2B5EF4-FFF2-40B4-BE49-F238E27FC236}">
-                <a16:creationId xmlns:a16="http://schemas.microsoft.com/office/drawing/2014/main" id="{2F6582C5-6B6F-4E54-A723-3B6F5CEA7938}"/>
+                <a16:creationId xmlns:a16="http://schemas.microsoft.com/office/drawing/2014/main" id="{D1C31FDC-53F8-4E0A-BD1F-75754661FE84}"/>
               </a:ext>
             </a:extLst>
           </p:cNvPr>
@@ -3014,8 +3017,8 @@
         </p:nvSpPr>
         <p:spPr>
           <a:xfrm>
-            <a:off x="676620" y="778277"/>
-            <a:ext cx="1510095" cy="1349948"/>
+            <a:off x="652731" y="705459"/>
+            <a:ext cx="1516835" cy="1330695"/>
           </a:xfrm>
           <a:custGeom>
             <a:avLst/>
@@ -3145,16 +3148,16 @@
           <a:lstStyle/>
           <a:p>
             <a:pPr algn="ctr"/>
-            <a:endParaRPr lang="en-GB"/>
-          </a:p>
-        </p:txBody>
-      </p:sp>
-      <p:sp>
-        <p:nvSpPr>
-          <p:cNvPr id="36" name="Isosceles Triangle 35">
+            <a:endParaRPr lang="en-GB" sz="1572"/>
+          </a:p>
+        </p:txBody>
+      </p:sp>
+      <p:sp>
+        <p:nvSpPr>
+          <p:cNvPr id="118" name="Isosceles Triangle 117">
             <a:extLst>
               <a:ext uri="{FF2B5EF4-FFF2-40B4-BE49-F238E27FC236}">
-                <a16:creationId xmlns:a16="http://schemas.microsoft.com/office/drawing/2014/main" id="{E6ED31B0-62A0-42DA-9C36-DD20C396DDAC}"/>
+                <a16:creationId xmlns:a16="http://schemas.microsoft.com/office/drawing/2014/main" id="{D7EAF5BE-3802-4486-9696-E36FD0802E70}"/>
               </a:ext>
             </a:extLst>
           </p:cNvPr>
@@ -3163,7 +3166,7 @@
         </p:nvSpPr>
         <p:spPr>
           <a:xfrm flipH="1" flipV="1">
-            <a:off x="645806" y="576747"/>
+            <a:off x="628658" y="489118"/>
             <a:ext cx="1555294" cy="1562189"/>
           </a:xfrm>
           <a:prstGeom prst="triangle">
@@ -3212,10 +3215,10 @@
       </p:sp>
       <p:cxnSp>
         <p:nvCxnSpPr>
-          <p:cNvPr id="37" name="Straight Arrow Connector 36">
+          <p:cNvPr id="119" name="Straight Arrow Connector 118">
             <a:extLst>
               <a:ext uri="{FF2B5EF4-FFF2-40B4-BE49-F238E27FC236}">
-                <a16:creationId xmlns:a16="http://schemas.microsoft.com/office/drawing/2014/main" id="{5BC97339-C9D9-4BAA-836C-5F9B70308795}"/>
+                <a16:creationId xmlns:a16="http://schemas.microsoft.com/office/drawing/2014/main" id="{F8E50899-CFFF-48C9-84FA-805441248CDA}"/>
               </a:ext>
             </a:extLst>
           </p:cNvPr>
@@ -3226,7 +3229,7 @@
         </p:nvCxnSpPr>
         <p:spPr>
           <a:xfrm flipV="1">
-            <a:off x="654223" y="286310"/>
+            <a:off x="636931" y="198681"/>
             <a:ext cx="0" cy="1849716"/>
           </a:xfrm>
           <a:prstGeom prst="straightConnector1">
@@ -3253,10 +3256,10 @@
       </p:cxnSp>
       <p:cxnSp>
         <p:nvCxnSpPr>
-          <p:cNvPr id="38" name="Straight Arrow Connector 37">
+          <p:cNvPr id="120" name="Straight Arrow Connector 119">
             <a:extLst>
               <a:ext uri="{FF2B5EF4-FFF2-40B4-BE49-F238E27FC236}">
-                <a16:creationId xmlns:a16="http://schemas.microsoft.com/office/drawing/2014/main" id="{387FC92A-08B5-4D6C-B10F-7953FF9ED35B}"/>
+                <a16:creationId xmlns:a16="http://schemas.microsoft.com/office/drawing/2014/main" id="{42DF6A30-E21A-43D6-ABD4-BD838D3A5562}"/>
               </a:ext>
             </a:extLst>
           </p:cNvPr>
@@ -3267,7 +3270,7 @@
         </p:nvCxnSpPr>
         <p:spPr>
           <a:xfrm flipV="1">
-            <a:off x="647515" y="2134855"/>
+            <a:off x="630367" y="2047226"/>
             <a:ext cx="1954237" cy="0"/>
           </a:xfrm>
           <a:prstGeom prst="straightConnector1">
@@ -3294,10 +3297,10 @@
       </p:cxnSp>
       <p:sp>
         <p:nvSpPr>
-          <p:cNvPr id="39" name="TextBox 38">
+          <p:cNvPr id="121" name="TextBox 120">
             <a:extLst>
               <a:ext uri="{FF2B5EF4-FFF2-40B4-BE49-F238E27FC236}">
-                <a16:creationId xmlns:a16="http://schemas.microsoft.com/office/drawing/2014/main" id="{76E34627-E798-4EFC-90A5-BF205170CD1F}"/>
+                <a16:creationId xmlns:a16="http://schemas.microsoft.com/office/drawing/2014/main" id="{77D43699-6543-4F2F-B211-E711B179F19E}"/>
               </a:ext>
             </a:extLst>
           </p:cNvPr>
@@ -3306,7 +3309,7 @@
         </p:nvSpPr>
         <p:spPr>
           <a:xfrm>
-            <a:off x="2268759" y="1797471"/>
+            <a:off x="2359979" y="2050219"/>
             <a:ext cx="1027952" cy="338554"/>
           </a:xfrm>
           <a:prstGeom prst="rect">
@@ -3333,10 +3336,10 @@
       </p:sp>
       <p:sp>
         <p:nvSpPr>
-          <p:cNvPr id="40" name="TextBox 39">
+          <p:cNvPr id="122" name="TextBox 121">
             <a:extLst>
               <a:ext uri="{FF2B5EF4-FFF2-40B4-BE49-F238E27FC236}">
-                <a16:creationId xmlns:a16="http://schemas.microsoft.com/office/drawing/2014/main" id="{42DB4541-C977-4637-9D7A-78EAE2D87F21}"/>
+                <a16:creationId xmlns:a16="http://schemas.microsoft.com/office/drawing/2014/main" id="{FC88BF95-950A-4784-99DA-2FF069E0EC95}"/>
               </a:ext>
             </a:extLst>
           </p:cNvPr>
@@ -3345,7 +3348,7 @@
         </p:nvSpPr>
         <p:spPr>
           <a:xfrm>
-            <a:off x="156733" y="-16249"/>
+            <a:off x="477971" y="-28575"/>
             <a:ext cx="968188" cy="338554"/>
           </a:xfrm>
           <a:prstGeom prst="rect">
@@ -3372,10 +3375,10 @@
       </p:sp>
       <p:cxnSp>
         <p:nvCxnSpPr>
-          <p:cNvPr id="41" name="Straight Connector 40">
+          <p:cNvPr id="123" name="Straight Connector 122">
             <a:extLst>
               <a:ext uri="{FF2B5EF4-FFF2-40B4-BE49-F238E27FC236}">
-                <a16:creationId xmlns:a16="http://schemas.microsoft.com/office/drawing/2014/main" id="{B2F02324-9CD6-48AB-AA5B-7BD69EEB4A15}"/>
+                <a16:creationId xmlns:a16="http://schemas.microsoft.com/office/drawing/2014/main" id="{5C0260F0-3C1C-45A0-9E5D-95B7AC88C26A}"/>
               </a:ext>
             </a:extLst>
           </p:cNvPr>
@@ -3384,7 +3387,7 @@
         </p:nvCxnSpPr>
         <p:spPr>
           <a:xfrm>
-            <a:off x="618447" y="2024374"/>
+            <a:off x="601299" y="1936745"/>
             <a:ext cx="72000" cy="0"/>
           </a:xfrm>
           <a:prstGeom prst="line">
@@ -3408,10 +3411,10 @@
       </p:cxnSp>
       <p:cxnSp>
         <p:nvCxnSpPr>
-          <p:cNvPr id="42" name="Straight Connector 41">
+          <p:cNvPr id="124" name="Straight Connector 123">
             <a:extLst>
               <a:ext uri="{FF2B5EF4-FFF2-40B4-BE49-F238E27FC236}">
-                <a16:creationId xmlns:a16="http://schemas.microsoft.com/office/drawing/2014/main" id="{9E85480B-4491-473A-891A-330A4BC07281}"/>
+                <a16:creationId xmlns:a16="http://schemas.microsoft.com/office/drawing/2014/main" id="{E7CC4479-8C1E-46A1-AF6B-7EF92793D54D}"/>
               </a:ext>
             </a:extLst>
           </p:cNvPr>
@@ -3420,7 +3423,7 @@
         </p:nvCxnSpPr>
         <p:spPr>
           <a:xfrm>
-            <a:off x="618580" y="1298709"/>
+            <a:off x="601432" y="1211080"/>
             <a:ext cx="72000" cy="0"/>
           </a:xfrm>
           <a:prstGeom prst="line">
@@ -3444,10 +3447,10 @@
       </p:cxnSp>
       <p:cxnSp>
         <p:nvCxnSpPr>
-          <p:cNvPr id="43" name="Straight Connector 42">
+          <p:cNvPr id="125" name="Straight Connector 124">
             <a:extLst>
               <a:ext uri="{FF2B5EF4-FFF2-40B4-BE49-F238E27FC236}">
-                <a16:creationId xmlns:a16="http://schemas.microsoft.com/office/drawing/2014/main" id="{365CF9F2-43F1-46C7-8663-C728121AFADD}"/>
+                <a16:creationId xmlns:a16="http://schemas.microsoft.com/office/drawing/2014/main" id="{12194293-3104-4441-ACD5-2D33DA8D5A5A}"/>
               </a:ext>
             </a:extLst>
           </p:cNvPr>
@@ -3456,7 +3459,7 @@
         </p:nvCxnSpPr>
         <p:spPr>
           <a:xfrm>
-            <a:off x="618447" y="576747"/>
+            <a:off x="601299" y="489118"/>
             <a:ext cx="72000" cy="0"/>
           </a:xfrm>
           <a:prstGeom prst="line">
@@ -3480,10 +3483,10 @@
       </p:cxnSp>
       <p:cxnSp>
         <p:nvCxnSpPr>
-          <p:cNvPr id="45" name="Straight Connector 44">
+          <p:cNvPr id="126" name="Straight Connector 125">
             <a:extLst>
               <a:ext uri="{FF2B5EF4-FFF2-40B4-BE49-F238E27FC236}">
-                <a16:creationId xmlns:a16="http://schemas.microsoft.com/office/drawing/2014/main" id="{436237BF-AC4B-4DA0-9418-88A3BF37DB32}"/>
+                <a16:creationId xmlns:a16="http://schemas.microsoft.com/office/drawing/2014/main" id="{FAD1AD1E-C85C-4644-A3B6-CB72DE1B77FD}"/>
               </a:ext>
             </a:extLst>
           </p:cNvPr>
@@ -3494,7 +3497,7 @@
         </p:nvCxnSpPr>
         <p:spPr>
           <a:xfrm rot="5400000">
-            <a:off x="719534" y="2130505"/>
+            <a:off x="702386" y="2042876"/>
             <a:ext cx="72000" cy="0"/>
           </a:xfrm>
           <a:prstGeom prst="line">
@@ -3518,10 +3521,10 @@
       </p:cxnSp>
       <p:cxnSp>
         <p:nvCxnSpPr>
-          <p:cNvPr id="46" name="Straight Connector 45">
+          <p:cNvPr id="127" name="Straight Connector 126">
             <a:extLst>
               <a:ext uri="{FF2B5EF4-FFF2-40B4-BE49-F238E27FC236}">
-                <a16:creationId xmlns:a16="http://schemas.microsoft.com/office/drawing/2014/main" id="{97C928B1-B6B5-4E1A-A10A-EFAD40186F16}"/>
+                <a16:creationId xmlns:a16="http://schemas.microsoft.com/office/drawing/2014/main" id="{14856509-04CC-48D1-A498-C12ADCF0E994}"/>
               </a:ext>
             </a:extLst>
           </p:cNvPr>
@@ -3532,7 +3535,7 @@
         </p:nvCxnSpPr>
         <p:spPr>
           <a:xfrm rot="5400000">
-            <a:off x="1445234" y="2130505"/>
+            <a:off x="1428086" y="2042876"/>
             <a:ext cx="72000" cy="0"/>
           </a:xfrm>
           <a:prstGeom prst="line">
@@ -3556,10 +3559,10 @@
       </p:cxnSp>
       <p:sp>
         <p:nvSpPr>
-          <p:cNvPr id="47" name="TextBox 46">
+          <p:cNvPr id="128" name="TextBox 127">
             <a:extLst>
               <a:ext uri="{FF2B5EF4-FFF2-40B4-BE49-F238E27FC236}">
-                <a16:creationId xmlns:a16="http://schemas.microsoft.com/office/drawing/2014/main" id="{84949D9F-8CCA-467B-93B0-1457017402A0}"/>
+                <a16:creationId xmlns:a16="http://schemas.microsoft.com/office/drawing/2014/main" id="{E9D1C55F-474A-4F86-BD32-F566AF11B2E4}"/>
               </a:ext>
             </a:extLst>
           </p:cNvPr>
@@ -3568,7 +3571,7 @@
         </p:nvSpPr>
         <p:spPr>
           <a:xfrm>
-            <a:off x="237681" y="2119701"/>
+            <a:off x="220533" y="2032072"/>
             <a:ext cx="1027952" cy="215444"/>
           </a:xfrm>
           <a:prstGeom prst="rect">
@@ -3595,10 +3598,10 @@
       </p:sp>
       <p:cxnSp>
         <p:nvCxnSpPr>
-          <p:cNvPr id="48" name="Straight Connector 47">
+          <p:cNvPr id="129" name="Straight Connector 128">
             <a:extLst>
               <a:ext uri="{FF2B5EF4-FFF2-40B4-BE49-F238E27FC236}">
-                <a16:creationId xmlns:a16="http://schemas.microsoft.com/office/drawing/2014/main" id="{B755A4EC-14E4-48D3-8477-A133510A61B5}"/>
+                <a16:creationId xmlns:a16="http://schemas.microsoft.com/office/drawing/2014/main" id="{06D91AA9-8A5E-4168-B251-50CCDB3ECA34}"/>
               </a:ext>
             </a:extLst>
           </p:cNvPr>
@@ -3609,7 +3612,7 @@
         </p:nvCxnSpPr>
         <p:spPr>
           <a:xfrm rot="5400000">
-            <a:off x="2165234" y="2130505"/>
+            <a:off x="2148086" y="2042876"/>
             <a:ext cx="72000" cy="0"/>
           </a:xfrm>
           <a:prstGeom prst="line">
@@ -3633,10 +3636,10 @@
       </p:cxnSp>
       <p:sp>
         <p:nvSpPr>
-          <p:cNvPr id="52" name="TextBox 51">
+          <p:cNvPr id="130" name="TextBox 129">
             <a:extLst>
               <a:ext uri="{FF2B5EF4-FFF2-40B4-BE49-F238E27FC236}">
-                <a16:creationId xmlns:a16="http://schemas.microsoft.com/office/drawing/2014/main" id="{8EC8BCF6-1DF8-4F84-A844-06FB9635AA63}"/>
+                <a16:creationId xmlns:a16="http://schemas.microsoft.com/office/drawing/2014/main" id="{40DDE356-114C-4C18-8373-1D58F3D01A2D}"/>
               </a:ext>
             </a:extLst>
           </p:cNvPr>
@@ -3645,7 +3648,7 @@
         </p:nvSpPr>
         <p:spPr>
           <a:xfrm>
-            <a:off x="979213" y="2119701"/>
+            <a:off x="962065" y="2032072"/>
             <a:ext cx="1027952" cy="215444"/>
           </a:xfrm>
           <a:prstGeom prst="rect">
@@ -3672,10 +3675,10 @@
       </p:sp>
       <p:sp>
         <p:nvSpPr>
-          <p:cNvPr id="53" name="TextBox 52">
+          <p:cNvPr id="131" name="TextBox 130">
             <a:extLst>
               <a:ext uri="{FF2B5EF4-FFF2-40B4-BE49-F238E27FC236}">
-                <a16:creationId xmlns:a16="http://schemas.microsoft.com/office/drawing/2014/main" id="{470FE2AC-14AE-4305-8A4B-A4A0529A97AD}"/>
+                <a16:creationId xmlns:a16="http://schemas.microsoft.com/office/drawing/2014/main" id="{01993258-2D42-4049-B8E5-B4676345BECD}"/>
               </a:ext>
             </a:extLst>
           </p:cNvPr>
@@ -3684,7 +3687,7 @@
         </p:nvSpPr>
         <p:spPr>
           <a:xfrm>
-            <a:off x="1687258" y="2119701"/>
+            <a:off x="1670110" y="2032072"/>
             <a:ext cx="1027952" cy="215444"/>
           </a:xfrm>
           <a:prstGeom prst="rect">
@@ -3711,10 +3714,10 @@
       </p:sp>
       <p:sp>
         <p:nvSpPr>
-          <p:cNvPr id="54" name="TextBox 53">
+          <p:cNvPr id="132" name="TextBox 131">
             <a:extLst>
               <a:ext uri="{FF2B5EF4-FFF2-40B4-BE49-F238E27FC236}">
-                <a16:creationId xmlns:a16="http://schemas.microsoft.com/office/drawing/2014/main" id="{3CE350F3-F8C7-44B9-8302-EFB79CE13632}"/>
+                <a16:creationId xmlns:a16="http://schemas.microsoft.com/office/drawing/2014/main" id="{09391332-6AFD-4497-9962-73BABE8C7493}"/>
               </a:ext>
             </a:extLst>
           </p:cNvPr>
@@ -3723,7 +3726,7 @@
         </p:nvSpPr>
         <p:spPr>
           <a:xfrm rot="16200000">
-            <a:off x="28124" y="1852296"/>
+            <a:off x="10976" y="1764667"/>
             <a:ext cx="1027952" cy="215444"/>
           </a:xfrm>
           <a:prstGeom prst="rect">
@@ -3750,10 +3753,10 @@
       </p:sp>
       <p:sp>
         <p:nvSpPr>
-          <p:cNvPr id="55" name="TextBox 54">
+          <p:cNvPr id="133" name="TextBox 132">
             <a:extLst>
               <a:ext uri="{FF2B5EF4-FFF2-40B4-BE49-F238E27FC236}">
-                <a16:creationId xmlns:a16="http://schemas.microsoft.com/office/drawing/2014/main" id="{B8C1964F-9845-4204-82AD-466D9B273734}"/>
+                <a16:creationId xmlns:a16="http://schemas.microsoft.com/office/drawing/2014/main" id="{6D7E80E1-D66E-45F3-8948-EDFDAB64E7FB}"/>
               </a:ext>
             </a:extLst>
           </p:cNvPr>
@@ -3762,7 +3765,7 @@
         </p:nvSpPr>
         <p:spPr>
           <a:xfrm rot="16200000">
-            <a:off x="-42426" y="1131284"/>
+            <a:off x="-50579" y="1043655"/>
             <a:ext cx="1027952" cy="338554"/>
           </a:xfrm>
           <a:prstGeom prst="rect">
@@ -3799,10 +3802,10 @@
       </p:sp>
       <p:sp>
         <p:nvSpPr>
-          <p:cNvPr id="56" name="TextBox 55">
+          <p:cNvPr id="134" name="TextBox 133">
             <a:extLst>
               <a:ext uri="{FF2B5EF4-FFF2-40B4-BE49-F238E27FC236}">
-                <a16:creationId xmlns:a16="http://schemas.microsoft.com/office/drawing/2014/main" id="{DBF43A3C-2D66-4930-ACBE-62C28DCFCA19}"/>
+                <a16:creationId xmlns:a16="http://schemas.microsoft.com/office/drawing/2014/main" id="{DA35C2FB-9256-4E91-8D07-E37F38CF4089}"/>
               </a:ext>
             </a:extLst>
           </p:cNvPr>
@@ -3811,7 +3814,7 @@
         </p:nvSpPr>
         <p:spPr>
           <a:xfrm rot="16200000">
-            <a:off x="-42426" y="407254"/>
+            <a:off x="-33432" y="326952"/>
             <a:ext cx="1027952" cy="338554"/>
           </a:xfrm>
           <a:prstGeom prst="rect">
@@ -3848,22 +3851,22 @@
       </p:sp>
       <p:cxnSp>
         <p:nvCxnSpPr>
-          <p:cNvPr id="57" name="Straight Connector 56">
+          <p:cNvPr id="135" name="Straight Connector 134">
             <a:extLst>
               <a:ext uri="{FF2B5EF4-FFF2-40B4-BE49-F238E27FC236}">
-                <a16:creationId xmlns:a16="http://schemas.microsoft.com/office/drawing/2014/main" id="{05D0D401-BBD2-455A-B08B-040A78C5E2B6}"/>
+                <a16:creationId xmlns:a16="http://schemas.microsoft.com/office/drawing/2014/main" id="{B829B954-8ED3-4F75-8769-CDA7A3296382}"/>
               </a:ext>
             </a:extLst>
           </p:cNvPr>
           <p:cNvCxnSpPr>
             <a:cxnSpLocks/>
-            <a:endCxn id="58" idx="7"/>
+            <a:endCxn id="136" idx="7"/>
           </p:cNvCxnSpPr>
           <p:nvPr/>
         </p:nvCxnSpPr>
         <p:spPr>
           <a:xfrm flipV="1">
-            <a:off x="648187" y="551075"/>
+            <a:off x="631039" y="463446"/>
             <a:ext cx="1578503" cy="1584950"/>
           </a:xfrm>
           <a:prstGeom prst="line">
@@ -3892,10 +3895,10 @@
       </p:cxnSp>
       <p:sp>
         <p:nvSpPr>
-          <p:cNvPr id="58" name="Oval 57">
+          <p:cNvPr id="136" name="Oval 135">
             <a:extLst>
               <a:ext uri="{FF2B5EF4-FFF2-40B4-BE49-F238E27FC236}">
-                <a16:creationId xmlns:a16="http://schemas.microsoft.com/office/drawing/2014/main" id="{22CEABA5-9ACB-42BF-B3C6-29386EE6537B}"/>
+                <a16:creationId xmlns:a16="http://schemas.microsoft.com/office/drawing/2014/main" id="{DD2344AC-16F0-452B-B21A-739B2EC85ECD}"/>
               </a:ext>
             </a:extLst>
           </p:cNvPr>
@@ -3904,7 +3907,7 @@
         </p:nvSpPr>
         <p:spPr>
           <a:xfrm>
-            <a:off x="2165234" y="540531"/>
+            <a:off x="2148086" y="452902"/>
             <a:ext cx="72000" cy="72000"/>
           </a:xfrm>
           <a:prstGeom prst="ellipse">
@@ -3944,10 +3947,10 @@
       </p:sp>
       <p:sp>
         <p:nvSpPr>
-          <p:cNvPr id="59" name="Oval 58">
+          <p:cNvPr id="137" name="Oval 136">
             <a:extLst>
               <a:ext uri="{FF2B5EF4-FFF2-40B4-BE49-F238E27FC236}">
-                <a16:creationId xmlns:a16="http://schemas.microsoft.com/office/drawing/2014/main" id="{C65672B8-5D74-4AD4-9705-BA50D21CC0CA}"/>
+                <a16:creationId xmlns:a16="http://schemas.microsoft.com/office/drawing/2014/main" id="{57E3D636-4F49-4F9A-B8DA-BE2E8FCAB48D}"/>
               </a:ext>
             </a:extLst>
           </p:cNvPr>
@@ -3956,7 +3959,7 @@
         </p:nvSpPr>
         <p:spPr>
           <a:xfrm>
-            <a:off x="715657" y="1988705"/>
+            <a:off x="698509" y="1901076"/>
             <a:ext cx="72000" cy="72000"/>
           </a:xfrm>
           <a:prstGeom prst="ellipse">
@@ -3996,10 +3999,10 @@
       </p:sp>
       <p:sp>
         <p:nvSpPr>
-          <p:cNvPr id="60" name="Oval 59">
+          <p:cNvPr id="138" name="Oval 137">
             <a:extLst>
               <a:ext uri="{FF2B5EF4-FFF2-40B4-BE49-F238E27FC236}">
-                <a16:creationId xmlns:a16="http://schemas.microsoft.com/office/drawing/2014/main" id="{594BF564-575D-431B-B8A2-725A5A0AC68B}"/>
+                <a16:creationId xmlns:a16="http://schemas.microsoft.com/office/drawing/2014/main" id="{C686689D-00B3-4CD4-8EED-584D50ECC5DC}"/>
               </a:ext>
             </a:extLst>
           </p:cNvPr>
@@ -4008,7 +4011,7 @@
         </p:nvSpPr>
         <p:spPr>
           <a:xfrm>
-            <a:off x="1457189" y="1261068"/>
+            <a:off x="1440041" y="1173439"/>
             <a:ext cx="72000" cy="72000"/>
           </a:xfrm>
           <a:prstGeom prst="ellipse">
@@ -4048,10 +4051,10 @@
       </p:sp>
       <p:sp>
         <p:nvSpPr>
-          <p:cNvPr id="61" name="TextBox 60">
+          <p:cNvPr id="139" name="TextBox 138">
             <a:extLst>
               <a:ext uri="{FF2B5EF4-FFF2-40B4-BE49-F238E27FC236}">
-                <a16:creationId xmlns:a16="http://schemas.microsoft.com/office/drawing/2014/main" id="{1E1EDDA7-3690-40A3-BFBE-E03F8F083EEF}"/>
+                <a16:creationId xmlns:a16="http://schemas.microsoft.com/office/drawing/2014/main" id="{C45905E5-C1AD-46E6-81F6-D8CBA15ADC71}"/>
               </a:ext>
             </a:extLst>
           </p:cNvPr>
@@ -4060,7 +4063,7 @@
         </p:nvSpPr>
         <p:spPr>
           <a:xfrm rot="-2700000">
-            <a:off x="259249" y="1199400"/>
+            <a:off x="242101" y="1111771"/>
             <a:ext cx="2202946" cy="215444"/>
           </a:xfrm>
           <a:prstGeom prst="rect">
@@ -4087,22 +4090,21 @@
       </p:sp>
       <p:cxnSp>
         <p:nvCxnSpPr>
-          <p:cNvPr id="62" name="Straight Connector 61">
+          <p:cNvPr id="140" name="Straight Connector 139">
             <a:extLst>
               <a:ext uri="{FF2B5EF4-FFF2-40B4-BE49-F238E27FC236}">
-                <a16:creationId xmlns:a16="http://schemas.microsoft.com/office/drawing/2014/main" id="{DC0006B8-975A-4CC1-AEE0-30243DC4926A}"/>
+                <a16:creationId xmlns:a16="http://schemas.microsoft.com/office/drawing/2014/main" id="{783B6CC4-C1AC-4F4E-94B3-600BCE2A1A03}"/>
               </a:ext>
             </a:extLst>
           </p:cNvPr>
           <p:cNvCxnSpPr>
             <a:cxnSpLocks/>
-            <a:endCxn id="70" idx="7"/>
           </p:cNvCxnSpPr>
           <p:nvPr/>
         </p:nvCxnSpPr>
         <p:spPr>
           <a:xfrm flipV="1">
-            <a:off x="649822" y="765170"/>
+            <a:off x="628717" y="680995"/>
             <a:ext cx="1571596" cy="1364414"/>
           </a:xfrm>
           <a:prstGeom prst="line">
@@ -4132,10 +4134,10 @@
       </p:cxnSp>
       <p:sp>
         <p:nvSpPr>
-          <p:cNvPr id="63" name="TextBox 62">
+          <p:cNvPr id="141" name="TextBox 140">
             <a:extLst>
               <a:ext uri="{FF2B5EF4-FFF2-40B4-BE49-F238E27FC236}">
-                <a16:creationId xmlns:a16="http://schemas.microsoft.com/office/drawing/2014/main" id="{B0C8B687-3BE9-4DCA-B0BF-593EF052960B}"/>
+                <a16:creationId xmlns:a16="http://schemas.microsoft.com/office/drawing/2014/main" id="{C8690B1B-7EB6-477F-8A08-9BB2F7F2C5A6}"/>
               </a:ext>
             </a:extLst>
           </p:cNvPr>
@@ -4144,8 +4146,8 @@
         </p:nvSpPr>
         <p:spPr>
           <a:xfrm>
-            <a:off x="2108807" y="603456"/>
-            <a:ext cx="1160049" cy="215444"/>
+            <a:off x="2107565" y="592692"/>
+            <a:ext cx="1152454" cy="215444"/>
           </a:xfrm>
           <a:prstGeom prst="rect">
             <a:avLst/>
@@ -4158,6 +4160,7 @@
           </a:bodyPr>
           <a:lstStyle/>
           <a:p>
+            <a:pPr algn="ctr"/>
             <a:r>
               <a:rPr lang="en-GB" sz="800" dirty="0">
                 <a:solidFill>
@@ -4173,23 +4176,23 @@
       </p:sp>
       <p:cxnSp>
         <p:nvCxnSpPr>
-          <p:cNvPr id="64" name="Straight Connector 63">
+          <p:cNvPr id="142" name="Straight Connector 141">
             <a:extLst>
               <a:ext uri="{FF2B5EF4-FFF2-40B4-BE49-F238E27FC236}">
-                <a16:creationId xmlns:a16="http://schemas.microsoft.com/office/drawing/2014/main" id="{DA89D749-CE49-43D5-B3EC-2C01CF7A1B00}"/>
+                <a16:creationId xmlns:a16="http://schemas.microsoft.com/office/drawing/2014/main" id="{F353CC3A-0F1F-4D34-A664-8FE32AB7FD53}"/>
               </a:ext>
             </a:extLst>
           </p:cNvPr>
           <p:cNvCxnSpPr>
             <a:cxnSpLocks/>
-            <a:endCxn id="78" idx="7"/>
+            <a:endCxn id="147" idx="7"/>
           </p:cNvCxnSpPr>
           <p:nvPr/>
         </p:nvCxnSpPr>
         <p:spPr>
           <a:xfrm flipV="1">
-            <a:off x="645805" y="1014939"/>
-            <a:ext cx="1575613" cy="1119916"/>
+            <a:off x="628657" y="923034"/>
+            <a:ext cx="1575613" cy="1124192"/>
           </a:xfrm>
           <a:prstGeom prst="line">
             <a:avLst/>
@@ -4218,10 +4221,10 @@
       </p:cxnSp>
       <p:sp>
         <p:nvSpPr>
-          <p:cNvPr id="65" name="Oval 64">
+          <p:cNvPr id="143" name="Oval 142">
             <a:extLst>
               <a:ext uri="{FF2B5EF4-FFF2-40B4-BE49-F238E27FC236}">
-                <a16:creationId xmlns:a16="http://schemas.microsoft.com/office/drawing/2014/main" id="{E2C74ECC-57A3-43F5-B19C-9D1B9D4A9BBF}"/>
+                <a16:creationId xmlns:a16="http://schemas.microsoft.com/office/drawing/2014/main" id="{A9374C4D-6BDD-4CA1-BC53-08C2E7056D5D}"/>
               </a:ext>
             </a:extLst>
           </p:cNvPr>
@@ -4230,7 +4233,7 @@
         </p:nvSpPr>
         <p:spPr>
           <a:xfrm>
-            <a:off x="1457189" y="1364120"/>
+            <a:off x="702165" y="1912409"/>
             <a:ext cx="72000" cy="72000"/>
           </a:xfrm>
           <a:prstGeom prst="ellipse">
@@ -4240,9 +4243,7 @@
             <a:srgbClr val="0000FF"/>
           </a:solidFill>
           <a:ln>
-            <a:solidFill>
-              <a:srgbClr val="0000FF"/>
-            </a:solidFill>
+            <a:noFill/>
           </a:ln>
         </p:spPr>
         <p:style>
@@ -4272,10 +4273,10 @@
       </p:sp>
       <p:sp>
         <p:nvSpPr>
-          <p:cNvPr id="70" name="Oval 69">
+          <p:cNvPr id="144" name="Oval 143">
             <a:extLst>
               <a:ext uri="{FF2B5EF4-FFF2-40B4-BE49-F238E27FC236}">
-                <a16:creationId xmlns:a16="http://schemas.microsoft.com/office/drawing/2014/main" id="{1744F0DF-7B9C-41BB-919B-B66D0A4ACB8D}"/>
+                <a16:creationId xmlns:a16="http://schemas.microsoft.com/office/drawing/2014/main" id="{519FF198-B9AD-457F-93BE-E6DD47B03BCE}"/>
               </a:ext>
             </a:extLst>
           </p:cNvPr>
@@ -4284,115 +4285,7 @@
         </p:nvSpPr>
         <p:spPr>
           <a:xfrm>
-            <a:off x="2159962" y="754626"/>
-            <a:ext cx="72000" cy="72000"/>
-          </a:xfrm>
-          <a:prstGeom prst="ellipse">
-            <a:avLst/>
-          </a:prstGeom>
-          <a:solidFill>
-            <a:srgbClr val="0000FF"/>
-          </a:solidFill>
-          <a:ln>
-            <a:solidFill>
-              <a:srgbClr val="0000FF"/>
-            </a:solidFill>
-          </a:ln>
-        </p:spPr>
-        <p:style>
-          <a:lnRef idx="2">
-            <a:schemeClr val="accent1">
-              <a:shade val="50000"/>
-            </a:schemeClr>
-          </a:lnRef>
-          <a:fillRef idx="1">
-            <a:schemeClr val="accent1"/>
-          </a:fillRef>
-          <a:effectRef idx="0">
-            <a:schemeClr val="accent1"/>
-          </a:effectRef>
-          <a:fontRef idx="minor">
-            <a:schemeClr val="lt1"/>
-          </a:fontRef>
-        </p:style>
-        <p:txBody>
-          <a:bodyPr rtlCol="0" anchor="ctr"/>
-          <a:lstStyle/>
-          <a:p>
-            <a:pPr algn="ctr"/>
-            <a:endParaRPr lang="en-GB"/>
-          </a:p>
-        </p:txBody>
-      </p:sp>
-      <p:sp>
-        <p:nvSpPr>
-          <p:cNvPr id="72" name="Oval 71">
-            <a:extLst>
-              <a:ext uri="{FF2B5EF4-FFF2-40B4-BE49-F238E27FC236}">
-                <a16:creationId xmlns:a16="http://schemas.microsoft.com/office/drawing/2014/main" id="{9F02A1D8-32B5-48B1-9BD1-60F7C1C42D90}"/>
-              </a:ext>
-            </a:extLst>
-          </p:cNvPr>
-          <p:cNvSpPr/>
-          <p:nvPr/>
-        </p:nvSpPr>
-        <p:spPr>
-          <a:xfrm>
-            <a:off x="718099" y="2003040"/>
-            <a:ext cx="72000" cy="72000"/>
-          </a:xfrm>
-          <a:prstGeom prst="ellipse">
-            <a:avLst/>
-          </a:prstGeom>
-          <a:solidFill>
-            <a:srgbClr val="0000FF"/>
-          </a:solidFill>
-          <a:ln>
-            <a:solidFill>
-              <a:srgbClr val="0000FF"/>
-            </a:solidFill>
-          </a:ln>
-        </p:spPr>
-        <p:style>
-          <a:lnRef idx="2">
-            <a:schemeClr val="accent1">
-              <a:shade val="50000"/>
-            </a:schemeClr>
-          </a:lnRef>
-          <a:fillRef idx="1">
-            <a:schemeClr val="accent1"/>
-          </a:fillRef>
-          <a:effectRef idx="0">
-            <a:schemeClr val="accent1"/>
-          </a:effectRef>
-          <a:fontRef idx="minor">
-            <a:schemeClr val="lt1"/>
-          </a:fontRef>
-        </p:style>
-        <p:txBody>
-          <a:bodyPr rtlCol="0" anchor="ctr"/>
-          <a:lstStyle/>
-          <a:p>
-            <a:pPr algn="ctr"/>
-            <a:endParaRPr lang="en-GB"/>
-          </a:p>
-        </p:txBody>
-      </p:sp>
-      <p:sp>
-        <p:nvSpPr>
-          <p:cNvPr id="75" name="Oval 74">
-            <a:extLst>
-              <a:ext uri="{FF2B5EF4-FFF2-40B4-BE49-F238E27FC236}">
-                <a16:creationId xmlns:a16="http://schemas.microsoft.com/office/drawing/2014/main" id="{C4E1E234-3BB7-462B-822E-50BF8834ADA2}"/>
-              </a:ext>
-            </a:extLst>
-          </p:cNvPr>
-          <p:cNvSpPr/>
-          <p:nvPr/>
-        </p:nvSpPr>
-        <p:spPr>
-          <a:xfrm>
-            <a:off x="720667" y="2013046"/>
+            <a:off x="700215" y="1926115"/>
             <a:ext cx="72000" cy="72000"/>
           </a:xfrm>
           <a:prstGeom prst="ellipse">
@@ -4432,10 +4325,10 @@
       </p:sp>
       <p:sp>
         <p:nvSpPr>
-          <p:cNvPr id="76" name="TextBox 75">
+          <p:cNvPr id="145" name="TextBox 144">
             <a:extLst>
               <a:ext uri="{FF2B5EF4-FFF2-40B4-BE49-F238E27FC236}">
-                <a16:creationId xmlns:a16="http://schemas.microsoft.com/office/drawing/2014/main" id="{4707B42F-9252-4F3F-8808-FC87942D8D4D}"/>
+                <a16:creationId xmlns:a16="http://schemas.microsoft.com/office/drawing/2014/main" id="{CE4CDC11-0D92-4D7C-9AAE-9F58AFAF2C2E}"/>
               </a:ext>
             </a:extLst>
           </p:cNvPr>
@@ -4444,8 +4337,8 @@
         </p:nvSpPr>
         <p:spPr>
           <a:xfrm>
-            <a:off x="2168491" y="796259"/>
-            <a:ext cx="1027952" cy="338554"/>
+            <a:off x="2137230" y="843400"/>
+            <a:ext cx="1215178" cy="215444"/>
           </a:xfrm>
           <a:prstGeom prst="rect">
             <a:avLst/>
@@ -4466,29 +4359,17 @@
                 <a:latin typeface="Arial" panose="020B0604020202020204" pitchFamily="34" charset="0"/>
                 <a:cs typeface="Arial" panose="020B0604020202020204" pitchFamily="34" charset="0"/>
               </a:rPr>
-              <a:t>ecPoint FC</a:t>
-            </a:r>
-          </a:p>
-          <a:p>
-            <a:r>
-              <a:rPr lang="en-GB" sz="800" dirty="0">
-                <a:solidFill>
-                  <a:srgbClr val="FF0000"/>
-                </a:solidFill>
-                <a:latin typeface="Arial" panose="020B0604020202020204" pitchFamily="34" charset="0"/>
-                <a:cs typeface="Arial" panose="020B0604020202020204" pitchFamily="34" charset="0"/>
-              </a:rPr>
-              <a:t>(initial estimate)</a:t>
-            </a:r>
-          </a:p>
-        </p:txBody>
-      </p:sp>
-      <p:sp>
-        <p:nvSpPr>
-          <p:cNvPr id="77" name="Oval 76">
+              <a:t>ecPoint FC (estimate)</a:t>
+            </a:r>
+          </a:p>
+        </p:txBody>
+      </p:sp>
+      <p:sp>
+        <p:nvSpPr>
+          <p:cNvPr id="146" name="Oval 145">
             <a:extLst>
               <a:ext uri="{FF2B5EF4-FFF2-40B4-BE49-F238E27FC236}">
-                <a16:creationId xmlns:a16="http://schemas.microsoft.com/office/drawing/2014/main" id="{5D834F6E-8915-40A7-9D06-EBF342220254}"/>
+                <a16:creationId xmlns:a16="http://schemas.microsoft.com/office/drawing/2014/main" id="{51B8912C-76F7-4001-8A6F-963913AAF60B}"/>
               </a:ext>
             </a:extLst>
           </p:cNvPr>
@@ -4497,7 +4378,7 @@
         </p:nvSpPr>
         <p:spPr>
           <a:xfrm>
-            <a:off x="1462793" y="1491184"/>
+            <a:off x="1445645" y="1403555"/>
             <a:ext cx="72000" cy="72000"/>
           </a:xfrm>
           <a:prstGeom prst="ellipse">
@@ -4537,10 +4418,10 @@
       </p:sp>
       <p:sp>
         <p:nvSpPr>
-          <p:cNvPr id="78" name="Oval 77">
+          <p:cNvPr id="147" name="Oval 146">
             <a:extLst>
               <a:ext uri="{FF2B5EF4-FFF2-40B4-BE49-F238E27FC236}">
-                <a16:creationId xmlns:a16="http://schemas.microsoft.com/office/drawing/2014/main" id="{D1437391-FFB2-4EE3-A35F-0752E7FA15F2}"/>
+                <a16:creationId xmlns:a16="http://schemas.microsoft.com/office/drawing/2014/main" id="{6C40F420-1A80-43F7-8237-E469B4ECB1DE}"/>
               </a:ext>
             </a:extLst>
           </p:cNvPr>
@@ -4549,7 +4430,7 @@
         </p:nvSpPr>
         <p:spPr>
           <a:xfrm>
-            <a:off x="2159962" y="1004395"/>
+            <a:off x="2142814" y="912490"/>
             <a:ext cx="72000" cy="72000"/>
           </a:xfrm>
           <a:prstGeom prst="ellipse">
@@ -4587,458 +4468,12 @@
           </a:p>
         </p:txBody>
       </p:sp>
-      <p:cxnSp>
-        <p:nvCxnSpPr>
-          <p:cNvPr id="10" name="Straight Arrow Connector 9">
+      <p:sp>
+        <p:nvSpPr>
+          <p:cNvPr id="148" name="Freeform: Shape 147">
             <a:extLst>
               <a:ext uri="{FF2B5EF4-FFF2-40B4-BE49-F238E27FC236}">
-                <a16:creationId xmlns:a16="http://schemas.microsoft.com/office/drawing/2014/main" id="{22447704-08DF-4501-A352-615B08535E70}"/>
-              </a:ext>
-            </a:extLst>
-          </p:cNvPr>
-          <p:cNvCxnSpPr>
-            <a:cxnSpLocks/>
-          </p:cNvCxnSpPr>
-          <p:nvPr/>
-        </p:nvCxnSpPr>
-        <p:spPr>
-          <a:xfrm flipH="1">
-            <a:off x="1969272" y="1447343"/>
-            <a:ext cx="310219" cy="75176"/>
-          </a:xfrm>
-          <a:prstGeom prst="straightConnector1">
-            <a:avLst/>
-          </a:prstGeom>
-          <a:ln w="28575" cap="sq">
-            <a:solidFill>
-              <a:srgbClr val="FF33CC"/>
-            </a:solidFill>
-            <a:headEnd w="sm" len="sm"/>
-            <a:tailEnd type="triangle" w="sm" len="sm"/>
-          </a:ln>
-        </p:spPr>
-        <p:style>
-          <a:lnRef idx="1">
-            <a:schemeClr val="accent1"/>
-          </a:lnRef>
-          <a:fillRef idx="0">
-            <a:schemeClr val="accent1"/>
-          </a:fillRef>
-          <a:effectRef idx="0">
-            <a:schemeClr val="accent1"/>
-          </a:effectRef>
-          <a:fontRef idx="minor">
-            <a:schemeClr val="tx1"/>
-          </a:fontRef>
-        </p:style>
-      </p:cxnSp>
-      <p:cxnSp>
-        <p:nvCxnSpPr>
-          <p:cNvPr id="13" name="Straight Connector 12">
-            <a:extLst>
-              <a:ext uri="{FF2B5EF4-FFF2-40B4-BE49-F238E27FC236}">
-                <a16:creationId xmlns:a16="http://schemas.microsoft.com/office/drawing/2014/main" id="{C901C5CE-FF76-4D34-A6D4-EABF790FF5B6}"/>
-              </a:ext>
-            </a:extLst>
-          </p:cNvPr>
-          <p:cNvCxnSpPr>
-            <a:cxnSpLocks/>
-          </p:cNvCxnSpPr>
-          <p:nvPr/>
-        </p:nvCxnSpPr>
-        <p:spPr>
-          <a:xfrm>
-            <a:off x="2279491" y="1444168"/>
-            <a:ext cx="695914" cy="0"/>
-          </a:xfrm>
-          <a:prstGeom prst="line">
-            <a:avLst/>
-          </a:prstGeom>
-          <a:ln w="28575">
-            <a:solidFill>
-              <a:srgbClr val="FF33CC"/>
-            </a:solidFill>
-          </a:ln>
-        </p:spPr>
-        <p:style>
-          <a:lnRef idx="1">
-            <a:schemeClr val="accent1"/>
-          </a:lnRef>
-          <a:fillRef idx="0">
-            <a:schemeClr val="accent1"/>
-          </a:fillRef>
-          <a:effectRef idx="0">
-            <a:schemeClr val="accent1"/>
-          </a:effectRef>
-          <a:fontRef idx="minor">
-            <a:schemeClr val="tx1"/>
-          </a:fontRef>
-        </p:style>
-      </p:cxnSp>
-      <p:sp>
-        <p:nvSpPr>
-          <p:cNvPr id="71" name="TextBox 70">
-            <a:extLst>
-              <a:ext uri="{FF2B5EF4-FFF2-40B4-BE49-F238E27FC236}">
-                <a16:creationId xmlns:a16="http://schemas.microsoft.com/office/drawing/2014/main" id="{A88B364F-1543-41BF-AB4E-CE4273B52488}"/>
-              </a:ext>
-            </a:extLst>
-          </p:cNvPr>
-          <p:cNvSpPr txBox="1"/>
-          <p:nvPr/>
-        </p:nvSpPr>
-        <p:spPr>
-          <a:xfrm>
-            <a:off x="2201658" y="1277414"/>
-            <a:ext cx="1160049" cy="215444"/>
-          </a:xfrm>
-          <a:prstGeom prst="rect">
-            <a:avLst/>
-          </a:prstGeom>
-          <a:noFill/>
-          <a:ln>
-            <a:noFill/>
-          </a:ln>
-        </p:spPr>
-        <p:txBody>
-          <a:bodyPr wrap="square" rtlCol="0">
-            <a:spAutoFit/>
-          </a:bodyPr>
-          <a:lstStyle/>
-          <a:p>
-            <a:r>
-              <a:rPr lang="en-GB" sz="800" b="1" dirty="0">
-                <a:solidFill>
-                  <a:srgbClr val="FF33CC"/>
-                </a:solidFill>
-                <a:latin typeface="Arial" panose="020B0604020202020204" pitchFamily="34" charset="0"/>
-                <a:cs typeface="Arial" panose="020B0604020202020204" pitchFamily="34" charset="0"/>
-              </a:rPr>
-              <a:t>Observed gap</a:t>
-            </a:r>
-          </a:p>
-        </p:txBody>
-      </p:sp>
-      <p:cxnSp>
-        <p:nvCxnSpPr>
-          <p:cNvPr id="17" name="Straight Arrow Connector 16">
-            <a:extLst>
-              <a:ext uri="{FF2B5EF4-FFF2-40B4-BE49-F238E27FC236}">
-                <a16:creationId xmlns:a16="http://schemas.microsoft.com/office/drawing/2014/main" id="{FF0B7776-C808-433C-A79B-62F1A8A12D78}"/>
-              </a:ext>
-            </a:extLst>
-          </p:cNvPr>
-          <p:cNvCxnSpPr>
-            <a:cxnSpLocks/>
-          </p:cNvCxnSpPr>
-          <p:nvPr/>
-        </p:nvCxnSpPr>
-        <p:spPr>
-          <a:xfrm flipV="1">
-            <a:off x="854256" y="2367015"/>
-            <a:ext cx="1260000" cy="0"/>
-          </a:xfrm>
-          <a:prstGeom prst="straightConnector1">
-            <a:avLst/>
-          </a:prstGeom>
-          <a:ln>
-            <a:solidFill>
-              <a:schemeClr val="accent6">
-                <a:lumMod val="75000"/>
-              </a:schemeClr>
-            </a:solidFill>
-            <a:tailEnd type="triangle"/>
-          </a:ln>
-        </p:spPr>
-        <p:style>
-          <a:lnRef idx="1">
-            <a:schemeClr val="accent1"/>
-          </a:lnRef>
-          <a:fillRef idx="0">
-            <a:schemeClr val="accent1"/>
-          </a:fillRef>
-          <a:effectRef idx="0">
-            <a:schemeClr val="accent1"/>
-          </a:effectRef>
-          <a:fontRef idx="minor">
-            <a:schemeClr val="tx1"/>
-          </a:fontRef>
-        </p:style>
-      </p:cxnSp>
-      <p:cxnSp>
-        <p:nvCxnSpPr>
-          <p:cNvPr id="73" name="Straight Arrow Connector 72">
-            <a:extLst>
-              <a:ext uri="{FF2B5EF4-FFF2-40B4-BE49-F238E27FC236}">
-                <a16:creationId xmlns:a16="http://schemas.microsoft.com/office/drawing/2014/main" id="{274A09F6-8DB0-47C9-BE59-A21477561DF2}"/>
-              </a:ext>
-            </a:extLst>
-          </p:cNvPr>
-          <p:cNvCxnSpPr>
-            <a:cxnSpLocks/>
-          </p:cNvCxnSpPr>
-          <p:nvPr/>
-        </p:nvCxnSpPr>
-        <p:spPr>
-          <a:xfrm rot="10800000">
-            <a:off x="279244" y="667068"/>
-            <a:ext cx="1546" cy="1260000"/>
-          </a:xfrm>
-          <a:prstGeom prst="straightConnector1">
-            <a:avLst/>
-          </a:prstGeom>
-          <a:ln>
-            <a:solidFill>
-              <a:schemeClr val="accent6">
-                <a:lumMod val="75000"/>
-              </a:schemeClr>
-            </a:solidFill>
-            <a:tailEnd type="triangle"/>
-          </a:ln>
-        </p:spPr>
-        <p:style>
-          <a:lnRef idx="1">
-            <a:schemeClr val="accent1"/>
-          </a:lnRef>
-          <a:fillRef idx="0">
-            <a:schemeClr val="accent1"/>
-          </a:fillRef>
-          <a:effectRef idx="0">
-            <a:schemeClr val="accent1"/>
-          </a:effectRef>
-          <a:fontRef idx="minor">
-            <a:schemeClr val="tx1"/>
-          </a:fontRef>
-        </p:style>
-      </p:cxnSp>
-      <p:sp>
-        <p:nvSpPr>
-          <p:cNvPr id="79" name="TextBox 78">
-            <a:extLst>
-              <a:ext uri="{FF2B5EF4-FFF2-40B4-BE49-F238E27FC236}">
-                <a16:creationId xmlns:a16="http://schemas.microsoft.com/office/drawing/2014/main" id="{728DD634-A389-4169-BE82-8BBCFA2B18BC}"/>
-              </a:ext>
-            </a:extLst>
-          </p:cNvPr>
-          <p:cNvSpPr txBox="1"/>
-          <p:nvPr/>
-        </p:nvSpPr>
-        <p:spPr>
-          <a:xfrm>
-            <a:off x="808658" y="2344449"/>
-            <a:ext cx="1249906" cy="215444"/>
-          </a:xfrm>
-          <a:prstGeom prst="rect">
-            <a:avLst/>
-          </a:prstGeom>
-          <a:noFill/>
-        </p:spPr>
-        <p:txBody>
-          <a:bodyPr wrap="square" rtlCol="0">
-            <a:spAutoFit/>
-          </a:bodyPr>
-          <a:lstStyle/>
-          <a:p>
-            <a:pPr algn="ctr"/>
-            <a:r>
-              <a:rPr lang="en-GB" sz="800" dirty="0">
-                <a:solidFill>
-                  <a:schemeClr val="accent6">
-                    <a:lumMod val="50000"/>
-                  </a:schemeClr>
-                </a:solidFill>
-                <a:latin typeface="Arial" panose="020B0604020202020204" pitchFamily="34" charset="0"/>
-                <a:cs typeface="Arial" panose="020B0604020202020204" pitchFamily="34" charset="0"/>
-              </a:rPr>
-              <a:t>Prob. FC training</a:t>
-            </a:r>
-          </a:p>
-        </p:txBody>
-      </p:sp>
-      <p:sp>
-        <p:nvSpPr>
-          <p:cNvPr id="80" name="TextBox 79">
-            <a:extLst>
-              <a:ext uri="{FF2B5EF4-FFF2-40B4-BE49-F238E27FC236}">
-                <a16:creationId xmlns:a16="http://schemas.microsoft.com/office/drawing/2014/main" id="{C4B19EAE-BE06-4638-B169-790B249F06E2}"/>
-              </a:ext>
-            </a:extLst>
-          </p:cNvPr>
-          <p:cNvSpPr txBox="1"/>
-          <p:nvPr/>
-        </p:nvSpPr>
-        <p:spPr>
-          <a:xfrm rot="16200000">
-            <a:off x="-482633" y="1122744"/>
-            <a:ext cx="1249906" cy="338554"/>
-          </a:xfrm>
-          <a:prstGeom prst="rect">
-            <a:avLst/>
-          </a:prstGeom>
-          <a:noFill/>
-        </p:spPr>
-        <p:txBody>
-          <a:bodyPr wrap="square" rtlCol="0">
-            <a:spAutoFit/>
-          </a:bodyPr>
-          <a:lstStyle/>
-          <a:p>
-            <a:pPr algn="ctr"/>
-            <a:r>
-              <a:rPr lang="en-GB" sz="800" dirty="0">
-                <a:solidFill>
-                  <a:schemeClr val="accent6">
-                    <a:lumMod val="50000"/>
-                  </a:schemeClr>
-                </a:solidFill>
-                <a:latin typeface="Arial" panose="020B0604020202020204" pitchFamily="34" charset="0"/>
-                <a:cs typeface="Arial" panose="020B0604020202020204" pitchFamily="34" charset="0"/>
-              </a:rPr>
-              <a:t>Training in Prob. FC communication</a:t>
-            </a:r>
-          </a:p>
-        </p:txBody>
-      </p:sp>
-      <p:sp>
-        <p:nvSpPr>
-          <p:cNvPr id="66" name="TextBox 48">
-            <a:extLst>
-              <a:ext uri="{FF2B5EF4-FFF2-40B4-BE49-F238E27FC236}">
-                <a16:creationId xmlns:a16="http://schemas.microsoft.com/office/drawing/2014/main" id="{CBC4B7CA-DCB4-4FDF-83F4-61AC5813FED8}"/>
-              </a:ext>
-            </a:extLst>
-          </p:cNvPr>
-          <p:cNvSpPr txBox="1"/>
-          <p:nvPr/>
-        </p:nvSpPr>
-        <p:spPr>
-          <a:xfrm>
-            <a:off x="2195962" y="1495497"/>
-            <a:ext cx="1160043" cy="338554"/>
-          </a:xfrm>
-          <a:prstGeom prst="rect">
-            <a:avLst/>
-          </a:prstGeom>
-          <a:noFill/>
-          <a:ln>
-            <a:noFill/>
-          </a:ln>
-        </p:spPr>
-        <p:txBody>
-          <a:bodyPr wrap="square" rtlCol="0">
-            <a:spAutoFit/>
-          </a:bodyPr>
-          <a:lstStyle/>
-          <a:p>
-            <a:r>
-              <a:rPr lang="en-GB" sz="800" b="1" dirty="0">
-                <a:solidFill>
-                  <a:srgbClr val="FF0000"/>
-                </a:solidFill>
-                <a:latin typeface="Arial" panose="020B0604020202020204" pitchFamily="34" charset="0"/>
-                <a:cs typeface="Arial" panose="020B0604020202020204" pitchFamily="34" charset="0"/>
-              </a:rPr>
-              <a:t>ecPoint FC (observed)</a:t>
-            </a:r>
-          </a:p>
-        </p:txBody>
-      </p:sp>
-      <p:cxnSp>
-        <p:nvCxnSpPr>
-          <p:cNvPr id="67" name="Straight Connector 63">
-            <a:extLst>
-              <a:ext uri="{FF2B5EF4-FFF2-40B4-BE49-F238E27FC236}">
-                <a16:creationId xmlns:a16="http://schemas.microsoft.com/office/drawing/2014/main" id="{8B56B660-71D3-48C8-9B7F-80F23922C016}"/>
-              </a:ext>
-            </a:extLst>
-          </p:cNvPr>
-          <p:cNvCxnSpPr>
-            <a:cxnSpLocks/>
-            <a:endCxn id="50" idx="2"/>
-          </p:cNvCxnSpPr>
-          <p:nvPr/>
-        </p:nvCxnSpPr>
-        <p:spPr>
-          <a:xfrm flipV="1">
-            <a:off x="657381" y="1623789"/>
-            <a:ext cx="795930" cy="517664"/>
-          </a:xfrm>
-          <a:prstGeom prst="line">
-            <a:avLst/>
-          </a:prstGeom>
-          <a:ln w="28575">
-            <a:solidFill>
-              <a:srgbClr val="FF0000"/>
-            </a:solidFill>
-            <a:prstDash val="solid"/>
-          </a:ln>
-        </p:spPr>
-        <p:style>
-          <a:lnRef idx="1">
-            <a:schemeClr val="accent1"/>
-          </a:lnRef>
-          <a:fillRef idx="0">
-            <a:schemeClr val="accent1"/>
-          </a:fillRef>
-          <a:effectRef idx="0">
-            <a:schemeClr val="accent1"/>
-          </a:effectRef>
-          <a:fontRef idx="minor">
-            <a:schemeClr val="tx1"/>
-          </a:fontRef>
-        </p:style>
-      </p:cxnSp>
-      <p:cxnSp>
-        <p:nvCxnSpPr>
-          <p:cNvPr id="68" name="Straight Connector 63">
-            <a:extLst>
-              <a:ext uri="{FF2B5EF4-FFF2-40B4-BE49-F238E27FC236}">
-                <a16:creationId xmlns:a16="http://schemas.microsoft.com/office/drawing/2014/main" id="{6313B410-6864-4292-8B23-3A6B18DC9A76}"/>
-              </a:ext>
-            </a:extLst>
-          </p:cNvPr>
-          <p:cNvCxnSpPr>
-            <a:cxnSpLocks/>
-            <a:endCxn id="51" idx="2"/>
-          </p:cNvCxnSpPr>
-          <p:nvPr/>
-        </p:nvCxnSpPr>
-        <p:spPr>
-          <a:xfrm>
-            <a:off x="1478671" y="1622995"/>
-            <a:ext cx="669482" cy="0"/>
-          </a:xfrm>
-          <a:prstGeom prst="line">
-            <a:avLst/>
-          </a:prstGeom>
-          <a:ln w="28575">
-            <a:solidFill>
-              <a:srgbClr val="FF0000"/>
-            </a:solidFill>
-            <a:prstDash val="solid"/>
-          </a:ln>
-        </p:spPr>
-        <p:style>
-          <a:lnRef idx="1">
-            <a:schemeClr val="accent1"/>
-          </a:lnRef>
-          <a:fillRef idx="0">
-            <a:schemeClr val="accent1"/>
-          </a:fillRef>
-          <a:effectRef idx="0">
-            <a:schemeClr val="accent1"/>
-          </a:effectRef>
-          <a:fontRef idx="minor">
-            <a:schemeClr val="tx1"/>
-          </a:fontRef>
-        </p:style>
-      </p:cxnSp>
-      <p:sp>
-        <p:nvSpPr>
-          <p:cNvPr id="85" name="Freeform: Shape 68">
-            <a:extLst>
-              <a:ext uri="{FF2B5EF4-FFF2-40B4-BE49-F238E27FC236}">
-                <a16:creationId xmlns:a16="http://schemas.microsoft.com/office/drawing/2014/main" id="{4911B694-7B7D-443C-93DB-3AB0B2929F5C}"/>
+                <a16:creationId xmlns:a16="http://schemas.microsoft.com/office/drawing/2014/main" id="{476866D5-1329-411B-8E00-6054BCDBB4BE}"/>
               </a:ext>
             </a:extLst>
           </p:cNvPr>
@@ -5047,7 +4482,7 @@
         </p:nvSpPr>
         <p:spPr>
           <a:xfrm>
-            <a:off x="641468" y="798599"/>
+            <a:off x="624320" y="710970"/>
             <a:ext cx="1546331" cy="1336254"/>
           </a:xfrm>
           <a:custGeom>
@@ -5089,7 +4524,7 @@
             </a:pathLst>
           </a:custGeom>
           <a:solidFill>
-            <a:srgbClr val="CC0099">
+            <a:srgbClr val="FF33CC">
               <a:alpha val="30000"/>
             </a:srgbClr>
           </a:solidFill>
@@ -5118,20 +4553,325 @@
           <a:lstStyle/>
           <a:p>
             <a:pPr algn="ctr"/>
-            <a:endParaRPr lang="en-GB">
-              <a:solidFill>
-                <a:srgbClr val="FF33CC"/>
-              </a:solidFill>
-            </a:endParaRPr>
-          </a:p>
-        </p:txBody>
-      </p:sp>
-      <p:sp>
-        <p:nvSpPr>
-          <p:cNvPr id="44" name="Oval 74">
+            <a:endParaRPr lang="en-GB"/>
+          </a:p>
+        </p:txBody>
+      </p:sp>
+      <p:cxnSp>
+        <p:nvCxnSpPr>
+          <p:cNvPr id="149" name="Straight Arrow Connector 148">
             <a:extLst>
               <a:ext uri="{FF2B5EF4-FFF2-40B4-BE49-F238E27FC236}">
-                <a16:creationId xmlns:a16="http://schemas.microsoft.com/office/drawing/2014/main" id="{A517F298-55D3-47BB-B5BC-1FC5A6F31CD4}"/>
+                <a16:creationId xmlns:a16="http://schemas.microsoft.com/office/drawing/2014/main" id="{0D7C4CEF-49CD-4693-B536-8214DE9B278B}"/>
+              </a:ext>
+            </a:extLst>
+          </p:cNvPr>
+          <p:cNvCxnSpPr>
+            <a:cxnSpLocks/>
+          </p:cNvCxnSpPr>
+          <p:nvPr/>
+        </p:nvCxnSpPr>
+        <p:spPr>
+          <a:xfrm flipH="1" flipV="1">
+            <a:off x="1801912" y="1086827"/>
+            <a:ext cx="474422" cy="106839"/>
+          </a:xfrm>
+          <a:prstGeom prst="straightConnector1">
+            <a:avLst/>
+          </a:prstGeom>
+          <a:ln w="0" cap="sq">
+            <a:solidFill>
+              <a:srgbClr val="FF33CC"/>
+            </a:solidFill>
+            <a:headEnd w="med" len="sm"/>
+            <a:tailEnd type="diamond" w="sm" len="sm"/>
+          </a:ln>
+        </p:spPr>
+        <p:style>
+          <a:lnRef idx="1">
+            <a:schemeClr val="accent1"/>
+          </a:lnRef>
+          <a:fillRef idx="0">
+            <a:schemeClr val="accent1"/>
+          </a:fillRef>
+          <a:effectRef idx="0">
+            <a:schemeClr val="accent1"/>
+          </a:effectRef>
+          <a:fontRef idx="minor">
+            <a:schemeClr val="tx1"/>
+          </a:fontRef>
+        </p:style>
+      </p:cxnSp>
+      <p:cxnSp>
+        <p:nvCxnSpPr>
+          <p:cNvPr id="150" name="Straight Connector 149">
+            <a:extLst>
+              <a:ext uri="{FF2B5EF4-FFF2-40B4-BE49-F238E27FC236}">
+                <a16:creationId xmlns:a16="http://schemas.microsoft.com/office/drawing/2014/main" id="{E6968A13-247B-406E-A618-8B4828738B85}"/>
+              </a:ext>
+            </a:extLst>
+          </p:cNvPr>
+          <p:cNvCxnSpPr>
+            <a:cxnSpLocks/>
+          </p:cNvCxnSpPr>
+          <p:nvPr/>
+        </p:nvCxnSpPr>
+        <p:spPr>
+          <a:xfrm>
+            <a:off x="2270155" y="1190885"/>
+            <a:ext cx="677027" cy="0"/>
+          </a:xfrm>
+          <a:prstGeom prst="line">
+            <a:avLst/>
+          </a:prstGeom>
+          <a:ln w="3175">
+            <a:solidFill>
+              <a:srgbClr val="FF33CC"/>
+            </a:solidFill>
+          </a:ln>
+        </p:spPr>
+        <p:style>
+          <a:lnRef idx="1">
+            <a:schemeClr val="accent1"/>
+          </a:lnRef>
+          <a:fillRef idx="0">
+            <a:schemeClr val="accent1"/>
+          </a:fillRef>
+          <a:effectRef idx="0">
+            <a:schemeClr val="accent1"/>
+          </a:effectRef>
+          <a:fontRef idx="minor">
+            <a:schemeClr val="tx1"/>
+          </a:fontRef>
+        </p:style>
+      </p:cxnSp>
+      <p:sp>
+        <p:nvSpPr>
+          <p:cNvPr id="151" name="TextBox 150">
+            <a:extLst>
+              <a:ext uri="{FF2B5EF4-FFF2-40B4-BE49-F238E27FC236}">
+                <a16:creationId xmlns:a16="http://schemas.microsoft.com/office/drawing/2014/main" id="{15FADE80-A39C-4E9F-85C7-24A19456D068}"/>
+              </a:ext>
+            </a:extLst>
+          </p:cNvPr>
+          <p:cNvSpPr txBox="1"/>
+          <p:nvPr/>
+        </p:nvSpPr>
+        <p:spPr>
+          <a:xfrm>
+            <a:off x="2186554" y="1028231"/>
+            <a:ext cx="1160049" cy="215444"/>
+          </a:xfrm>
+          <a:prstGeom prst="rect">
+            <a:avLst/>
+          </a:prstGeom>
+          <a:noFill/>
+        </p:spPr>
+        <p:txBody>
+          <a:bodyPr wrap="square" rtlCol="0">
+            <a:spAutoFit/>
+          </a:bodyPr>
+          <a:lstStyle/>
+          <a:p>
+            <a:r>
+              <a:rPr lang="en-GB" sz="800" dirty="0">
+                <a:solidFill>
+                  <a:srgbClr val="FF33CC"/>
+                </a:solidFill>
+                <a:latin typeface="Arial" panose="020B0604020202020204" pitchFamily="34" charset="0"/>
+                <a:cs typeface="Arial" panose="020B0604020202020204" pitchFamily="34" charset="0"/>
+              </a:rPr>
+              <a:t>Estimated gap</a:t>
+            </a:r>
+          </a:p>
+        </p:txBody>
+      </p:sp>
+      <p:cxnSp>
+        <p:nvCxnSpPr>
+          <p:cNvPr id="152" name="Straight Arrow Connector 151">
+            <a:extLst>
+              <a:ext uri="{FF2B5EF4-FFF2-40B4-BE49-F238E27FC236}">
+                <a16:creationId xmlns:a16="http://schemas.microsoft.com/office/drawing/2014/main" id="{CF5BEE33-FBCD-4B9D-9E81-8EC2F9C18506}"/>
+              </a:ext>
+            </a:extLst>
+          </p:cNvPr>
+          <p:cNvCxnSpPr>
+            <a:cxnSpLocks/>
+          </p:cNvCxnSpPr>
+          <p:nvPr/>
+        </p:nvCxnSpPr>
+        <p:spPr>
+          <a:xfrm flipV="1">
+            <a:off x="976929" y="2279386"/>
+            <a:ext cx="1260000" cy="0"/>
+          </a:xfrm>
+          <a:prstGeom prst="straightConnector1">
+            <a:avLst/>
+          </a:prstGeom>
+          <a:ln>
+            <a:solidFill>
+              <a:schemeClr val="accent6">
+                <a:lumMod val="75000"/>
+              </a:schemeClr>
+            </a:solidFill>
+            <a:tailEnd type="triangle"/>
+          </a:ln>
+        </p:spPr>
+        <p:style>
+          <a:lnRef idx="1">
+            <a:schemeClr val="accent1"/>
+          </a:lnRef>
+          <a:fillRef idx="0">
+            <a:schemeClr val="accent1"/>
+          </a:fillRef>
+          <a:effectRef idx="0">
+            <a:schemeClr val="accent1"/>
+          </a:effectRef>
+          <a:fontRef idx="minor">
+            <a:schemeClr val="tx1"/>
+          </a:fontRef>
+        </p:style>
+      </p:cxnSp>
+      <p:cxnSp>
+        <p:nvCxnSpPr>
+          <p:cNvPr id="153" name="Straight Arrow Connector 152">
+            <a:extLst>
+              <a:ext uri="{FF2B5EF4-FFF2-40B4-BE49-F238E27FC236}">
+                <a16:creationId xmlns:a16="http://schemas.microsoft.com/office/drawing/2014/main" id="{2104AB99-6E01-43DD-B865-F382F2BF1402}"/>
+              </a:ext>
+            </a:extLst>
+          </p:cNvPr>
+          <p:cNvCxnSpPr>
+            <a:cxnSpLocks/>
+          </p:cNvCxnSpPr>
+          <p:nvPr/>
+        </p:nvCxnSpPr>
+        <p:spPr>
+          <a:xfrm rot="10800000">
+            <a:off x="281146" y="492368"/>
+            <a:ext cx="1546" cy="1260000"/>
+          </a:xfrm>
+          <a:prstGeom prst="straightConnector1">
+            <a:avLst/>
+          </a:prstGeom>
+          <a:ln>
+            <a:solidFill>
+              <a:schemeClr val="accent6">
+                <a:lumMod val="75000"/>
+              </a:schemeClr>
+            </a:solidFill>
+            <a:tailEnd type="triangle"/>
+          </a:ln>
+        </p:spPr>
+        <p:style>
+          <a:lnRef idx="1">
+            <a:schemeClr val="accent1"/>
+          </a:lnRef>
+          <a:fillRef idx="0">
+            <a:schemeClr val="accent1"/>
+          </a:fillRef>
+          <a:effectRef idx="0">
+            <a:schemeClr val="accent1"/>
+          </a:effectRef>
+          <a:fontRef idx="minor">
+            <a:schemeClr val="tx1"/>
+          </a:fontRef>
+        </p:style>
+      </p:cxnSp>
+      <p:sp>
+        <p:nvSpPr>
+          <p:cNvPr id="154" name="TextBox 153">
+            <a:extLst>
+              <a:ext uri="{FF2B5EF4-FFF2-40B4-BE49-F238E27FC236}">
+                <a16:creationId xmlns:a16="http://schemas.microsoft.com/office/drawing/2014/main" id="{B116ED5D-3418-478C-A80B-3C79FA5EA377}"/>
+              </a:ext>
+            </a:extLst>
+          </p:cNvPr>
+          <p:cNvSpPr txBox="1"/>
+          <p:nvPr/>
+        </p:nvSpPr>
+        <p:spPr>
+          <a:xfrm>
+            <a:off x="981976" y="2249148"/>
+            <a:ext cx="1249906" cy="215444"/>
+          </a:xfrm>
+          <a:prstGeom prst="rect">
+            <a:avLst/>
+          </a:prstGeom>
+          <a:noFill/>
+        </p:spPr>
+        <p:txBody>
+          <a:bodyPr wrap="square" rtlCol="0">
+            <a:spAutoFit/>
+          </a:bodyPr>
+          <a:lstStyle/>
+          <a:p>
+            <a:pPr algn="ctr"/>
+            <a:r>
+              <a:rPr lang="en-GB" sz="800" dirty="0">
+                <a:solidFill>
+                  <a:schemeClr val="accent6">
+                    <a:lumMod val="50000"/>
+                  </a:schemeClr>
+                </a:solidFill>
+                <a:latin typeface="Arial" panose="020B0604020202020204" pitchFamily="34" charset="0"/>
+                <a:cs typeface="Arial" panose="020B0604020202020204" pitchFamily="34" charset="0"/>
+              </a:rPr>
+              <a:t>Prob. FC training</a:t>
+            </a:r>
+          </a:p>
+        </p:txBody>
+      </p:sp>
+      <p:sp>
+        <p:nvSpPr>
+          <p:cNvPr id="155" name="TextBox 154">
+            <a:extLst>
+              <a:ext uri="{FF2B5EF4-FFF2-40B4-BE49-F238E27FC236}">
+                <a16:creationId xmlns:a16="http://schemas.microsoft.com/office/drawing/2014/main" id="{CE64A30D-C032-40AE-A77E-F0CC31E36A5E}"/>
+              </a:ext>
+            </a:extLst>
+          </p:cNvPr>
+          <p:cNvSpPr txBox="1"/>
+          <p:nvPr/>
+        </p:nvSpPr>
+        <p:spPr>
+          <a:xfrm rot="16200000">
+            <a:off x="-480731" y="953091"/>
+            <a:ext cx="1249906" cy="338554"/>
+          </a:xfrm>
+          <a:prstGeom prst="rect">
+            <a:avLst/>
+          </a:prstGeom>
+          <a:noFill/>
+        </p:spPr>
+        <p:txBody>
+          <a:bodyPr wrap="square" rtlCol="0">
+            <a:spAutoFit/>
+          </a:bodyPr>
+          <a:lstStyle/>
+          <a:p>
+            <a:pPr algn="ctr"/>
+            <a:r>
+              <a:rPr lang="en-GB" sz="800" dirty="0">
+                <a:solidFill>
+                  <a:schemeClr val="accent6">
+                    <a:lumMod val="50000"/>
+                  </a:schemeClr>
+                </a:solidFill>
+                <a:latin typeface="Arial" panose="020B0604020202020204" pitchFamily="34" charset="0"/>
+                <a:cs typeface="Arial" panose="020B0604020202020204" pitchFamily="34" charset="0"/>
+              </a:rPr>
+              <a:t>Training in Prob. FC communication</a:t>
+            </a:r>
+          </a:p>
+        </p:txBody>
+      </p:sp>
+      <p:sp>
+        <p:nvSpPr>
+          <p:cNvPr id="156" name="Oval 155">
+            <a:extLst>
+              <a:ext uri="{FF2B5EF4-FFF2-40B4-BE49-F238E27FC236}">
+                <a16:creationId xmlns:a16="http://schemas.microsoft.com/office/drawing/2014/main" id="{A1953EBF-74B3-45CF-8FFB-F2311C2027A3}"/>
               </a:ext>
             </a:extLst>
           </p:cNvPr>
@@ -5140,7 +4880,199 @@
         </p:nvSpPr>
         <p:spPr>
           <a:xfrm>
-            <a:off x="719480" y="2050054"/>
+            <a:off x="1440041" y="1276491"/>
+            <a:ext cx="72000" cy="72000"/>
+          </a:xfrm>
+          <a:prstGeom prst="ellipse">
+            <a:avLst/>
+          </a:prstGeom>
+          <a:solidFill>
+            <a:srgbClr val="0000FF"/>
+          </a:solidFill>
+          <a:ln>
+            <a:noFill/>
+          </a:ln>
+        </p:spPr>
+        <p:style>
+          <a:lnRef idx="2">
+            <a:schemeClr val="accent1">
+              <a:shade val="50000"/>
+            </a:schemeClr>
+          </a:lnRef>
+          <a:fillRef idx="1">
+            <a:schemeClr val="accent1"/>
+          </a:fillRef>
+          <a:effectRef idx="0">
+            <a:schemeClr val="accent1"/>
+          </a:effectRef>
+          <a:fontRef idx="minor">
+            <a:schemeClr val="lt1"/>
+          </a:fontRef>
+        </p:style>
+        <p:txBody>
+          <a:bodyPr rtlCol="0" anchor="ctr"/>
+          <a:lstStyle/>
+          <a:p>
+            <a:pPr algn="ctr"/>
+            <a:endParaRPr lang="en-GB"/>
+          </a:p>
+        </p:txBody>
+      </p:sp>
+      <p:sp>
+        <p:nvSpPr>
+          <p:cNvPr id="157" name="Oval 156">
+            <a:extLst>
+              <a:ext uri="{FF2B5EF4-FFF2-40B4-BE49-F238E27FC236}">
+                <a16:creationId xmlns:a16="http://schemas.microsoft.com/office/drawing/2014/main" id="{8B743732-842B-4E6A-9ABE-4D7766E04B16}"/>
+              </a:ext>
+            </a:extLst>
+          </p:cNvPr>
+          <p:cNvSpPr/>
+          <p:nvPr/>
+        </p:nvSpPr>
+        <p:spPr>
+          <a:xfrm>
+            <a:off x="2142814" y="666997"/>
+            <a:ext cx="72000" cy="72000"/>
+          </a:xfrm>
+          <a:prstGeom prst="ellipse">
+            <a:avLst/>
+          </a:prstGeom>
+          <a:solidFill>
+            <a:srgbClr val="0000FF"/>
+          </a:solidFill>
+          <a:ln>
+            <a:noFill/>
+          </a:ln>
+        </p:spPr>
+        <p:style>
+          <a:lnRef idx="2">
+            <a:schemeClr val="accent1">
+              <a:shade val="50000"/>
+            </a:schemeClr>
+          </a:lnRef>
+          <a:fillRef idx="1">
+            <a:schemeClr val="accent1"/>
+          </a:fillRef>
+          <a:effectRef idx="0">
+            <a:schemeClr val="accent1"/>
+          </a:effectRef>
+          <a:fontRef idx="minor">
+            <a:schemeClr val="lt1"/>
+          </a:fontRef>
+        </p:style>
+        <p:txBody>
+          <a:bodyPr rtlCol="0" anchor="ctr"/>
+          <a:lstStyle/>
+          <a:p>
+            <a:pPr algn="ctr"/>
+            <a:endParaRPr lang="en-GB"/>
+          </a:p>
+        </p:txBody>
+      </p:sp>
+      <p:sp>
+        <p:nvSpPr>
+          <p:cNvPr id="158" name="TextBox 48">
+            <a:extLst>
+              <a:ext uri="{FF2B5EF4-FFF2-40B4-BE49-F238E27FC236}">
+                <a16:creationId xmlns:a16="http://schemas.microsoft.com/office/drawing/2014/main" id="{B3B723C9-4F75-4C9D-A6B4-03B3C3059697}"/>
+              </a:ext>
+            </a:extLst>
+          </p:cNvPr>
+          <p:cNvSpPr txBox="1"/>
+          <p:nvPr/>
+        </p:nvSpPr>
+        <p:spPr>
+          <a:xfrm>
+            <a:off x="2141182" y="1419679"/>
+            <a:ext cx="1229433" cy="215444"/>
+          </a:xfrm>
+          <a:prstGeom prst="rect">
+            <a:avLst/>
+          </a:prstGeom>
+          <a:noFill/>
+          <a:ln>
+            <a:noFill/>
+          </a:ln>
+        </p:spPr>
+        <p:txBody>
+          <a:bodyPr wrap="square" rtlCol="0">
+            <a:spAutoFit/>
+          </a:bodyPr>
+          <a:lstStyle/>
+          <a:p>
+            <a:r>
+              <a:rPr lang="en-GB" sz="800" dirty="0">
+                <a:solidFill>
+                  <a:srgbClr val="FF0000"/>
+                </a:solidFill>
+                <a:latin typeface="Arial" panose="020B0604020202020204" pitchFamily="34" charset="0"/>
+                <a:cs typeface="Arial" panose="020B0604020202020204" pitchFamily="34" charset="0"/>
+              </a:rPr>
+              <a:t>ecPoint FC (observed)</a:t>
+            </a:r>
+          </a:p>
+        </p:txBody>
+      </p:sp>
+      <p:cxnSp>
+        <p:nvCxnSpPr>
+          <p:cNvPr id="159" name="Straight Connector 63">
+            <a:extLst>
+              <a:ext uri="{FF2B5EF4-FFF2-40B4-BE49-F238E27FC236}">
+                <a16:creationId xmlns:a16="http://schemas.microsoft.com/office/drawing/2014/main" id="{21E19572-AA4B-4D8B-A926-033E574726C2}"/>
+              </a:ext>
+            </a:extLst>
+          </p:cNvPr>
+          <p:cNvCxnSpPr>
+            <a:cxnSpLocks/>
+          </p:cNvCxnSpPr>
+          <p:nvPr/>
+        </p:nvCxnSpPr>
+        <p:spPr>
+          <a:xfrm flipV="1">
+            <a:off x="637276" y="1519889"/>
+            <a:ext cx="864000" cy="522000"/>
+          </a:xfrm>
+          <a:prstGeom prst="line">
+            <a:avLst/>
+          </a:prstGeom>
+          <a:ln w="28575">
+            <a:solidFill>
+              <a:srgbClr val="FF0000"/>
+            </a:solidFill>
+            <a:prstDash val="solid"/>
+          </a:ln>
+        </p:spPr>
+        <p:style>
+          <a:lnRef idx="1">
+            <a:schemeClr val="accent1"/>
+          </a:lnRef>
+          <a:fillRef idx="0">
+            <a:schemeClr val="accent1"/>
+          </a:fillRef>
+          <a:effectRef idx="0">
+            <a:schemeClr val="accent1"/>
+          </a:effectRef>
+          <a:fontRef idx="minor">
+            <a:schemeClr val="tx1"/>
+          </a:fontRef>
+        </p:style>
+      </p:cxnSp>
+      <p:sp>
+        <p:nvSpPr>
+          <p:cNvPr id="160" name="Oval 74">
+            <a:extLst>
+              <a:ext uri="{FF2B5EF4-FFF2-40B4-BE49-F238E27FC236}">
+                <a16:creationId xmlns:a16="http://schemas.microsoft.com/office/drawing/2014/main" id="{76F0BFA6-50E1-4DD5-9533-3196A2E398D5}"/>
+              </a:ext>
+            </a:extLst>
+          </p:cNvPr>
+          <p:cNvSpPr/>
+          <p:nvPr/>
+        </p:nvSpPr>
+        <p:spPr>
+          <a:xfrm>
+            <a:off x="700831" y="1966422"/>
             <a:ext cx="72000" cy="72000"/>
           </a:xfrm>
           <a:prstGeom prst="ellipse">
@@ -5174,7 +5106,7 @@
           <a:lstStyle/>
           <a:p>
             <a:pPr algn="ctr"/>
-            <a:endParaRPr lang="en-GB">
+            <a:endParaRPr lang="en-GB" sz="1572">
               <a:solidFill>
                 <a:srgbClr val="FF0000"/>
               </a:solidFill>
@@ -5184,10 +5116,10 @@
       </p:sp>
       <p:sp>
         <p:nvSpPr>
-          <p:cNvPr id="50" name="Oval 34">
+          <p:cNvPr id="161" name="Oval 34">
             <a:extLst>
               <a:ext uri="{FF2B5EF4-FFF2-40B4-BE49-F238E27FC236}">
-                <a16:creationId xmlns:a16="http://schemas.microsoft.com/office/drawing/2014/main" id="{2A3D9360-C564-4D38-A0F2-A00A2910CFBA}"/>
+                <a16:creationId xmlns:a16="http://schemas.microsoft.com/office/drawing/2014/main" id="{4851B2E3-A735-458C-AD34-86837021656B}"/>
               </a:ext>
             </a:extLst>
           </p:cNvPr>
@@ -5196,7 +5128,7 @@
         </p:nvSpPr>
         <p:spPr>
           <a:xfrm>
-            <a:off x="1453311" y="1587789"/>
+            <a:off x="1442803" y="1504583"/>
             <a:ext cx="72000" cy="72000"/>
           </a:xfrm>
           <a:prstGeom prst="ellipse">
@@ -5230,7 +5162,7 @@
           <a:lstStyle/>
           <a:p>
             <a:pPr algn="ctr"/>
-            <a:endParaRPr lang="en-GB">
+            <a:endParaRPr lang="en-GB" sz="1572">
               <a:solidFill>
                 <a:srgbClr val="FF0000"/>
               </a:solidFill>
@@ -5240,10 +5172,10 @@
       </p:sp>
       <p:sp>
         <p:nvSpPr>
-          <p:cNvPr id="51" name="Oval 43">
+          <p:cNvPr id="162" name="Oval 43">
             <a:extLst>
               <a:ext uri="{FF2B5EF4-FFF2-40B4-BE49-F238E27FC236}">
-                <a16:creationId xmlns:a16="http://schemas.microsoft.com/office/drawing/2014/main" id="{89E7E591-78DA-4EA5-AB85-344E2427CDC7}"/>
+                <a16:creationId xmlns:a16="http://schemas.microsoft.com/office/drawing/2014/main" id="{31FDEF19-37DD-4615-BCE2-9D54DFAC4CE5}"/>
               </a:ext>
             </a:extLst>
           </p:cNvPr>
@@ -5252,7 +5184,7 @@
         </p:nvSpPr>
         <p:spPr>
           <a:xfrm>
-            <a:off x="2148153" y="1586995"/>
+            <a:off x="2137230" y="1497866"/>
             <a:ext cx="72000" cy="72000"/>
           </a:xfrm>
           <a:prstGeom prst="ellipse">
@@ -5286,7 +5218,7 @@
           <a:lstStyle/>
           <a:p>
             <a:pPr algn="ctr"/>
-            <a:endParaRPr lang="en-GB">
+            <a:endParaRPr lang="en-GB" sz="1572">
               <a:solidFill>
                 <a:srgbClr val="FF0000"/>
               </a:solidFill>
@@ -5294,12 +5226,133 @@
           </a:p>
         </p:txBody>
       </p:sp>
+      <p:sp>
+        <p:nvSpPr>
+          <p:cNvPr id="163" name="TextBox 70">
+            <a:extLst>
+              <a:ext uri="{FF2B5EF4-FFF2-40B4-BE49-F238E27FC236}">
+                <a16:creationId xmlns:a16="http://schemas.microsoft.com/office/drawing/2014/main" id="{6D4AA04D-1BA2-4E1B-8945-B0CC772F620A}"/>
+              </a:ext>
+            </a:extLst>
+          </p:cNvPr>
+          <p:cNvSpPr txBox="1"/>
+          <p:nvPr/>
+        </p:nvSpPr>
+        <p:spPr>
+          <a:xfrm>
+            <a:off x="1362710" y="1583218"/>
+            <a:ext cx="393232" cy="215444"/>
+          </a:xfrm>
+          <a:prstGeom prst="rect">
+            <a:avLst/>
+          </a:prstGeom>
+          <a:noFill/>
+        </p:spPr>
+        <p:txBody>
+          <a:bodyPr wrap="square" rtlCol="0">
+            <a:spAutoFit/>
+          </a:bodyPr>
+          <a:lstStyle/>
+          <a:p>
+            <a:r>
+              <a:rPr lang="en-GB" sz="800" dirty="0">
+                <a:latin typeface="Arial" panose="020B0604020202020204" pitchFamily="34" charset="0"/>
+                <a:cs typeface="Arial" panose="020B0604020202020204" pitchFamily="34" charset="0"/>
+              </a:rPr>
+              <a:t>IMN</a:t>
+            </a:r>
+          </a:p>
+        </p:txBody>
+      </p:sp>
+      <p:sp>
+        <p:nvSpPr>
+          <p:cNvPr id="164" name="TextBox 70">
+            <a:extLst>
+              <a:ext uri="{FF2B5EF4-FFF2-40B4-BE49-F238E27FC236}">
+                <a16:creationId xmlns:a16="http://schemas.microsoft.com/office/drawing/2014/main" id="{65A8B8C1-8F38-411A-BDA0-ECC9FB534B81}"/>
+              </a:ext>
+            </a:extLst>
+          </p:cNvPr>
+          <p:cNvSpPr txBox="1"/>
+          <p:nvPr/>
+        </p:nvSpPr>
+        <p:spPr>
+          <a:xfrm>
+            <a:off x="1923686" y="1581215"/>
+            <a:ext cx="485931" cy="215444"/>
+          </a:xfrm>
+          <a:prstGeom prst="rect">
+            <a:avLst/>
+          </a:prstGeom>
+          <a:noFill/>
+        </p:spPr>
+        <p:txBody>
+          <a:bodyPr wrap="square" rtlCol="0">
+            <a:spAutoFit/>
+          </a:bodyPr>
+          <a:lstStyle/>
+          <a:p>
+            <a:r>
+              <a:rPr lang="en-GB" sz="800" dirty="0">
+                <a:latin typeface="Arial" panose="020B0604020202020204" pitchFamily="34" charset="0"/>
+                <a:cs typeface="Arial" panose="020B0604020202020204" pitchFamily="34" charset="0"/>
+              </a:rPr>
+              <a:t>OMSZ</a:t>
+            </a:r>
+          </a:p>
+        </p:txBody>
+      </p:sp>
       <p:cxnSp>
         <p:nvCxnSpPr>
-          <p:cNvPr id="87" name="Straight Arrow Connector 9">
+          <p:cNvPr id="165" name="Straight Connector 63">
             <a:extLst>
               <a:ext uri="{FF2B5EF4-FFF2-40B4-BE49-F238E27FC236}">
-                <a16:creationId xmlns:a16="http://schemas.microsoft.com/office/drawing/2014/main" id="{6E248E2D-7703-4452-9B64-AE9D2CD6D3C6}"/>
+                <a16:creationId xmlns:a16="http://schemas.microsoft.com/office/drawing/2014/main" id="{A1450339-08CB-40DF-87A0-CE03925BB3A1}"/>
+              </a:ext>
+            </a:extLst>
+          </p:cNvPr>
+          <p:cNvCxnSpPr>
+            <a:cxnSpLocks/>
+            <a:endCxn id="162" idx="6"/>
+          </p:cNvCxnSpPr>
+          <p:nvPr/>
+        </p:nvCxnSpPr>
+        <p:spPr>
+          <a:xfrm>
+            <a:off x="1500513" y="1533866"/>
+            <a:ext cx="708717" cy="0"/>
+          </a:xfrm>
+          <a:prstGeom prst="line">
+            <a:avLst/>
+          </a:prstGeom>
+          <a:ln w="28575">
+            <a:solidFill>
+              <a:srgbClr val="FF0000"/>
+            </a:solidFill>
+            <a:prstDash val="solid"/>
+          </a:ln>
+        </p:spPr>
+        <p:style>
+          <a:lnRef idx="1">
+            <a:schemeClr val="accent1"/>
+          </a:lnRef>
+          <a:fillRef idx="0">
+            <a:schemeClr val="accent1"/>
+          </a:fillRef>
+          <a:effectRef idx="0">
+            <a:schemeClr val="accent1"/>
+          </a:effectRef>
+          <a:fontRef idx="minor">
+            <a:schemeClr val="tx1"/>
+          </a:fontRef>
+        </p:style>
+      </p:cxnSp>
+      <p:cxnSp>
+        <p:nvCxnSpPr>
+          <p:cNvPr id="166" name="Straight Arrow Connector 165">
+            <a:extLst>
+              <a:ext uri="{FF2B5EF4-FFF2-40B4-BE49-F238E27FC236}">
+                <a16:creationId xmlns:a16="http://schemas.microsoft.com/office/drawing/2014/main" id="{414061A2-ECF1-4754-ADF2-51241B983E4A}"/>
               </a:ext>
             </a:extLst>
           </p:cNvPr>
@@ -5310,8 +5363,8 @@
         </p:nvCxnSpPr>
         <p:spPr>
           <a:xfrm flipH="1" flipV="1">
-            <a:off x="1965924" y="1086843"/>
-            <a:ext cx="323483" cy="185017"/>
+            <a:off x="1974823" y="1294116"/>
+            <a:ext cx="234320" cy="114231"/>
           </a:xfrm>
           <a:prstGeom prst="straightConnector1">
             <a:avLst/>
@@ -5320,8 +5373,8 @@
             <a:solidFill>
               <a:srgbClr val="FF33CC"/>
             </a:solidFill>
-            <a:headEnd w="sm" len="sm"/>
-            <a:tailEnd type="triangle" w="sm" len="sm"/>
+            <a:headEnd w="med" len="sm"/>
+            <a:tailEnd type="diamond" w="sm" len="sm"/>
           </a:ln>
         </p:spPr>
         <p:style>
@@ -5341,10 +5394,10 @@
       </p:cxnSp>
       <p:cxnSp>
         <p:nvCxnSpPr>
-          <p:cNvPr id="88" name="Straight Connector 12">
+          <p:cNvPr id="167" name="Straight Connector 166">
             <a:extLst>
               <a:ext uri="{FF2B5EF4-FFF2-40B4-BE49-F238E27FC236}">
-                <a16:creationId xmlns:a16="http://schemas.microsoft.com/office/drawing/2014/main" id="{58CFD128-8400-4FB0-87AD-6DB6FFAE88A0}"/>
+                <a16:creationId xmlns:a16="http://schemas.microsoft.com/office/drawing/2014/main" id="{5DDE5355-0A18-4026-985F-C4E75DED6F89}"/>
               </a:ext>
             </a:extLst>
           </p:cNvPr>
@@ -5355,8 +5408,8 @@
         </p:nvCxnSpPr>
         <p:spPr>
           <a:xfrm>
-            <a:off x="2289136" y="1273277"/>
-            <a:ext cx="656876" cy="0"/>
+            <a:off x="2210209" y="1408181"/>
+            <a:ext cx="669817" cy="1798"/>
           </a:xfrm>
           <a:prstGeom prst="line">
             <a:avLst/>
@@ -5384,10 +5437,10 @@
       </p:cxnSp>
       <p:sp>
         <p:nvSpPr>
-          <p:cNvPr id="89" name="TextBox 70">
+          <p:cNvPr id="168" name="TextBox 167">
             <a:extLst>
               <a:ext uri="{FF2B5EF4-FFF2-40B4-BE49-F238E27FC236}">
-                <a16:creationId xmlns:a16="http://schemas.microsoft.com/office/drawing/2014/main" id="{AB53EA87-95EA-494E-89C2-DB41E247C82C}"/>
+                <a16:creationId xmlns:a16="http://schemas.microsoft.com/office/drawing/2014/main" id="{E516D3E9-1341-430B-B1E7-5B2EA93074B2}"/>
               </a:ext>
             </a:extLst>
           </p:cNvPr>
@@ -5396,16 +5449,13 @@
         </p:nvSpPr>
         <p:spPr>
           <a:xfrm>
-            <a:off x="2201775" y="1101760"/>
+            <a:off x="2120801" y="1239706"/>
             <a:ext cx="1160049" cy="215444"/>
           </a:xfrm>
           <a:prstGeom prst="rect">
             <a:avLst/>
           </a:prstGeom>
           <a:noFill/>
-          <a:ln>
-            <a:noFill/>
-          </a:ln>
         </p:spPr>
         <p:txBody>
           <a:bodyPr wrap="square" rtlCol="0">
@@ -5421,83 +5471,7 @@
                 <a:latin typeface="Arial" panose="020B0604020202020204" pitchFamily="34" charset="0"/>
                 <a:cs typeface="Arial" panose="020B0604020202020204" pitchFamily="34" charset="0"/>
               </a:rPr>
-              <a:t>Estimated gap</a:t>
-            </a:r>
-          </a:p>
-        </p:txBody>
-      </p:sp>
-      <p:sp>
-        <p:nvSpPr>
-          <p:cNvPr id="90" name="TextBox 70">
-            <a:extLst>
-              <a:ext uri="{FF2B5EF4-FFF2-40B4-BE49-F238E27FC236}">
-                <a16:creationId xmlns:a16="http://schemas.microsoft.com/office/drawing/2014/main" id="{C2A4639F-14D6-484D-950E-D09E76A97633}"/>
-              </a:ext>
-            </a:extLst>
-          </p:cNvPr>
-          <p:cNvSpPr txBox="1"/>
-          <p:nvPr/>
-        </p:nvSpPr>
-        <p:spPr>
-          <a:xfrm>
-            <a:off x="1341663" y="1612962"/>
-            <a:ext cx="380704" cy="215444"/>
-          </a:xfrm>
-          <a:prstGeom prst="rect">
-            <a:avLst/>
-          </a:prstGeom>
-          <a:noFill/>
-        </p:spPr>
-        <p:txBody>
-          <a:bodyPr wrap="square" rtlCol="0">
-            <a:spAutoFit/>
-          </a:bodyPr>
-          <a:lstStyle/>
-          <a:p>
-            <a:r>
-              <a:rPr lang="en-GB" sz="800" dirty="0">
-                <a:latin typeface="Arial" panose="020B0604020202020204" pitchFamily="34" charset="0"/>
-                <a:cs typeface="Arial" panose="020B0604020202020204" pitchFamily="34" charset="0"/>
-              </a:rPr>
-              <a:t>IMN</a:t>
-            </a:r>
-          </a:p>
-        </p:txBody>
-      </p:sp>
-      <p:sp>
-        <p:nvSpPr>
-          <p:cNvPr id="91" name="TextBox 70">
-            <a:extLst>
-              <a:ext uri="{FF2B5EF4-FFF2-40B4-BE49-F238E27FC236}">
-                <a16:creationId xmlns:a16="http://schemas.microsoft.com/office/drawing/2014/main" id="{0D02142F-CF97-4DF2-A872-C62EA8070856}"/>
-              </a:ext>
-            </a:extLst>
-          </p:cNvPr>
-          <p:cNvSpPr txBox="1"/>
-          <p:nvPr/>
-        </p:nvSpPr>
-        <p:spPr>
-          <a:xfrm>
-            <a:off x="1847250" y="1615116"/>
-            <a:ext cx="490875" cy="215444"/>
-          </a:xfrm>
-          <a:prstGeom prst="rect">
-            <a:avLst/>
-          </a:prstGeom>
-          <a:noFill/>
-        </p:spPr>
-        <p:txBody>
-          <a:bodyPr wrap="square" rtlCol="0">
-            <a:spAutoFit/>
-          </a:bodyPr>
-          <a:lstStyle/>
-          <a:p>
-            <a:r>
-              <a:rPr lang="en-GB" sz="800" dirty="0">
-                <a:latin typeface="Arial" panose="020B0604020202020204" pitchFamily="34" charset="0"/>
-                <a:cs typeface="Arial" panose="020B0604020202020204" pitchFamily="34" charset="0"/>
-              </a:rPr>
-              <a:t>OMSZ</a:t>
+              <a:t>Observed gap</a:t>
             </a:r>
           </a:p>
         </p:txBody>
@@ -5505,7 +5479,7 @@
     </p:spTree>
     <p:extLst>
       <p:ext uri="{BB962C8B-B14F-4D97-AF65-F5344CB8AC3E}">
-        <p14:creationId xmlns:p14="http://schemas.microsoft.com/office/powerpoint/2010/main" val="2252402608"/>
+        <p14:creationId xmlns:p14="http://schemas.microsoft.com/office/powerpoint/2010/main" val="1084030898"/>
       </p:ext>
     </p:extLst>
   </p:cSld>

--- a/manuscript/Figures/ProbFC_Knowledge_Effectiveness_Observed.pptx
+++ b/manuscript/Figures/ProbFC_Knowledge_Effectiveness_Observed.pptx
@@ -126,6 +126,46 @@
 <file path=ppt/changesInfos/changesInfo1.xml><?xml version="1.0" encoding="utf-8"?>
 <pc:chgInfo xmlns:a="http://schemas.openxmlformats.org/drawingml/2006/main" xmlns:r="http://schemas.openxmlformats.org/officeDocument/2006/relationships" xmlns:ac="http://schemas.microsoft.com/office/drawing/2013/main/command" xmlns:pc="http://schemas.microsoft.com/office/powerpoint/2013/main/command">
   <pc:docChgLst>
+    <pc:chgData name="Fatima Pillosu" userId="a6295d4dc9e22643" providerId="LiveId" clId="{678137D1-6619-4015-8174-024A9D338BE0}"/>
+    <pc:docChg chg="modSld">
+      <pc:chgData name="Fatima Pillosu" userId="a6295d4dc9e22643" providerId="LiveId" clId="{678137D1-6619-4015-8174-024A9D338BE0}" dt="2020-11-30T05:41:06.630" v="9" actId="1038"/>
+      <pc:docMkLst>
+        <pc:docMk/>
+      </pc:docMkLst>
+      <pc:sldChg chg="modSp">
+        <pc:chgData name="Fatima Pillosu" userId="a6295d4dc9e22643" providerId="LiveId" clId="{678137D1-6619-4015-8174-024A9D338BE0}" dt="2020-11-30T05:41:06.630" v="9" actId="1038"/>
+        <pc:sldMkLst>
+          <pc:docMk/>
+          <pc:sldMk cId="1084030898" sldId="259"/>
+        </pc:sldMkLst>
+        <pc:spChg chg="mod">
+          <ac:chgData name="Fatima Pillosu" userId="a6295d4dc9e22643" providerId="LiveId" clId="{678137D1-6619-4015-8174-024A9D338BE0}" dt="2020-11-30T05:41:06.630" v="9" actId="1038"/>
+          <ac:spMkLst>
+            <pc:docMk/>
+            <pc:sldMk cId="1084030898" sldId="259"/>
+            <ac:spMk id="151" creationId="{15FADE80-A39C-4E9F-85C7-24A19456D068}"/>
+          </ac:spMkLst>
+        </pc:spChg>
+        <pc:cxnChg chg="mod">
+          <ac:chgData name="Fatima Pillosu" userId="a6295d4dc9e22643" providerId="LiveId" clId="{678137D1-6619-4015-8174-024A9D338BE0}" dt="2020-11-30T05:41:06.630" v="9" actId="1038"/>
+          <ac:cxnSpMkLst>
+            <pc:docMk/>
+            <pc:sldMk cId="1084030898" sldId="259"/>
+            <ac:cxnSpMk id="149" creationId="{0D7C4CEF-49CD-4693-B536-8214DE9B278B}"/>
+          </ac:cxnSpMkLst>
+        </pc:cxnChg>
+        <pc:cxnChg chg="mod">
+          <ac:chgData name="Fatima Pillosu" userId="a6295d4dc9e22643" providerId="LiveId" clId="{678137D1-6619-4015-8174-024A9D338BE0}" dt="2020-11-30T05:41:06.630" v="9" actId="1038"/>
+          <ac:cxnSpMkLst>
+            <pc:docMk/>
+            <pc:sldMk cId="1084030898" sldId="259"/>
+            <ac:cxnSpMk id="150" creationId="{E6968A13-247B-406E-A618-8B4828738B85}"/>
+          </ac:cxnSpMkLst>
+        </pc:cxnChg>
+      </pc:sldChg>
+    </pc:docChg>
+  </pc:docChgLst>
+  <pc:docChgLst>
     <pc:chgData name="Fatima Pillosu" userId="a6295d4dc9e22643" providerId="LiveId" clId="{3117CC99-A8D8-4417-AA48-A79BC152B569}"/>
     <pc:docChg chg="delSld">
       <pc:chgData name="Fatima Pillosu" userId="a6295d4dc9e22643" providerId="LiveId" clId="{3117CC99-A8D8-4417-AA48-A79BC152B569}" dt="2020-11-30T04:55:56.631" v="0" actId="2696"/>
@@ -275,7 +315,7 @@
           <a:p>
             <a:fld id="{167D0764-9DAD-4C7F-9AA0-390EE444472D}" type="datetimeFigureOut">
               <a:rPr lang="en-GB" smtClean="0"/>
-              <a:t>29/11/2020</a:t>
+              <a:t>30/11/2020</a:t>
             </a:fld>
             <a:endParaRPr lang="en-GB"/>
           </a:p>
@@ -445,7 +485,7 @@
           <a:p>
             <a:fld id="{167D0764-9DAD-4C7F-9AA0-390EE444472D}" type="datetimeFigureOut">
               <a:rPr lang="en-GB" smtClean="0"/>
-              <a:t>29/11/2020</a:t>
+              <a:t>30/11/2020</a:t>
             </a:fld>
             <a:endParaRPr lang="en-GB"/>
           </a:p>
@@ -625,7 +665,7 @@
           <a:p>
             <a:fld id="{167D0764-9DAD-4C7F-9AA0-390EE444472D}" type="datetimeFigureOut">
               <a:rPr lang="en-GB" smtClean="0"/>
-              <a:t>29/11/2020</a:t>
+              <a:t>30/11/2020</a:t>
             </a:fld>
             <a:endParaRPr lang="en-GB"/>
           </a:p>
@@ -795,7 +835,7 @@
           <a:p>
             <a:fld id="{167D0764-9DAD-4C7F-9AA0-390EE444472D}" type="datetimeFigureOut">
               <a:rPr lang="en-GB" smtClean="0"/>
-              <a:t>29/11/2020</a:t>
+              <a:t>30/11/2020</a:t>
             </a:fld>
             <a:endParaRPr lang="en-GB"/>
           </a:p>
@@ -1039,7 +1079,7 @@
           <a:p>
             <a:fld id="{167D0764-9DAD-4C7F-9AA0-390EE444472D}" type="datetimeFigureOut">
               <a:rPr lang="en-GB" smtClean="0"/>
-              <a:t>29/11/2020</a:t>
+              <a:t>30/11/2020</a:t>
             </a:fld>
             <a:endParaRPr lang="en-GB"/>
           </a:p>
@@ -1271,7 +1311,7 @@
           <a:p>
             <a:fld id="{167D0764-9DAD-4C7F-9AA0-390EE444472D}" type="datetimeFigureOut">
               <a:rPr lang="en-GB" smtClean="0"/>
-              <a:t>29/11/2020</a:t>
+              <a:t>30/11/2020</a:t>
             </a:fld>
             <a:endParaRPr lang="en-GB"/>
           </a:p>
@@ -1638,7 +1678,7 @@
           <a:p>
             <a:fld id="{167D0764-9DAD-4C7F-9AA0-390EE444472D}" type="datetimeFigureOut">
               <a:rPr lang="en-GB" smtClean="0"/>
-              <a:t>29/11/2020</a:t>
+              <a:t>30/11/2020</a:t>
             </a:fld>
             <a:endParaRPr lang="en-GB"/>
           </a:p>
@@ -1756,7 +1796,7 @@
           <a:p>
             <a:fld id="{167D0764-9DAD-4C7F-9AA0-390EE444472D}" type="datetimeFigureOut">
               <a:rPr lang="en-GB" smtClean="0"/>
-              <a:t>29/11/2020</a:t>
+              <a:t>30/11/2020</a:t>
             </a:fld>
             <a:endParaRPr lang="en-GB"/>
           </a:p>
@@ -1851,7 +1891,7 @@
           <a:p>
             <a:fld id="{167D0764-9DAD-4C7F-9AA0-390EE444472D}" type="datetimeFigureOut">
               <a:rPr lang="en-GB" smtClean="0"/>
-              <a:t>29/11/2020</a:t>
+              <a:t>30/11/2020</a:t>
             </a:fld>
             <a:endParaRPr lang="en-GB"/>
           </a:p>
@@ -2128,7 +2168,7 @@
           <a:p>
             <a:fld id="{167D0764-9DAD-4C7F-9AA0-390EE444472D}" type="datetimeFigureOut">
               <a:rPr lang="en-GB" smtClean="0"/>
-              <a:t>29/11/2020</a:t>
+              <a:t>30/11/2020</a:t>
             </a:fld>
             <a:endParaRPr lang="en-GB"/>
           </a:p>
@@ -2385,7 +2425,7 @@
           <a:p>
             <a:fld id="{167D0764-9DAD-4C7F-9AA0-390EE444472D}" type="datetimeFigureOut">
               <a:rPr lang="en-GB" smtClean="0"/>
-              <a:t>29/11/2020</a:t>
+              <a:t>30/11/2020</a:t>
             </a:fld>
             <a:endParaRPr lang="en-GB"/>
           </a:p>
@@ -2598,7 +2638,7 @@
           <a:p>
             <a:fld id="{167D0764-9DAD-4C7F-9AA0-390EE444472D}" type="datetimeFigureOut">
               <a:rPr lang="en-GB" smtClean="0"/>
-              <a:t>29/11/2020</a:t>
+              <a:t>30/11/2020</a:t>
             </a:fld>
             <a:endParaRPr lang="en-GB"/>
           </a:p>
@@ -4573,7 +4613,7 @@
         </p:nvCxnSpPr>
         <p:spPr>
           <a:xfrm flipH="1" flipV="1">
-            <a:off x="1801912" y="1086827"/>
+            <a:off x="1832802" y="1086827"/>
             <a:ext cx="474422" cy="106839"/>
           </a:xfrm>
           <a:prstGeom prst="straightConnector1">
@@ -4618,7 +4658,7 @@
         </p:nvCxnSpPr>
         <p:spPr>
           <a:xfrm>
-            <a:off x="2270155" y="1190885"/>
+            <a:off x="2301045" y="1190885"/>
             <a:ext cx="677027" cy="0"/>
           </a:xfrm>
           <a:prstGeom prst="line">
@@ -4659,7 +4699,7 @@
         </p:nvSpPr>
         <p:spPr>
           <a:xfrm>
-            <a:off x="2186554" y="1028231"/>
+            <a:off x="2217444" y="1028231"/>
             <a:ext cx="1160049" cy="215444"/>
           </a:xfrm>
           <a:prstGeom prst="rect">

--- a/manuscript/Figures/ProbFC_Knowledge_Effectiveness_Observed.pptx
+++ b/manuscript/Figures/ProbFC_Knowledge_Effectiveness_Observed.pptx
@@ -128,22 +128,278 @@
   <pc:docChgLst>
     <pc:chgData name="Fatima Pillosu" userId="a6295d4dc9e22643" providerId="LiveId" clId="{678137D1-6619-4015-8174-024A9D338BE0}"/>
     <pc:docChg chg="modSld">
-      <pc:chgData name="Fatima Pillosu" userId="a6295d4dc9e22643" providerId="LiveId" clId="{678137D1-6619-4015-8174-024A9D338BE0}" dt="2020-11-30T05:41:06.630" v="9" actId="1038"/>
+      <pc:chgData name="Fatima Pillosu" userId="a6295d4dc9e22643" providerId="LiveId" clId="{678137D1-6619-4015-8174-024A9D338BE0}" dt="2020-12-03T11:52:38.070" v="31" actId="1076"/>
       <pc:docMkLst>
         <pc:docMk/>
       </pc:docMkLst>
       <pc:sldChg chg="modSp">
-        <pc:chgData name="Fatima Pillosu" userId="a6295d4dc9e22643" providerId="LiveId" clId="{678137D1-6619-4015-8174-024A9D338BE0}" dt="2020-11-30T05:41:06.630" v="9" actId="1038"/>
+        <pc:chgData name="Fatima Pillosu" userId="a6295d4dc9e22643" providerId="LiveId" clId="{678137D1-6619-4015-8174-024A9D338BE0}" dt="2020-12-03T11:52:38.070" v="31" actId="1076"/>
         <pc:sldMkLst>
           <pc:docMk/>
           <pc:sldMk cId="1084030898" sldId="259"/>
         </pc:sldMkLst>
         <pc:spChg chg="mod">
-          <ac:chgData name="Fatima Pillosu" userId="a6295d4dc9e22643" providerId="LiveId" clId="{678137D1-6619-4015-8174-024A9D338BE0}" dt="2020-11-30T05:41:06.630" v="9" actId="1038"/>
+          <ac:chgData name="Fatima Pillosu" userId="a6295d4dc9e22643" providerId="LiveId" clId="{678137D1-6619-4015-8174-024A9D338BE0}" dt="2020-12-03T11:50:46.466" v="10" actId="2711"/>
+          <ac:spMkLst>
+            <pc:docMk/>
+            <pc:sldMk cId="1084030898" sldId="259"/>
+            <ac:spMk id="117" creationId="{D1C31FDC-53F8-4E0A-BD1F-75754661FE84}"/>
+          </ac:spMkLst>
+        </pc:spChg>
+        <pc:spChg chg="mod">
+          <ac:chgData name="Fatima Pillosu" userId="a6295d4dc9e22643" providerId="LiveId" clId="{678137D1-6619-4015-8174-024A9D338BE0}" dt="2020-12-03T11:50:46.466" v="10" actId="2711"/>
+          <ac:spMkLst>
+            <pc:docMk/>
+            <pc:sldMk cId="1084030898" sldId="259"/>
+            <ac:spMk id="118" creationId="{D7EAF5BE-3802-4486-9696-E36FD0802E70}"/>
+          </ac:spMkLst>
+        </pc:spChg>
+        <pc:spChg chg="mod">
+          <ac:chgData name="Fatima Pillosu" userId="a6295d4dc9e22643" providerId="LiveId" clId="{678137D1-6619-4015-8174-024A9D338BE0}" dt="2020-12-03T11:52:38.070" v="31" actId="1076"/>
+          <ac:spMkLst>
+            <pc:docMk/>
+            <pc:sldMk cId="1084030898" sldId="259"/>
+            <ac:spMk id="121" creationId="{77D43699-6543-4F2F-B211-E711B179F19E}"/>
+          </ac:spMkLst>
+        </pc:spChg>
+        <pc:spChg chg="mod">
+          <ac:chgData name="Fatima Pillosu" userId="a6295d4dc9e22643" providerId="LiveId" clId="{678137D1-6619-4015-8174-024A9D338BE0}" dt="2020-12-03T11:52:19.457" v="29" actId="1076"/>
+          <ac:spMkLst>
+            <pc:docMk/>
+            <pc:sldMk cId="1084030898" sldId="259"/>
+            <ac:spMk id="122" creationId="{FC88BF95-950A-4784-99DA-2FF069E0EC95}"/>
+          </ac:spMkLst>
+        </pc:spChg>
+        <pc:spChg chg="mod">
+          <ac:chgData name="Fatima Pillosu" userId="a6295d4dc9e22643" providerId="LiveId" clId="{678137D1-6619-4015-8174-024A9D338BE0}" dt="2020-12-03T11:50:46.466" v="10" actId="2711"/>
+          <ac:spMkLst>
+            <pc:docMk/>
+            <pc:sldMk cId="1084030898" sldId="259"/>
+            <ac:spMk id="128" creationId="{E9D1C55F-474A-4F86-BD32-F566AF11B2E4}"/>
+          </ac:spMkLst>
+        </pc:spChg>
+        <pc:spChg chg="mod">
+          <ac:chgData name="Fatima Pillosu" userId="a6295d4dc9e22643" providerId="LiveId" clId="{678137D1-6619-4015-8174-024A9D338BE0}" dt="2020-12-03T11:50:46.466" v="10" actId="2711"/>
+          <ac:spMkLst>
+            <pc:docMk/>
+            <pc:sldMk cId="1084030898" sldId="259"/>
+            <ac:spMk id="130" creationId="{40DDE356-114C-4C18-8373-1D58F3D01A2D}"/>
+          </ac:spMkLst>
+        </pc:spChg>
+        <pc:spChg chg="mod">
+          <ac:chgData name="Fatima Pillosu" userId="a6295d4dc9e22643" providerId="LiveId" clId="{678137D1-6619-4015-8174-024A9D338BE0}" dt="2020-12-03T11:50:46.466" v="10" actId="2711"/>
+          <ac:spMkLst>
+            <pc:docMk/>
+            <pc:sldMk cId="1084030898" sldId="259"/>
+            <ac:spMk id="131" creationId="{01993258-2D42-4049-B8E5-B4676345BECD}"/>
+          </ac:spMkLst>
+        </pc:spChg>
+        <pc:spChg chg="mod">
+          <ac:chgData name="Fatima Pillosu" userId="a6295d4dc9e22643" providerId="LiveId" clId="{678137D1-6619-4015-8174-024A9D338BE0}" dt="2020-12-03T11:50:46.466" v="10" actId="2711"/>
+          <ac:spMkLst>
+            <pc:docMk/>
+            <pc:sldMk cId="1084030898" sldId="259"/>
+            <ac:spMk id="132" creationId="{09391332-6AFD-4497-9962-73BABE8C7493}"/>
+          </ac:spMkLst>
+        </pc:spChg>
+        <pc:spChg chg="mod">
+          <ac:chgData name="Fatima Pillosu" userId="a6295d4dc9e22643" providerId="LiveId" clId="{678137D1-6619-4015-8174-024A9D338BE0}" dt="2020-12-03T11:50:46.466" v="10" actId="2711"/>
+          <ac:spMkLst>
+            <pc:docMk/>
+            <pc:sldMk cId="1084030898" sldId="259"/>
+            <ac:spMk id="133" creationId="{6D7E80E1-D66E-45F3-8948-EDFDAB64E7FB}"/>
+          </ac:spMkLst>
+        </pc:spChg>
+        <pc:spChg chg="mod">
+          <ac:chgData name="Fatima Pillosu" userId="a6295d4dc9e22643" providerId="LiveId" clId="{678137D1-6619-4015-8174-024A9D338BE0}" dt="2020-12-03T11:50:46.466" v="10" actId="2711"/>
+          <ac:spMkLst>
+            <pc:docMk/>
+            <pc:sldMk cId="1084030898" sldId="259"/>
+            <ac:spMk id="134" creationId="{DA35C2FB-9256-4E91-8D07-E37F38CF4089}"/>
+          </ac:spMkLst>
+        </pc:spChg>
+        <pc:spChg chg="mod">
+          <ac:chgData name="Fatima Pillosu" userId="a6295d4dc9e22643" providerId="LiveId" clId="{678137D1-6619-4015-8174-024A9D338BE0}" dt="2020-12-03T11:50:46.466" v="10" actId="2711"/>
+          <ac:spMkLst>
+            <pc:docMk/>
+            <pc:sldMk cId="1084030898" sldId="259"/>
+            <ac:spMk id="136" creationId="{DD2344AC-16F0-452B-B21A-739B2EC85ECD}"/>
+          </ac:spMkLst>
+        </pc:spChg>
+        <pc:spChg chg="mod">
+          <ac:chgData name="Fatima Pillosu" userId="a6295d4dc9e22643" providerId="LiveId" clId="{678137D1-6619-4015-8174-024A9D338BE0}" dt="2020-12-03T11:50:46.466" v="10" actId="2711"/>
+          <ac:spMkLst>
+            <pc:docMk/>
+            <pc:sldMk cId="1084030898" sldId="259"/>
+            <ac:spMk id="137" creationId="{57E3D636-4F49-4F9A-B8DA-BE2E8FCAB48D}"/>
+          </ac:spMkLst>
+        </pc:spChg>
+        <pc:spChg chg="mod">
+          <ac:chgData name="Fatima Pillosu" userId="a6295d4dc9e22643" providerId="LiveId" clId="{678137D1-6619-4015-8174-024A9D338BE0}" dt="2020-12-03T11:50:46.466" v="10" actId="2711"/>
+          <ac:spMkLst>
+            <pc:docMk/>
+            <pc:sldMk cId="1084030898" sldId="259"/>
+            <ac:spMk id="138" creationId="{C686689D-00B3-4CD4-8EED-584D50ECC5DC}"/>
+          </ac:spMkLst>
+        </pc:spChg>
+        <pc:spChg chg="mod">
+          <ac:chgData name="Fatima Pillosu" userId="a6295d4dc9e22643" providerId="LiveId" clId="{678137D1-6619-4015-8174-024A9D338BE0}" dt="2020-12-03T11:50:46.466" v="10" actId="2711"/>
+          <ac:spMkLst>
+            <pc:docMk/>
+            <pc:sldMk cId="1084030898" sldId="259"/>
+            <ac:spMk id="139" creationId="{C45905E5-C1AD-46E6-81F6-D8CBA15ADC71}"/>
+          </ac:spMkLst>
+        </pc:spChg>
+        <pc:spChg chg="mod">
+          <ac:chgData name="Fatima Pillosu" userId="a6295d4dc9e22643" providerId="LiveId" clId="{678137D1-6619-4015-8174-024A9D338BE0}" dt="2020-12-03T11:50:46.466" v="10" actId="2711"/>
+          <ac:spMkLst>
+            <pc:docMk/>
+            <pc:sldMk cId="1084030898" sldId="259"/>
+            <ac:spMk id="141" creationId="{C8690B1B-7EB6-477F-8A08-9BB2F7F2C5A6}"/>
+          </ac:spMkLst>
+        </pc:spChg>
+        <pc:spChg chg="mod">
+          <ac:chgData name="Fatima Pillosu" userId="a6295d4dc9e22643" providerId="LiveId" clId="{678137D1-6619-4015-8174-024A9D338BE0}" dt="2020-12-03T11:50:46.466" v="10" actId="2711"/>
+          <ac:spMkLst>
+            <pc:docMk/>
+            <pc:sldMk cId="1084030898" sldId="259"/>
+            <ac:spMk id="143" creationId="{A9374C4D-6BDD-4CA1-BC53-08C2E7056D5D}"/>
+          </ac:spMkLst>
+        </pc:spChg>
+        <pc:spChg chg="mod">
+          <ac:chgData name="Fatima Pillosu" userId="a6295d4dc9e22643" providerId="LiveId" clId="{678137D1-6619-4015-8174-024A9D338BE0}" dt="2020-12-03T11:50:46.466" v="10" actId="2711"/>
+          <ac:spMkLst>
+            <pc:docMk/>
+            <pc:sldMk cId="1084030898" sldId="259"/>
+            <ac:spMk id="144" creationId="{519FF198-B9AD-457F-93BE-E6DD47B03BCE}"/>
+          </ac:spMkLst>
+        </pc:spChg>
+        <pc:spChg chg="mod">
+          <ac:chgData name="Fatima Pillosu" userId="a6295d4dc9e22643" providerId="LiveId" clId="{678137D1-6619-4015-8174-024A9D338BE0}" dt="2020-12-03T11:50:46.466" v="10" actId="2711"/>
+          <ac:spMkLst>
+            <pc:docMk/>
+            <pc:sldMk cId="1084030898" sldId="259"/>
+            <ac:spMk id="145" creationId="{CE4CDC11-0D92-4D7C-9AAE-9F58AFAF2C2E}"/>
+          </ac:spMkLst>
+        </pc:spChg>
+        <pc:spChg chg="mod">
+          <ac:chgData name="Fatima Pillosu" userId="a6295d4dc9e22643" providerId="LiveId" clId="{678137D1-6619-4015-8174-024A9D338BE0}" dt="2020-12-03T11:50:46.466" v="10" actId="2711"/>
+          <ac:spMkLst>
+            <pc:docMk/>
+            <pc:sldMk cId="1084030898" sldId="259"/>
+            <ac:spMk id="146" creationId="{51B8912C-76F7-4001-8A6F-963913AAF60B}"/>
+          </ac:spMkLst>
+        </pc:spChg>
+        <pc:spChg chg="mod">
+          <ac:chgData name="Fatima Pillosu" userId="a6295d4dc9e22643" providerId="LiveId" clId="{678137D1-6619-4015-8174-024A9D338BE0}" dt="2020-12-03T11:50:46.466" v="10" actId="2711"/>
+          <ac:spMkLst>
+            <pc:docMk/>
+            <pc:sldMk cId="1084030898" sldId="259"/>
+            <ac:spMk id="147" creationId="{6C40F420-1A80-43F7-8237-E469B4ECB1DE}"/>
+          </ac:spMkLst>
+        </pc:spChg>
+        <pc:spChg chg="mod">
+          <ac:chgData name="Fatima Pillosu" userId="a6295d4dc9e22643" providerId="LiveId" clId="{678137D1-6619-4015-8174-024A9D338BE0}" dt="2020-12-03T11:50:46.466" v="10" actId="2711"/>
+          <ac:spMkLst>
+            <pc:docMk/>
+            <pc:sldMk cId="1084030898" sldId="259"/>
+            <ac:spMk id="148" creationId="{476866D5-1329-411B-8E00-6054BCDBB4BE}"/>
+          </ac:spMkLst>
+        </pc:spChg>
+        <pc:spChg chg="mod">
+          <ac:chgData name="Fatima Pillosu" userId="a6295d4dc9e22643" providerId="LiveId" clId="{678137D1-6619-4015-8174-024A9D338BE0}" dt="2020-12-03T11:50:46.466" v="10" actId="2711"/>
           <ac:spMkLst>
             <pc:docMk/>
             <pc:sldMk cId="1084030898" sldId="259"/>
             <ac:spMk id="151" creationId="{15FADE80-A39C-4E9F-85C7-24A19456D068}"/>
+          </ac:spMkLst>
+        </pc:spChg>
+        <pc:spChg chg="mod">
+          <ac:chgData name="Fatima Pillosu" userId="a6295d4dc9e22643" providerId="LiveId" clId="{678137D1-6619-4015-8174-024A9D338BE0}" dt="2020-12-03T11:50:46.466" v="10" actId="2711"/>
+          <ac:spMkLst>
+            <pc:docMk/>
+            <pc:sldMk cId="1084030898" sldId="259"/>
+            <ac:spMk id="154" creationId="{B116ED5D-3418-478C-A80B-3C79FA5EA377}"/>
+          </ac:spMkLst>
+        </pc:spChg>
+        <pc:spChg chg="mod">
+          <ac:chgData name="Fatima Pillosu" userId="a6295d4dc9e22643" providerId="LiveId" clId="{678137D1-6619-4015-8174-024A9D338BE0}" dt="2020-12-03T11:50:46.466" v="10" actId="2711"/>
+          <ac:spMkLst>
+            <pc:docMk/>
+            <pc:sldMk cId="1084030898" sldId="259"/>
+            <ac:spMk id="155" creationId="{CE64A30D-C032-40AE-A77E-F0CC31E36A5E}"/>
+          </ac:spMkLst>
+        </pc:spChg>
+        <pc:spChg chg="mod">
+          <ac:chgData name="Fatima Pillosu" userId="a6295d4dc9e22643" providerId="LiveId" clId="{678137D1-6619-4015-8174-024A9D338BE0}" dt="2020-12-03T11:50:46.466" v="10" actId="2711"/>
+          <ac:spMkLst>
+            <pc:docMk/>
+            <pc:sldMk cId="1084030898" sldId="259"/>
+            <ac:spMk id="156" creationId="{A1953EBF-74B3-45CF-8FFB-F2311C2027A3}"/>
+          </ac:spMkLst>
+        </pc:spChg>
+        <pc:spChg chg="mod">
+          <ac:chgData name="Fatima Pillosu" userId="a6295d4dc9e22643" providerId="LiveId" clId="{678137D1-6619-4015-8174-024A9D338BE0}" dt="2020-12-03T11:50:46.466" v="10" actId="2711"/>
+          <ac:spMkLst>
+            <pc:docMk/>
+            <pc:sldMk cId="1084030898" sldId="259"/>
+            <ac:spMk id="157" creationId="{8B743732-842B-4E6A-9ABE-4D7766E04B16}"/>
+          </ac:spMkLst>
+        </pc:spChg>
+        <pc:spChg chg="mod">
+          <ac:chgData name="Fatima Pillosu" userId="a6295d4dc9e22643" providerId="LiveId" clId="{678137D1-6619-4015-8174-024A9D338BE0}" dt="2020-12-03T11:50:46.466" v="10" actId="2711"/>
+          <ac:spMkLst>
+            <pc:docMk/>
+            <pc:sldMk cId="1084030898" sldId="259"/>
+            <ac:spMk id="158" creationId="{B3B723C9-4F75-4C9D-A6B4-03B3C3059697}"/>
+          </ac:spMkLst>
+        </pc:spChg>
+        <pc:spChg chg="mod">
+          <ac:chgData name="Fatima Pillosu" userId="a6295d4dc9e22643" providerId="LiveId" clId="{678137D1-6619-4015-8174-024A9D338BE0}" dt="2020-12-03T11:50:46.466" v="10" actId="2711"/>
+          <ac:spMkLst>
+            <pc:docMk/>
+            <pc:sldMk cId="1084030898" sldId="259"/>
+            <ac:spMk id="160" creationId="{76F0BFA6-50E1-4DD5-9533-3196A2E398D5}"/>
+          </ac:spMkLst>
+        </pc:spChg>
+        <pc:spChg chg="mod">
+          <ac:chgData name="Fatima Pillosu" userId="a6295d4dc9e22643" providerId="LiveId" clId="{678137D1-6619-4015-8174-024A9D338BE0}" dt="2020-12-03T11:50:46.466" v="10" actId="2711"/>
+          <ac:spMkLst>
+            <pc:docMk/>
+            <pc:sldMk cId="1084030898" sldId="259"/>
+            <ac:spMk id="161" creationId="{4851B2E3-A735-458C-AD34-86837021656B}"/>
+          </ac:spMkLst>
+        </pc:spChg>
+        <pc:spChg chg="mod">
+          <ac:chgData name="Fatima Pillosu" userId="a6295d4dc9e22643" providerId="LiveId" clId="{678137D1-6619-4015-8174-024A9D338BE0}" dt="2020-12-03T11:50:46.466" v="10" actId="2711"/>
+          <ac:spMkLst>
+            <pc:docMk/>
+            <pc:sldMk cId="1084030898" sldId="259"/>
+            <ac:spMk id="162" creationId="{31FDEF19-37DD-4615-BCE2-9D54DFAC4CE5}"/>
+          </ac:spMkLst>
+        </pc:spChg>
+        <pc:spChg chg="mod">
+          <ac:chgData name="Fatima Pillosu" userId="a6295d4dc9e22643" providerId="LiveId" clId="{678137D1-6619-4015-8174-024A9D338BE0}" dt="2020-12-03T11:51:56.138" v="28" actId="1035"/>
+          <ac:spMkLst>
+            <pc:docMk/>
+            <pc:sldMk cId="1084030898" sldId="259"/>
+            <ac:spMk id="163" creationId="{6D4AA04D-1BA2-4E1B-8945-B0CC772F620A}"/>
+          </ac:spMkLst>
+        </pc:spChg>
+        <pc:spChg chg="mod">
+          <ac:chgData name="Fatima Pillosu" userId="a6295d4dc9e22643" providerId="LiveId" clId="{678137D1-6619-4015-8174-024A9D338BE0}" dt="2020-12-03T11:51:56.138" v="28" actId="1035"/>
+          <ac:spMkLst>
+            <pc:docMk/>
+            <pc:sldMk cId="1084030898" sldId="259"/>
+            <ac:spMk id="164" creationId="{65A8B8C1-8F38-411A-BDA0-ECC9FB534B81}"/>
+          </ac:spMkLst>
+        </pc:spChg>
+        <pc:spChg chg="mod">
+          <ac:chgData name="Fatima Pillosu" userId="a6295d4dc9e22643" providerId="LiveId" clId="{678137D1-6619-4015-8174-024A9D338BE0}" dt="2020-12-03T11:50:46.466" v="10" actId="2711"/>
+          <ac:spMkLst>
+            <pc:docMk/>
+            <pc:sldMk cId="1084030898" sldId="259"/>
+            <ac:spMk id="168" creationId="{E516D3E9-1341-430B-B1E7-5B2EA93074B2}"/>
           </ac:spMkLst>
         </pc:spChg>
         <pc:cxnChg chg="mod">
@@ -160,6 +416,14 @@
             <pc:docMk/>
             <pc:sldMk cId="1084030898" sldId="259"/>
             <ac:cxnSpMk id="150" creationId="{E6968A13-247B-406E-A618-8B4828738B85}"/>
+          </ac:cxnSpMkLst>
+        </pc:cxnChg>
+        <pc:cxnChg chg="mod">
+          <ac:chgData name="Fatima Pillosu" userId="a6295d4dc9e22643" providerId="LiveId" clId="{678137D1-6619-4015-8174-024A9D338BE0}" dt="2020-12-03T11:51:47.665" v="12" actId="14100"/>
+          <ac:cxnSpMkLst>
+            <pc:docMk/>
+            <pc:sldMk cId="1084030898" sldId="259"/>
+            <ac:cxnSpMk id="165" creationId="{A1450339-08CB-40DF-87A0-CE03925BB3A1}"/>
           </ac:cxnSpMkLst>
         </pc:cxnChg>
       </pc:sldChg>
@@ -315,7 +579,7 @@
           <a:p>
             <a:fld id="{167D0764-9DAD-4C7F-9AA0-390EE444472D}" type="datetimeFigureOut">
               <a:rPr lang="en-GB" smtClean="0"/>
-              <a:t>30/11/2020</a:t>
+              <a:t>03/12/2020</a:t>
             </a:fld>
             <a:endParaRPr lang="en-GB"/>
           </a:p>
@@ -485,7 +749,7 @@
           <a:p>
             <a:fld id="{167D0764-9DAD-4C7F-9AA0-390EE444472D}" type="datetimeFigureOut">
               <a:rPr lang="en-GB" smtClean="0"/>
-              <a:t>30/11/2020</a:t>
+              <a:t>03/12/2020</a:t>
             </a:fld>
             <a:endParaRPr lang="en-GB"/>
           </a:p>
@@ -665,7 +929,7 @@
           <a:p>
             <a:fld id="{167D0764-9DAD-4C7F-9AA0-390EE444472D}" type="datetimeFigureOut">
               <a:rPr lang="en-GB" smtClean="0"/>
-              <a:t>30/11/2020</a:t>
+              <a:t>03/12/2020</a:t>
             </a:fld>
             <a:endParaRPr lang="en-GB"/>
           </a:p>
@@ -835,7 +1099,7 @@
           <a:p>
             <a:fld id="{167D0764-9DAD-4C7F-9AA0-390EE444472D}" type="datetimeFigureOut">
               <a:rPr lang="en-GB" smtClean="0"/>
-              <a:t>30/11/2020</a:t>
+              <a:t>03/12/2020</a:t>
             </a:fld>
             <a:endParaRPr lang="en-GB"/>
           </a:p>
@@ -1079,7 +1343,7 @@
           <a:p>
             <a:fld id="{167D0764-9DAD-4C7F-9AA0-390EE444472D}" type="datetimeFigureOut">
               <a:rPr lang="en-GB" smtClean="0"/>
-              <a:t>30/11/2020</a:t>
+              <a:t>03/12/2020</a:t>
             </a:fld>
             <a:endParaRPr lang="en-GB"/>
           </a:p>
@@ -1311,7 +1575,7 @@
           <a:p>
             <a:fld id="{167D0764-9DAD-4C7F-9AA0-390EE444472D}" type="datetimeFigureOut">
               <a:rPr lang="en-GB" smtClean="0"/>
-              <a:t>30/11/2020</a:t>
+              <a:t>03/12/2020</a:t>
             </a:fld>
             <a:endParaRPr lang="en-GB"/>
           </a:p>
@@ -1678,7 +1942,7 @@
           <a:p>
             <a:fld id="{167D0764-9DAD-4C7F-9AA0-390EE444472D}" type="datetimeFigureOut">
               <a:rPr lang="en-GB" smtClean="0"/>
-              <a:t>30/11/2020</a:t>
+              <a:t>03/12/2020</a:t>
             </a:fld>
             <a:endParaRPr lang="en-GB"/>
           </a:p>
@@ -1796,7 +2060,7 @@
           <a:p>
             <a:fld id="{167D0764-9DAD-4C7F-9AA0-390EE444472D}" type="datetimeFigureOut">
               <a:rPr lang="en-GB" smtClean="0"/>
-              <a:t>30/11/2020</a:t>
+              <a:t>03/12/2020</a:t>
             </a:fld>
             <a:endParaRPr lang="en-GB"/>
           </a:p>
@@ -1891,7 +2155,7 @@
           <a:p>
             <a:fld id="{167D0764-9DAD-4C7F-9AA0-390EE444472D}" type="datetimeFigureOut">
               <a:rPr lang="en-GB" smtClean="0"/>
-              <a:t>30/11/2020</a:t>
+              <a:t>03/12/2020</a:t>
             </a:fld>
             <a:endParaRPr lang="en-GB"/>
           </a:p>
@@ -2168,7 +2432,7 @@
           <a:p>
             <a:fld id="{167D0764-9DAD-4C7F-9AA0-390EE444472D}" type="datetimeFigureOut">
               <a:rPr lang="en-GB" smtClean="0"/>
-              <a:t>30/11/2020</a:t>
+              <a:t>03/12/2020</a:t>
             </a:fld>
             <a:endParaRPr lang="en-GB"/>
           </a:p>
@@ -2425,7 +2689,7 @@
           <a:p>
             <a:fld id="{167D0764-9DAD-4C7F-9AA0-390EE444472D}" type="datetimeFigureOut">
               <a:rPr lang="en-GB" smtClean="0"/>
-              <a:t>30/11/2020</a:t>
+              <a:t>03/12/2020</a:t>
             </a:fld>
             <a:endParaRPr lang="en-GB"/>
           </a:p>
@@ -2638,7 +2902,7 @@
           <a:p>
             <a:fld id="{167D0764-9DAD-4C7F-9AA0-390EE444472D}" type="datetimeFigureOut">
               <a:rPr lang="en-GB" smtClean="0"/>
-              <a:t>30/11/2020</a:t>
+              <a:t>03/12/2020</a:t>
             </a:fld>
             <a:endParaRPr lang="en-GB"/>
           </a:p>
@@ -3349,7 +3613,7 @@
         </p:nvSpPr>
         <p:spPr>
           <a:xfrm>
-            <a:off x="2359979" y="2050219"/>
+            <a:off x="2389547" y="1860792"/>
             <a:ext cx="1027952" cy="338554"/>
           </a:xfrm>
           <a:prstGeom prst="rect">
@@ -3366,7 +3630,6 @@
             <a:pPr algn="ctr"/>
             <a:r>
               <a:rPr lang="en-GB" sz="800" dirty="0">
-                <a:latin typeface="Arial" panose="020B0604020202020204" pitchFamily="34" charset="0"/>
                 <a:cs typeface="Arial" panose="020B0604020202020204" pitchFamily="34" charset="0"/>
               </a:rPr>
               <a:t>Understanding Prob. FC</a:t>
@@ -3388,7 +3651,7 @@
         </p:nvSpPr>
         <p:spPr>
           <a:xfrm>
-            <a:off x="477971" y="-28575"/>
+            <a:off x="463396" y="45646"/>
             <a:ext cx="968188" cy="338554"/>
           </a:xfrm>
           <a:prstGeom prst="rect">
@@ -3405,7 +3668,6 @@
             <a:pPr algn="ctr"/>
             <a:r>
               <a:rPr lang="en-GB" sz="800" dirty="0">
-                <a:latin typeface="Arial" panose="020B0604020202020204" pitchFamily="34" charset="0"/>
                 <a:cs typeface="Arial" panose="020B0604020202020204" pitchFamily="34" charset="0"/>
               </a:rPr>
               <a:t>Effectiveness Prob. FC</a:t>
@@ -3628,7 +3890,6 @@
             <a:pPr algn="ctr"/>
             <a:r>
               <a:rPr lang="en-GB" sz="800" dirty="0">
-                <a:latin typeface="Arial" panose="020B0604020202020204" pitchFamily="34" charset="0"/>
                 <a:cs typeface="Arial" panose="020B0604020202020204" pitchFamily="34" charset="0"/>
               </a:rPr>
               <a:t>Low</a:t>
@@ -3705,7 +3966,6 @@
             <a:pPr algn="ctr"/>
             <a:r>
               <a:rPr lang="en-GB" sz="800" dirty="0">
-                <a:latin typeface="Arial" panose="020B0604020202020204" pitchFamily="34" charset="0"/>
                 <a:cs typeface="Arial" panose="020B0604020202020204" pitchFamily="34" charset="0"/>
               </a:rPr>
               <a:t>Medium</a:t>
@@ -3744,7 +4004,6 @@
             <a:pPr algn="ctr"/>
             <a:r>
               <a:rPr lang="en-GB" sz="800" dirty="0">
-                <a:latin typeface="Arial" panose="020B0604020202020204" pitchFamily="34" charset="0"/>
                 <a:cs typeface="Arial" panose="020B0604020202020204" pitchFamily="34" charset="0"/>
               </a:rPr>
               <a:t>High</a:t>
@@ -3783,7 +4042,6 @@
             <a:pPr algn="ctr"/>
             <a:r>
               <a:rPr lang="en-GB" sz="800" dirty="0">
-                <a:latin typeface="Arial" panose="020B0604020202020204" pitchFamily="34" charset="0"/>
                 <a:cs typeface="Arial" panose="020B0604020202020204" pitchFamily="34" charset="0"/>
               </a:rPr>
               <a:t>Ineffective</a:t>
@@ -3822,7 +4080,6 @@
             <a:pPr algn="ctr"/>
             <a:r>
               <a:rPr lang="en-GB" sz="800" dirty="0">
-                <a:latin typeface="Arial" panose="020B0604020202020204" pitchFamily="34" charset="0"/>
                 <a:cs typeface="Arial" panose="020B0604020202020204" pitchFamily="34" charset="0"/>
               </a:rPr>
               <a:t>Moderately</a:t>
@@ -3832,7 +4089,6 @@
             <a:pPr algn="ctr"/>
             <a:r>
               <a:rPr lang="en-GB" sz="800" dirty="0">
-                <a:latin typeface="Arial" panose="020B0604020202020204" pitchFamily="34" charset="0"/>
                 <a:cs typeface="Arial" panose="020B0604020202020204" pitchFamily="34" charset="0"/>
               </a:rPr>
               <a:t>Effective</a:t>
@@ -3871,7 +4127,6 @@
             <a:pPr algn="ctr"/>
             <a:r>
               <a:rPr lang="en-GB" sz="800" dirty="0">
-                <a:latin typeface="Arial" panose="020B0604020202020204" pitchFamily="34" charset="0"/>
                 <a:cs typeface="Arial" panose="020B0604020202020204" pitchFamily="34" charset="0"/>
               </a:rPr>
               <a:t>Very</a:t>
@@ -3881,7 +4136,6 @@
             <a:pPr algn="ctr"/>
             <a:r>
               <a:rPr lang="en-GB" sz="800" dirty="0">
-                <a:latin typeface="Arial" panose="020B0604020202020204" pitchFamily="34" charset="0"/>
                 <a:cs typeface="Arial" panose="020B0604020202020204" pitchFamily="34" charset="0"/>
               </a:rPr>
               <a:t>Effective</a:t>
@@ -4120,7 +4374,6 @@
             <a:pPr algn="ctr"/>
             <a:r>
               <a:rPr lang="en-GB" sz="800" dirty="0">
-                <a:latin typeface="Arial" panose="020B0604020202020204" pitchFamily="34" charset="0"/>
                 <a:cs typeface="Arial" panose="020B0604020202020204" pitchFamily="34" charset="0"/>
               </a:rPr>
               <a:t>Optimal Understanding - Effectiveness</a:t>
@@ -4206,7 +4459,6 @@
                 <a:solidFill>
                   <a:srgbClr val="0000FF"/>
                 </a:solidFill>
-                <a:latin typeface="Arial" panose="020B0604020202020204" pitchFamily="34" charset="0"/>
                 <a:cs typeface="Arial" panose="020B0604020202020204" pitchFamily="34" charset="0"/>
               </a:rPr>
               <a:t>Traditional Prob. FC</a:t>
@@ -4396,7 +4648,6 @@
                 <a:solidFill>
                   <a:srgbClr val="FF0000"/>
                 </a:solidFill>
-                <a:latin typeface="Arial" panose="020B0604020202020204" pitchFamily="34" charset="0"/>
                 <a:cs typeface="Arial" panose="020B0604020202020204" pitchFamily="34" charset="0"/>
               </a:rPr>
               <a:t>ecPoint FC (estimate)</a:t>
@@ -4718,7 +4969,6 @@
                 <a:solidFill>
                   <a:srgbClr val="FF33CC"/>
                 </a:solidFill>
-                <a:latin typeface="Arial" panose="020B0604020202020204" pitchFamily="34" charset="0"/>
                 <a:cs typeface="Arial" panose="020B0604020202020204" pitchFamily="34" charset="0"/>
               </a:rPr>
               <a:t>Estimated gap</a:t>
@@ -4854,7 +5104,6 @@
                     <a:lumMod val="50000"/>
                   </a:schemeClr>
                 </a:solidFill>
-                <a:latin typeface="Arial" panose="020B0604020202020204" pitchFamily="34" charset="0"/>
                 <a:cs typeface="Arial" panose="020B0604020202020204" pitchFamily="34" charset="0"/>
               </a:rPr>
               <a:t>Prob. FC training</a:t>
@@ -4898,7 +5147,6 @@
                     <a:lumMod val="50000"/>
                   </a:schemeClr>
                 </a:solidFill>
-                <a:latin typeface="Arial" panose="020B0604020202020204" pitchFamily="34" charset="0"/>
                 <a:cs typeface="Arial" panose="020B0604020202020204" pitchFamily="34" charset="0"/>
               </a:rPr>
               <a:t>Training in Prob. FC communication</a:t>
@@ -5046,7 +5294,6 @@
                 <a:solidFill>
                   <a:srgbClr val="FF0000"/>
                 </a:solidFill>
-                <a:latin typeface="Arial" panose="020B0604020202020204" pitchFamily="34" charset="0"/>
                 <a:cs typeface="Arial" panose="020B0604020202020204" pitchFamily="34" charset="0"/>
               </a:rPr>
               <a:t>ecPoint FC (observed)</a:t>
@@ -5280,7 +5527,7 @@
         </p:nvSpPr>
         <p:spPr>
           <a:xfrm>
-            <a:off x="1362710" y="1583218"/>
+            <a:off x="1362710" y="1533794"/>
             <a:ext cx="393232" cy="215444"/>
           </a:xfrm>
           <a:prstGeom prst="rect">
@@ -5296,7 +5543,6 @@
           <a:p>
             <a:r>
               <a:rPr lang="en-GB" sz="800" dirty="0">
-                <a:latin typeface="Arial" panose="020B0604020202020204" pitchFamily="34" charset="0"/>
                 <a:cs typeface="Arial" panose="020B0604020202020204" pitchFamily="34" charset="0"/>
               </a:rPr>
               <a:t>IMN</a:t>
@@ -5318,7 +5564,7 @@
         </p:nvSpPr>
         <p:spPr>
           <a:xfrm>
-            <a:off x="1923686" y="1581215"/>
+            <a:off x="1923686" y="1531791"/>
             <a:ext cx="485931" cy="215444"/>
           </a:xfrm>
           <a:prstGeom prst="rect">
@@ -5334,7 +5580,6 @@
           <a:p>
             <a:r>
               <a:rPr lang="en-GB" sz="800" dirty="0">
-                <a:latin typeface="Arial" panose="020B0604020202020204" pitchFamily="34" charset="0"/>
                 <a:cs typeface="Arial" panose="020B0604020202020204" pitchFamily="34" charset="0"/>
               </a:rPr>
               <a:t>OMSZ</a:t>
@@ -5360,7 +5605,7 @@
         <p:spPr>
           <a:xfrm>
             <a:off x="1500513" y="1533866"/>
-            <a:ext cx="708717" cy="0"/>
+            <a:ext cx="684000" cy="0"/>
           </a:xfrm>
           <a:prstGeom prst="line">
             <a:avLst/>
@@ -5508,7 +5753,6 @@
                 <a:solidFill>
                   <a:srgbClr val="FF33CC"/>
                 </a:solidFill>
-                <a:latin typeface="Arial" panose="020B0604020202020204" pitchFamily="34" charset="0"/>
                 <a:cs typeface="Arial" panose="020B0604020202020204" pitchFamily="34" charset="0"/>
               </a:rPr>
               <a:t>Observed gap</a:t>
